--- a/Flaschenzug_Poster.pptx
+++ b/Flaschenzug_Poster.pptx
@@ -302,7 +302,7 @@
           <a:p>
             <a:fld id="{7A56DD26-32A4-2A43-990A-6F7E5E73786E}" type="datetimeFigureOut">
               <a:rPr lang="en-US" smtClean="0"/>
-              <a:t>11/18/2019</a:t>
+              <a:t>11/19/2019</a:t>
             </a:fld>
             <a:endParaRPr lang="en-US"/>
           </a:p>
@@ -465,7 +465,7 @@
           <a:p>
             <a:fld id="{7A56DD26-32A4-2A43-990A-6F7E5E73786E}" type="datetimeFigureOut">
               <a:rPr lang="en-US" smtClean="0"/>
-              <a:t>11/18/2019</a:t>
+              <a:t>11/19/2019</a:t>
             </a:fld>
             <a:endParaRPr lang="en-US"/>
           </a:p>
@@ -638,7 +638,7 @@
           <a:p>
             <a:fld id="{7A56DD26-32A4-2A43-990A-6F7E5E73786E}" type="datetimeFigureOut">
               <a:rPr lang="en-US" smtClean="0"/>
-              <a:t>11/18/2019</a:t>
+              <a:t>11/19/2019</a:t>
             </a:fld>
             <a:endParaRPr lang="en-US"/>
           </a:p>
@@ -801,7 +801,7 @@
           <a:p>
             <a:fld id="{7A56DD26-32A4-2A43-990A-6F7E5E73786E}" type="datetimeFigureOut">
               <a:rPr lang="en-US" smtClean="0"/>
-              <a:t>11/18/2019</a:t>
+              <a:t>11/19/2019</a:t>
             </a:fld>
             <a:endParaRPr lang="en-US"/>
           </a:p>
@@ -1041,7 +1041,7 @@
           <a:p>
             <a:fld id="{7A56DD26-32A4-2A43-990A-6F7E5E73786E}" type="datetimeFigureOut">
               <a:rPr lang="en-US" smtClean="0"/>
-              <a:t>11/18/2019</a:t>
+              <a:t>11/19/2019</a:t>
             </a:fld>
             <a:endParaRPr lang="en-US"/>
           </a:p>
@@ -1321,7 +1321,7 @@
           <a:p>
             <a:fld id="{7A56DD26-32A4-2A43-990A-6F7E5E73786E}" type="datetimeFigureOut">
               <a:rPr lang="en-US" smtClean="0"/>
-              <a:t>11/18/2019</a:t>
+              <a:t>11/19/2019</a:t>
             </a:fld>
             <a:endParaRPr lang="en-US"/>
           </a:p>
@@ -1735,7 +1735,7 @@
           <a:p>
             <a:fld id="{7A56DD26-32A4-2A43-990A-6F7E5E73786E}" type="datetimeFigureOut">
               <a:rPr lang="en-US" smtClean="0"/>
-              <a:t>11/18/2019</a:t>
+              <a:t>11/19/2019</a:t>
             </a:fld>
             <a:endParaRPr lang="en-US"/>
           </a:p>
@@ -1847,7 +1847,7 @@
           <a:p>
             <a:fld id="{7A56DD26-32A4-2A43-990A-6F7E5E73786E}" type="datetimeFigureOut">
               <a:rPr lang="en-US" smtClean="0"/>
-              <a:t>11/18/2019</a:t>
+              <a:t>11/19/2019</a:t>
             </a:fld>
             <a:endParaRPr lang="en-US"/>
           </a:p>
@@ -1937,7 +1937,7 @@
           <a:p>
             <a:fld id="{7A56DD26-32A4-2A43-990A-6F7E5E73786E}" type="datetimeFigureOut">
               <a:rPr lang="en-US" smtClean="0"/>
-              <a:t>11/18/2019</a:t>
+              <a:t>11/19/2019</a:t>
             </a:fld>
             <a:endParaRPr lang="en-US"/>
           </a:p>
@@ -2207,7 +2207,7 @@
           <a:p>
             <a:fld id="{7A56DD26-32A4-2A43-990A-6F7E5E73786E}" type="datetimeFigureOut">
               <a:rPr lang="en-US" smtClean="0"/>
-              <a:t>11/18/2019</a:t>
+              <a:t>11/19/2019</a:t>
             </a:fld>
             <a:endParaRPr lang="en-US"/>
           </a:p>
@@ -2454,7 +2454,7 @@
           <a:p>
             <a:fld id="{7A56DD26-32A4-2A43-990A-6F7E5E73786E}" type="datetimeFigureOut">
               <a:rPr lang="en-US" smtClean="0"/>
-              <a:t>11/18/2019</a:t>
+              <a:t>11/19/2019</a:t>
             </a:fld>
             <a:endParaRPr lang="en-US"/>
           </a:p>
@@ -2662,7 +2662,7 @@
           <a:p>
             <a:fld id="{7A56DD26-32A4-2A43-990A-6F7E5E73786E}" type="datetimeFigureOut">
               <a:rPr lang="en-US" smtClean="0"/>
-              <a:t>11/18/2019</a:t>
+              <a:t>11/19/2019</a:t>
             </a:fld>
             <a:endParaRPr lang="en-US"/>
           </a:p>
@@ -3898,7 +3898,7 @@
         </p:nvSpPr>
         <p:spPr>
           <a:xfrm>
-            <a:off x="4304578" y="5038129"/>
+            <a:off x="4291053" y="5038129"/>
             <a:ext cx="2750789" cy="615553"/>
           </a:xfrm>
           <a:prstGeom prst="rect">
@@ -4504,7 +4504,7 @@
               </a:lnSpc>
             </a:pPr>
             <a:r>
-              <a:rPr lang="de-DE" altLang="zh-CN" sz="850" spc="25" dirty="0">
+              <a:rPr lang="de-DE" altLang="zh-CN" sz="850" b="1" spc="25" dirty="0">
                 <a:solidFill>
                   <a:srgbClr val="1E1919"/>
                 </a:solidFill>
@@ -4647,8 +4647,8 @@
         </p:blipFill>
         <p:spPr>
           <a:xfrm>
-            <a:off x="4249968" y="2440940"/>
-            <a:ext cx="3213257" cy="1776994"/>
+            <a:off x="4304578" y="2440940"/>
+            <a:ext cx="3158647" cy="1776994"/>
           </a:xfrm>
           <a:prstGeom prst="rect">
             <a:avLst/>
@@ -4685,6 +4685,210 @@
           </a:prstGeom>
         </p:spPr>
       </p:pic>
+      <p:sp>
+        <p:nvSpPr>
+          <p:cNvPr id="20" name="Textfeld 19">
+            <a:extLst>
+              <a:ext uri="{FF2B5EF4-FFF2-40B4-BE49-F238E27FC236}">
+                <a16:creationId xmlns:a16="http://schemas.microsoft.com/office/drawing/2014/main" id="{3F8829DB-8F61-411C-9470-408AC1A25DCF}"/>
+              </a:ext>
+            </a:extLst>
+          </p:cNvPr>
+          <p:cNvSpPr txBox="1"/>
+          <p:nvPr/>
+        </p:nvSpPr>
+        <p:spPr>
+          <a:xfrm>
+            <a:off x="4304578" y="5758313"/>
+            <a:ext cx="2750789" cy="484748"/>
+          </a:xfrm>
+          <a:prstGeom prst="rect">
+            <a:avLst/>
+          </a:prstGeom>
+          <a:noFill/>
+        </p:spPr>
+        <p:txBody>
+          <a:bodyPr wrap="square" rtlCol="0">
+            <a:spAutoFit/>
+          </a:bodyPr>
+          <a:lstStyle/>
+          <a:p>
+            <a:r>
+              <a:rPr lang="de-DE" altLang="zh-CN" sz="850" b="1" spc="25" dirty="0">
+                <a:solidFill>
+                  <a:srgbClr val="0E0D0B"/>
+                </a:solidFill>
+                <a:latin typeface="Arial" panose="020B0604020202020204" pitchFamily="34" charset="0"/>
+                <a:ea typeface="Times New Roman"/>
+                <a:cs typeface="Arial" panose="020B0604020202020204" pitchFamily="34" charset="0"/>
+              </a:rPr>
+              <a:t>Connectoren</a:t>
+            </a:r>
+          </a:p>
+          <a:p>
+            <a:pPr lvl="1"/>
+            <a:r>
+              <a:rPr lang="de-DE" altLang="zh-CN" sz="850" spc="25" dirty="0">
+                <a:solidFill>
+                  <a:srgbClr val="0E0D0B"/>
+                </a:solidFill>
+                <a:latin typeface="Arial" panose="020B0604020202020204" pitchFamily="34" charset="0"/>
+                <a:ea typeface="Times New Roman"/>
+                <a:cs typeface="Arial" panose="020B0604020202020204" pitchFamily="34" charset="0"/>
+              </a:rPr>
+              <a:t>• Kraft-Weg</a:t>
+            </a:r>
+          </a:p>
+          <a:p>
+            <a:pPr lvl="1"/>
+            <a:r>
+              <a:rPr lang="de-DE" altLang="zh-CN" sz="850" spc="25" dirty="0">
+                <a:solidFill>
+                  <a:srgbClr val="0E0D0B"/>
+                </a:solidFill>
+                <a:latin typeface="Arial" panose="020B0604020202020204" pitchFamily="34" charset="0"/>
+                <a:ea typeface="Times New Roman"/>
+                <a:cs typeface="Arial" panose="020B0604020202020204" pitchFamily="34" charset="0"/>
+              </a:rPr>
+              <a:t>• Spannung-Strom</a:t>
+            </a:r>
+          </a:p>
+        </p:txBody>
+      </p:sp>
+      <p:sp>
+        <p:nvSpPr>
+          <p:cNvPr id="29" name="Textfeld 28">
+            <a:extLst>
+              <a:ext uri="{FF2B5EF4-FFF2-40B4-BE49-F238E27FC236}">
+                <a16:creationId xmlns:a16="http://schemas.microsoft.com/office/drawing/2014/main" id="{D30322F2-3AC7-4DE5-877A-AEFE361C1658}"/>
+              </a:ext>
+            </a:extLst>
+          </p:cNvPr>
+          <p:cNvSpPr txBox="1"/>
+          <p:nvPr/>
+        </p:nvSpPr>
+        <p:spPr>
+          <a:xfrm>
+            <a:off x="185669" y="3764208"/>
+            <a:ext cx="4064299" cy="353943"/>
+          </a:xfrm>
+          <a:prstGeom prst="rect">
+            <a:avLst/>
+          </a:prstGeom>
+          <a:noFill/>
+        </p:spPr>
+        <p:txBody>
+          <a:bodyPr wrap="square" rtlCol="0">
+            <a:spAutoFit/>
+          </a:bodyPr>
+          <a:lstStyle/>
+          <a:p>
+            <a:r>
+              <a:rPr lang="de-DE" altLang="zh-CN" sz="850" b="1" spc="30" dirty="0">
+                <a:solidFill>
+                  <a:srgbClr val="0E0D0B"/>
+                </a:solidFill>
+                <a:latin typeface="Arial" panose="020B0604020202020204" pitchFamily="34" charset="0"/>
+                <a:ea typeface="Times New Roman"/>
+                <a:cs typeface="Arial" panose="020B0604020202020204" pitchFamily="34" charset="0"/>
+              </a:rPr>
+              <a:t>Physikalische Wirkungskette</a:t>
+            </a:r>
+          </a:p>
+          <a:p>
+            <a:r>
+              <a:rPr lang="de-DE" altLang="zh-CN" sz="850" spc="30" dirty="0">
+                <a:solidFill>
+                  <a:srgbClr val="0E0D0B"/>
+                </a:solidFill>
+                <a:latin typeface="Arial" panose="020B0604020202020204" pitchFamily="34" charset="0"/>
+                <a:ea typeface="Times New Roman"/>
+                <a:cs typeface="Arial" panose="020B0604020202020204" pitchFamily="34" charset="0"/>
+              </a:rPr>
+              <a:t>•   Spannungsquelle </a:t>
+            </a:r>
+            <a:r>
+              <a:rPr lang="de-DE" altLang="zh-CN" sz="850" spc="30" dirty="0">
+                <a:solidFill>
+                  <a:srgbClr val="0E0D0B"/>
+                </a:solidFill>
+                <a:latin typeface="Arial" panose="020B0604020202020204" pitchFamily="34" charset="0"/>
+                <a:ea typeface="Times New Roman"/>
+                <a:cs typeface="Arial" panose="020B0604020202020204" pitchFamily="34" charset="0"/>
+                <a:sym typeface="Wingdings" panose="05000000000000000000" pitchFamily="2" charset="2"/>
+              </a:rPr>
+              <a:t> Motor  Seilzug  Masse</a:t>
+            </a:r>
+            <a:endParaRPr lang="de-DE" altLang="zh-CN" sz="850" spc="30" dirty="0">
+              <a:solidFill>
+                <a:srgbClr val="0E0D0B"/>
+              </a:solidFill>
+              <a:latin typeface="Arial" panose="020B0604020202020204" pitchFamily="34" charset="0"/>
+              <a:ea typeface="Times New Roman"/>
+              <a:cs typeface="Arial" panose="020B0604020202020204" pitchFamily="34" charset="0"/>
+            </a:endParaRPr>
+          </a:p>
+        </p:txBody>
+      </p:sp>
+      <p:sp>
+        <p:nvSpPr>
+          <p:cNvPr id="30" name="Textfeld 29">
+            <a:extLst>
+              <a:ext uri="{FF2B5EF4-FFF2-40B4-BE49-F238E27FC236}">
+                <a16:creationId xmlns:a16="http://schemas.microsoft.com/office/drawing/2014/main" id="{3C2267EF-86F2-42CE-8607-864F6123B58F}"/>
+              </a:ext>
+            </a:extLst>
+          </p:cNvPr>
+          <p:cNvSpPr txBox="1"/>
+          <p:nvPr/>
+        </p:nvSpPr>
+        <p:spPr>
+          <a:xfrm>
+            <a:off x="167765" y="4190650"/>
+            <a:ext cx="4064299" cy="353943"/>
+          </a:xfrm>
+          <a:prstGeom prst="rect">
+            <a:avLst/>
+          </a:prstGeom>
+          <a:noFill/>
+        </p:spPr>
+        <p:txBody>
+          <a:bodyPr wrap="square" rtlCol="0">
+            <a:spAutoFit/>
+          </a:bodyPr>
+          <a:lstStyle/>
+          <a:p>
+            <a:r>
+              <a:rPr lang="de-DE" altLang="zh-CN" sz="850" b="1" spc="30" dirty="0">
+                <a:solidFill>
+                  <a:srgbClr val="0E0D0B"/>
+                </a:solidFill>
+                <a:latin typeface="Arial" panose="020B0604020202020204" pitchFamily="34" charset="0"/>
+                <a:ea typeface="Times New Roman"/>
+                <a:cs typeface="Arial" panose="020B0604020202020204" pitchFamily="34" charset="0"/>
+              </a:rPr>
+              <a:t>Aufgabenstellung</a:t>
+            </a:r>
+          </a:p>
+          <a:p>
+            <a:pPr marL="171450" indent="-171450">
+              <a:buFont typeface="Arial" panose="020B0604020202020204" pitchFamily="34" charset="0"/>
+              <a:buChar char="•"/>
+            </a:pPr>
+            <a:r>
+              <a:rPr lang="de-DE" altLang="zh-CN" sz="850" spc="30" dirty="0">
+                <a:solidFill>
+                  <a:srgbClr val="0E0D0B"/>
+                </a:solidFill>
+                <a:latin typeface="Arial" panose="020B0604020202020204" pitchFamily="34" charset="0"/>
+                <a:ea typeface="Times New Roman"/>
+                <a:cs typeface="Arial" panose="020B0604020202020204" pitchFamily="34" charset="0"/>
+              </a:rPr>
+              <a:t>Kurze Zusammenfassung der Aufgabenstellung</a:t>
+            </a:r>
+          </a:p>
+        </p:txBody>
+      </p:sp>
     </p:spTree>
   </p:cSld>
   <p:clrMapOvr>

--- a/Flaschenzug_Poster.pptx
+++ b/Flaschenzug_Poster.pptx
@@ -6,6 +6,7 @@
   </p:sldMasterIdLst>
   <p:sldIdLst>
     <p:sldId id="256" r:id="rId2"/>
+    <p:sldId id="257" r:id="rId3"/>
   </p:sldIdLst>
   <p:sldSz cx="7561263" cy="10691813"/>
   <p:notesSz cx="6858000" cy="9144000"/>
@@ -302,7 +303,7 @@
           <a:p>
             <a:fld id="{7A56DD26-32A4-2A43-990A-6F7E5E73786E}" type="datetimeFigureOut">
               <a:rPr lang="en-US" smtClean="0"/>
-              <a:t>11/19/2019</a:t>
+              <a:t>12/4/2019</a:t>
             </a:fld>
             <a:endParaRPr lang="en-US"/>
           </a:p>
@@ -465,7 +466,7 @@
           <a:p>
             <a:fld id="{7A56DD26-32A4-2A43-990A-6F7E5E73786E}" type="datetimeFigureOut">
               <a:rPr lang="en-US" smtClean="0"/>
-              <a:t>11/19/2019</a:t>
+              <a:t>12/4/2019</a:t>
             </a:fld>
             <a:endParaRPr lang="en-US"/>
           </a:p>
@@ -638,7 +639,7 @@
           <a:p>
             <a:fld id="{7A56DD26-32A4-2A43-990A-6F7E5E73786E}" type="datetimeFigureOut">
               <a:rPr lang="en-US" smtClean="0"/>
-              <a:t>11/19/2019</a:t>
+              <a:t>12/4/2019</a:t>
             </a:fld>
             <a:endParaRPr lang="en-US"/>
           </a:p>
@@ -801,7 +802,7 @@
           <a:p>
             <a:fld id="{7A56DD26-32A4-2A43-990A-6F7E5E73786E}" type="datetimeFigureOut">
               <a:rPr lang="en-US" smtClean="0"/>
-              <a:t>11/19/2019</a:t>
+              <a:t>12/4/2019</a:t>
             </a:fld>
             <a:endParaRPr lang="en-US"/>
           </a:p>
@@ -1041,7 +1042,7 @@
           <a:p>
             <a:fld id="{7A56DD26-32A4-2A43-990A-6F7E5E73786E}" type="datetimeFigureOut">
               <a:rPr lang="en-US" smtClean="0"/>
-              <a:t>11/19/2019</a:t>
+              <a:t>12/4/2019</a:t>
             </a:fld>
             <a:endParaRPr lang="en-US"/>
           </a:p>
@@ -1321,7 +1322,7 @@
           <a:p>
             <a:fld id="{7A56DD26-32A4-2A43-990A-6F7E5E73786E}" type="datetimeFigureOut">
               <a:rPr lang="en-US" smtClean="0"/>
-              <a:t>11/19/2019</a:t>
+              <a:t>12/4/2019</a:t>
             </a:fld>
             <a:endParaRPr lang="en-US"/>
           </a:p>
@@ -1735,7 +1736,7 @@
           <a:p>
             <a:fld id="{7A56DD26-32A4-2A43-990A-6F7E5E73786E}" type="datetimeFigureOut">
               <a:rPr lang="en-US" smtClean="0"/>
-              <a:t>11/19/2019</a:t>
+              <a:t>12/4/2019</a:t>
             </a:fld>
             <a:endParaRPr lang="en-US"/>
           </a:p>
@@ -1847,7 +1848,7 @@
           <a:p>
             <a:fld id="{7A56DD26-32A4-2A43-990A-6F7E5E73786E}" type="datetimeFigureOut">
               <a:rPr lang="en-US" smtClean="0"/>
-              <a:t>11/19/2019</a:t>
+              <a:t>12/4/2019</a:t>
             </a:fld>
             <a:endParaRPr lang="en-US"/>
           </a:p>
@@ -1937,7 +1938,7 @@
           <a:p>
             <a:fld id="{7A56DD26-32A4-2A43-990A-6F7E5E73786E}" type="datetimeFigureOut">
               <a:rPr lang="en-US" smtClean="0"/>
-              <a:t>11/19/2019</a:t>
+              <a:t>12/4/2019</a:t>
             </a:fld>
             <a:endParaRPr lang="en-US"/>
           </a:p>
@@ -2207,7 +2208,7 @@
           <a:p>
             <a:fld id="{7A56DD26-32A4-2A43-990A-6F7E5E73786E}" type="datetimeFigureOut">
               <a:rPr lang="en-US" smtClean="0"/>
-              <a:t>11/19/2019</a:t>
+              <a:t>12/4/2019</a:t>
             </a:fld>
             <a:endParaRPr lang="en-US"/>
           </a:p>
@@ -2454,7 +2455,7 @@
           <a:p>
             <a:fld id="{7A56DD26-32A4-2A43-990A-6F7E5E73786E}" type="datetimeFigureOut">
               <a:rPr lang="en-US" smtClean="0"/>
-              <a:t>11/19/2019</a:t>
+              <a:t>12/4/2019</a:t>
             </a:fld>
             <a:endParaRPr lang="en-US"/>
           </a:p>
@@ -2662,7 +2663,7 @@
           <a:p>
             <a:fld id="{7A56DD26-32A4-2A43-990A-6F7E5E73786E}" type="datetimeFigureOut">
               <a:rPr lang="en-US" smtClean="0"/>
-              <a:t>11/19/2019</a:t>
+              <a:t>12/4/2019</a:t>
             </a:fld>
             <a:endParaRPr lang="en-US"/>
           </a:p>
@@ -3040,8 +3041,8 @@
         </p:nvSpPr>
         <p:spPr>
           <a:xfrm>
-            <a:off x="95250" y="1949450"/>
-            <a:ext cx="4718050" cy="2787650"/>
+            <a:off x="68595" y="1821157"/>
+            <a:ext cx="7298248" cy="2865793"/>
           </a:xfrm>
           <a:custGeom>
             <a:avLst/>
@@ -3130,9 +3131,7 @@
             </a:pathLst>
           </a:custGeom>
           <a:solidFill>
-            <a:srgbClr val="F3BB07">
-              <a:alpha val="100000"/>
-            </a:srgbClr>
+            <a:srgbClr val="F3BB07"/>
           </a:solidFill>
           <a:ln w="12700">
             <a:solidFill>
@@ -3182,7 +3181,7 @@
         </p:blipFill>
         <p:spPr>
           <a:xfrm>
-            <a:off x="6088380" y="449580"/>
+            <a:off x="6088380" y="200660"/>
             <a:ext cx="1066800" cy="708660"/>
           </a:xfrm>
           <a:prstGeom prst="rect">
@@ -3206,7 +3205,7 @@
         </p:blipFill>
         <p:spPr>
           <a:xfrm>
-            <a:off x="4937760" y="449580"/>
+            <a:off x="4937760" y="200660"/>
             <a:ext cx="922019" cy="289560"/>
           </a:xfrm>
           <a:prstGeom prst="rect">
@@ -3222,7 +3221,7 @@
         </p:nvSpPr>
         <p:spPr>
           <a:xfrm>
-            <a:off x="57150" y="666750"/>
+            <a:off x="57150" y="442727"/>
             <a:ext cx="7435850" cy="1758950"/>
           </a:xfrm>
           <a:custGeom>
@@ -3492,30 +3491,6 @@
           </a:p>
         </p:txBody>
       </p:sp>
-      <p:pic>
-        <p:nvPicPr>
-          <p:cNvPr id="13" name="Picture 13"/>
-          <p:cNvPicPr>
-            <a:picLocks noChangeAspect="1"/>
-          </p:cNvPicPr>
-          <p:nvPr/>
-        </p:nvPicPr>
-        <p:blipFill>
-          <a:blip r:embed="rId4"/>
-          <a:stretch>
-            <a:fillRect/>
-          </a:stretch>
-        </p:blipFill>
-        <p:spPr>
-          <a:xfrm>
-            <a:off x="0" y="4808220"/>
-            <a:ext cx="7566659" cy="5852160"/>
-          </a:xfrm>
-          <a:prstGeom prst="rect">
-            <a:avLst/>
-          </a:prstGeom>
-        </p:spPr>
-      </p:pic>
       <p:sp>
         <p:nvSpPr>
           <p:cNvPr id="15" name="TextBox 13"/>
@@ -3524,8 +3499,8 @@
         </p:nvSpPr>
         <p:spPr>
           <a:xfrm>
-            <a:off x="409976" y="1142034"/>
-            <a:ext cx="5464039" cy="707758"/>
+            <a:off x="409976" y="968323"/>
+            <a:ext cx="5622524" cy="707758"/>
           </a:xfrm>
           <a:prstGeom prst="rect">
             <a:avLst/>
@@ -3544,7 +3519,7 @@
               </a:lnSpc>
             </a:pPr>
             <a:r>
-              <a:rPr lang="de-DE" altLang="zh-CN" sz="2350" spc="154" dirty="0">
+              <a:rPr lang="de-DE" altLang="zh-CN" sz="2350" b="1" spc="154" dirty="0">
                 <a:solidFill>
                   <a:srgbClr val="1E1919"/>
                 </a:solidFill>
@@ -3555,7 +3530,7 @@
               <a:t>Implementierung</a:t>
             </a:r>
             <a:r>
-              <a:rPr lang="en-US" altLang="zh-CN" sz="2350" spc="89" dirty="0">
+              <a:rPr lang="en-US" altLang="zh-CN" sz="2350" b="1" spc="89" dirty="0">
                 <a:solidFill>
                   <a:srgbClr val="1E1919"/>
                 </a:solidFill>
@@ -3565,7 +3540,7 @@
               <a:t> </a:t>
             </a:r>
             <a:r>
-              <a:rPr lang="de-DE" altLang="zh-CN" sz="2350" spc="139" dirty="0">
+              <a:rPr lang="de-DE" altLang="zh-CN" sz="2350" b="1" spc="139" dirty="0">
                 <a:solidFill>
                   <a:srgbClr val="1E1919"/>
                 </a:solidFill>
@@ -3576,7 +3551,7 @@
               <a:t>einer</a:t>
             </a:r>
             <a:r>
-              <a:rPr lang="en-US" altLang="zh-CN" sz="2350" spc="94" dirty="0">
+              <a:rPr lang="en-US" altLang="zh-CN" sz="2350" b="1" spc="94" dirty="0">
                 <a:solidFill>
                   <a:srgbClr val="1E1919"/>
                 </a:solidFill>
@@ -3586,7 +3561,7 @@
               <a:t> </a:t>
             </a:r>
             <a:r>
-              <a:rPr lang="de-DE" altLang="zh-CN" sz="2350" spc="160" dirty="0">
+              <a:rPr lang="de-DE" altLang="zh-CN" sz="2350" b="1" spc="160" dirty="0">
                 <a:solidFill>
                   <a:srgbClr val="1E1919"/>
                 </a:solidFill>
@@ -3597,7 +3572,7 @@
               <a:t>Modelica</a:t>
             </a:r>
             <a:r>
-              <a:rPr lang="en-US" altLang="zh-CN" sz="2350" dirty="0">
+              <a:rPr lang="en-US" altLang="zh-CN" sz="2350" b="1" dirty="0">
                 <a:solidFill>
                   <a:srgbClr val="1E1919"/>
                 </a:solidFill>
@@ -3607,7 +3582,7 @@
               <a:t> </a:t>
             </a:r>
             <a:r>
-              <a:rPr lang="de-DE" altLang="zh-CN" sz="2350" spc="150" dirty="0">
+              <a:rPr lang="de-DE" altLang="zh-CN" sz="2350" b="1" spc="150" dirty="0">
                 <a:solidFill>
                   <a:srgbClr val="1E1919"/>
                 </a:solidFill>
@@ -3618,7 +3593,7 @@
               <a:t>Bibliothek</a:t>
             </a:r>
             <a:r>
-              <a:rPr lang="en-US" altLang="zh-CN" sz="2350" spc="104" dirty="0">
+              <a:rPr lang="en-US" altLang="zh-CN" sz="2350" b="1" spc="104" dirty="0">
                 <a:solidFill>
                   <a:srgbClr val="1E1919"/>
                 </a:solidFill>
@@ -3628,7 +3603,7 @@
               <a:t> </a:t>
             </a:r>
             <a:r>
-              <a:rPr lang="de-DE" altLang="zh-CN" sz="2350" spc="139" dirty="0">
+              <a:rPr lang="de-DE" altLang="zh-CN" sz="2350" b="1" spc="139" dirty="0">
                 <a:solidFill>
                   <a:srgbClr val="1E1919"/>
                 </a:solidFill>
@@ -3639,7 +3614,7 @@
               <a:t>für</a:t>
             </a:r>
             <a:r>
-              <a:rPr lang="en-US" altLang="zh-CN" sz="2350" spc="104" dirty="0">
+              <a:rPr lang="en-US" altLang="zh-CN" sz="2350" b="1" spc="104" dirty="0">
                 <a:solidFill>
                   <a:srgbClr val="1E1919"/>
                 </a:solidFill>
@@ -3649,7 +3624,7 @@
               <a:t> </a:t>
             </a:r>
             <a:r>
-              <a:rPr lang="de-DE" altLang="zh-CN" sz="2350" spc="154" dirty="0">
+              <a:rPr lang="de-DE" altLang="zh-CN" sz="2350" b="1" spc="154" dirty="0">
                 <a:solidFill>
                   <a:srgbClr val="1E1919"/>
                 </a:solidFill>
@@ -3660,7 +3635,7 @@
               <a:t>einen</a:t>
             </a:r>
             <a:r>
-              <a:rPr lang="en-US" altLang="zh-CN" sz="2350" spc="110" dirty="0">
+              <a:rPr lang="en-US" altLang="zh-CN" sz="2350" b="1" spc="110" dirty="0">
                 <a:solidFill>
                   <a:srgbClr val="1E1919"/>
                 </a:solidFill>
@@ -3670,7 +3645,7 @@
               <a:t> </a:t>
             </a:r>
             <a:r>
-              <a:rPr lang="de-DE" altLang="zh-CN" sz="2350" spc="160" dirty="0">
+              <a:rPr lang="de-DE" altLang="zh-CN" sz="2350" b="1" spc="160" dirty="0">
                 <a:solidFill>
                   <a:srgbClr val="1E1919"/>
                 </a:solidFill>
@@ -3697,7 +3672,7 @@
         </p:nvSpPr>
         <p:spPr>
           <a:xfrm>
-            <a:off x="195611" y="8403985"/>
+            <a:off x="57150" y="8036898"/>
             <a:ext cx="2750789" cy="484748"/>
           </a:xfrm>
           <a:prstGeom prst="rect">
@@ -3898,8 +3873,8 @@
         </p:nvSpPr>
         <p:spPr>
           <a:xfrm>
-            <a:off x="4291053" y="5038129"/>
-            <a:ext cx="2750789" cy="615553"/>
+            <a:off x="139700" y="8661149"/>
+            <a:ext cx="1881357" cy="615553"/>
           </a:xfrm>
           <a:prstGeom prst="rect">
             <a:avLst/>
@@ -3964,74 +3939,6 @@
                 <a:cs typeface="Arial" panose="020B0604020202020204" pitchFamily="34" charset="0"/>
               </a:rPr>
               <a:t>• Richtung des Seilzugs</a:t>
-            </a:r>
-          </a:p>
-        </p:txBody>
-      </p:sp>
-      <p:sp>
-        <p:nvSpPr>
-          <p:cNvPr id="19" name="Textfeld 18">
-            <a:extLst>
-              <a:ext uri="{FF2B5EF4-FFF2-40B4-BE49-F238E27FC236}">
-                <a16:creationId xmlns:a16="http://schemas.microsoft.com/office/drawing/2014/main" id="{39274BE5-D7E3-41BA-97B0-681FA467D92A}"/>
-              </a:ext>
-            </a:extLst>
-          </p:cNvPr>
-          <p:cNvSpPr txBox="1"/>
-          <p:nvPr/>
-        </p:nvSpPr>
-        <p:spPr>
-          <a:xfrm>
-            <a:off x="185669" y="3211969"/>
-            <a:ext cx="4064299" cy="484748"/>
-          </a:xfrm>
-          <a:prstGeom prst="rect">
-            <a:avLst/>
-          </a:prstGeom>
-          <a:noFill/>
-        </p:spPr>
-        <p:txBody>
-          <a:bodyPr wrap="square" rtlCol="0">
-            <a:spAutoFit/>
-          </a:bodyPr>
-          <a:lstStyle/>
-          <a:p>
-            <a:r>
-              <a:rPr lang="de-DE" altLang="zh-CN" sz="850" b="1" spc="30" dirty="0">
-                <a:solidFill>
-                  <a:srgbClr val="0E0D0B"/>
-                </a:solidFill>
-                <a:latin typeface="Arial" panose="020B0604020202020204" pitchFamily="34" charset="0"/>
-                <a:ea typeface="Times New Roman"/>
-                <a:cs typeface="Arial" panose="020B0604020202020204" pitchFamily="34" charset="0"/>
-              </a:rPr>
-              <a:t>Voraussetzungen an das Modell</a:t>
-            </a:r>
-          </a:p>
-          <a:p>
-            <a:r>
-              <a:rPr lang="de-DE" altLang="zh-CN" sz="850" spc="30" dirty="0">
-                <a:solidFill>
-                  <a:srgbClr val="0E0D0B"/>
-                </a:solidFill>
-                <a:latin typeface="Arial" panose="020B0604020202020204" pitchFamily="34" charset="0"/>
-                <a:ea typeface="Times New Roman"/>
-                <a:cs typeface="Arial" panose="020B0604020202020204" pitchFamily="34" charset="0"/>
-              </a:rPr>
-              <a:t>•   Folien aus der Modelica-Vorlesung</a:t>
-            </a:r>
-          </a:p>
-          <a:p>
-            <a:r>
-              <a:rPr lang="de-DE" altLang="zh-CN" sz="850" spc="30" dirty="0">
-                <a:solidFill>
-                  <a:srgbClr val="0E0D0B"/>
-                </a:solidFill>
-                <a:latin typeface="Arial" panose="020B0604020202020204" pitchFamily="34" charset="0"/>
-                <a:ea typeface="Times New Roman"/>
-                <a:cs typeface="Arial" panose="020B0604020202020204" pitchFamily="34" charset="0"/>
-              </a:rPr>
-              <a:t>•   Auflisten der Anforderungen an das Modell z.B. einphasiger E-Motor</a:t>
             </a:r>
           </a:p>
         </p:txBody>
@@ -4050,7 +3957,7 @@
         </p:nvSpPr>
         <p:spPr>
           <a:xfrm>
-            <a:off x="195611" y="2496820"/>
+            <a:off x="68595" y="6723833"/>
             <a:ext cx="1388533" cy="615553"/>
           </a:xfrm>
           <a:prstGeom prst="rect">
@@ -4599,35 +4506,6 @@
       </p:sp>
       <p:pic>
         <p:nvPicPr>
-          <p:cNvPr id="25" name="Grafik 24">
-            <a:extLst>
-              <a:ext uri="{FF2B5EF4-FFF2-40B4-BE49-F238E27FC236}">
-                <a16:creationId xmlns:a16="http://schemas.microsoft.com/office/drawing/2014/main" id="{2268821B-118A-482F-AB82-8D3C888C041E}"/>
-              </a:ext>
-            </a:extLst>
-          </p:cNvPr>
-          <p:cNvPicPr>
-            <a:picLocks noChangeAspect="1"/>
-          </p:cNvPicPr>
-          <p:nvPr/>
-        </p:nvPicPr>
-        <p:blipFill rotWithShape="1">
-          <a:blip r:embed="rId5"/>
-          <a:srcRect l="5991" t="452"/>
-          <a:stretch/>
-        </p:blipFill>
-        <p:spPr>
-          <a:xfrm>
-            <a:off x="425388" y="4905956"/>
-            <a:ext cx="1726901" cy="2858777"/>
-          </a:xfrm>
-          <a:prstGeom prst="rect">
-            <a:avLst/>
-          </a:prstGeom>
-        </p:spPr>
-      </p:pic>
-      <p:pic>
-        <p:nvPicPr>
           <p:cNvPr id="26" name="Grafik 25">
             <a:extLst>
               <a:ext uri="{FF2B5EF4-FFF2-40B4-BE49-F238E27FC236}">
@@ -4636,19 +4514,19 @@
             </a:extLst>
           </p:cNvPr>
           <p:cNvPicPr>
-            <a:picLocks noChangeAspect="1"/>
+            <a:picLocks/>
           </p:cNvPicPr>
           <p:nvPr/>
         </p:nvPicPr>
         <p:blipFill rotWithShape="1">
-          <a:blip r:embed="rId6"/>
-          <a:srcRect t="6982"/>
+          <a:blip r:embed="rId4"/>
+          <a:srcRect t="63728" r="81042" b="4468"/>
           <a:stretch/>
         </p:blipFill>
         <p:spPr>
           <a:xfrm>
-            <a:off x="4304578" y="2440940"/>
-            <a:ext cx="3158647" cy="1776994"/>
+            <a:off x="3126742" y="5451067"/>
+            <a:ext cx="540000" cy="540000"/>
           </a:xfrm>
           <a:prstGeom prst="rect">
             <a:avLst/>
@@ -4670,14 +4548,14 @@
           <p:nvPr/>
         </p:nvPicPr>
         <p:blipFill>
-          <a:blip r:embed="rId7"/>
+          <a:blip r:embed="rId5"/>
           <a:stretch>
             <a:fillRect/>
           </a:stretch>
         </p:blipFill>
         <p:spPr>
           <a:xfrm>
-            <a:off x="3853443" y="7466865"/>
+            <a:off x="3930778" y="7811078"/>
             <a:ext cx="3111064" cy="1568016"/>
           </a:xfrm>
           <a:prstGeom prst="rect">
@@ -4699,8 +4577,8 @@
         </p:nvSpPr>
         <p:spPr>
           <a:xfrm>
-            <a:off x="4304578" y="5758313"/>
-            <a:ext cx="2750789" cy="484748"/>
+            <a:off x="4847516" y="6454664"/>
+            <a:ext cx="2620195" cy="746358"/>
           </a:xfrm>
           <a:prstGeom prst="rect">
             <a:avLst/>
@@ -4726,7 +4604,10 @@
             </a:r>
           </a:p>
           <a:p>
-            <a:pPr lvl="1"/>
+            <a:pPr marL="171450" indent="-171450">
+              <a:buFont typeface="Arial" panose="020B0604020202020204" pitchFamily="34" charset="0"/>
+              <a:buChar char="•"/>
+            </a:pPr>
             <a:r>
               <a:rPr lang="de-DE" altLang="zh-CN" sz="850" spc="25" dirty="0">
                 <a:solidFill>
@@ -4736,11 +4617,14 @@
                 <a:ea typeface="Times New Roman"/>
                 <a:cs typeface="Arial" panose="020B0604020202020204" pitchFamily="34" charset="0"/>
               </a:rPr>
-              <a:t>• Kraft-Weg</a:t>
-            </a:r>
-          </a:p>
-          <a:p>
-            <a:pPr lvl="1"/>
+              <a:t>„Connectoren“ repräsentieren physikalische Verbindungen</a:t>
+            </a:r>
+          </a:p>
+          <a:p>
+            <a:pPr marL="171450" indent="-171450">
+              <a:buFont typeface="Arial" panose="020B0604020202020204" pitchFamily="34" charset="0"/>
+              <a:buChar char="•"/>
+            </a:pPr>
             <a:r>
               <a:rPr lang="de-DE" altLang="zh-CN" sz="850" spc="25" dirty="0">
                 <a:solidFill>
@@ -4750,7 +4634,24 @@
                 <a:ea typeface="Times New Roman"/>
                 <a:cs typeface="Arial" panose="020B0604020202020204" pitchFamily="34" charset="0"/>
               </a:rPr>
-              <a:t>• Spannung-Strom</a:t>
+              <a:t>Kraft-Weg</a:t>
+            </a:r>
+          </a:p>
+          <a:p>
+            <a:pPr marL="171450" indent="-171450">
+              <a:buFont typeface="Arial" panose="020B0604020202020204" pitchFamily="34" charset="0"/>
+              <a:buChar char="•"/>
+            </a:pPr>
+            <a:r>
+              <a:rPr lang="de-DE" altLang="zh-CN" sz="850" spc="25" dirty="0">
+                <a:solidFill>
+                  <a:srgbClr val="0E0D0B"/>
+                </a:solidFill>
+                <a:latin typeface="Arial" panose="020B0604020202020204" pitchFamily="34" charset="0"/>
+                <a:ea typeface="Times New Roman"/>
+                <a:cs typeface="Arial" panose="020B0604020202020204" pitchFamily="34" charset="0"/>
+              </a:rPr>
+              <a:t>Spannung-Strom</a:t>
             </a:r>
           </a:p>
         </p:txBody>
@@ -4769,8 +4670,8 @@
         </p:nvSpPr>
         <p:spPr>
           <a:xfrm>
-            <a:off x="185669" y="3764208"/>
-            <a:ext cx="4064299" cy="353943"/>
+            <a:off x="4833957" y="7173366"/>
+            <a:ext cx="1797501" cy="484748"/>
           </a:xfrm>
           <a:prstGeom prst="rect">
             <a:avLst/>
@@ -4817,7 +4718,7 @@
                 <a:cs typeface="Arial" panose="020B0604020202020204" pitchFamily="34" charset="0"/>
                 <a:sym typeface="Wingdings" panose="05000000000000000000" pitchFamily="2" charset="2"/>
               </a:rPr>
-              <a:t> Motor  Seilzug  Masse</a:t>
+              <a:t> Motor  Seilzug  Rollen Masse</a:t>
             </a:r>
             <a:endParaRPr lang="de-DE" altLang="zh-CN" sz="850" spc="30" dirty="0">
               <a:solidFill>
@@ -4844,8 +4745,8 @@
         </p:nvSpPr>
         <p:spPr>
           <a:xfrm>
-            <a:off x="167765" y="4190650"/>
-            <a:ext cx="4064299" cy="353943"/>
+            <a:off x="195611" y="2279286"/>
+            <a:ext cx="2925954" cy="1138773"/>
           </a:xfrm>
           <a:prstGeom prst="rect">
             <a:avLst/>
@@ -4871,10 +4772,7 @@
             </a:r>
           </a:p>
           <a:p>
-            <a:pPr marL="171450" indent="-171450">
-              <a:buFont typeface="Arial" panose="020B0604020202020204" pitchFamily="34" charset="0"/>
-              <a:buChar char="•"/>
-            </a:pPr>
+            <a:pPr algn="just"/>
             <a:r>
               <a:rPr lang="de-DE" altLang="zh-CN" sz="850" spc="30" dirty="0">
                 <a:solidFill>
@@ -4884,12 +4782,2135 @@
                 <a:ea typeface="Times New Roman"/>
                 <a:cs typeface="Arial" panose="020B0604020202020204" pitchFamily="34" charset="0"/>
               </a:rPr>
-              <a:t>Kurze Zusammenfassung der Aufgabenstellung</a:t>
+              <a:t>Im Rahmen des Modelica-Seminars soll ein simulationsfähiges Flaschenzugsystem entwickelt werden. Dazu werden die wichtigsten physikalischen und elektromechanischen Komponenten sowie die Wechselwirkungen innerhalb des Systems in einer Modelica-Bibliothek abgebildet. Das Modell muss folgende Anforderungen erfüllen:</a:t>
+            </a:r>
+          </a:p>
+        </p:txBody>
+      </p:sp>
+      <p:sp>
+        <p:nvSpPr>
+          <p:cNvPr id="28" name="Textfeld 27">
+            <a:extLst>
+              <a:ext uri="{FF2B5EF4-FFF2-40B4-BE49-F238E27FC236}">
+                <a16:creationId xmlns:a16="http://schemas.microsoft.com/office/drawing/2014/main" id="{66A534B3-84E5-4EAE-BE5B-58F1F2DA36DD}"/>
+              </a:ext>
+            </a:extLst>
+          </p:cNvPr>
+          <p:cNvSpPr txBox="1"/>
+          <p:nvPr/>
+        </p:nvSpPr>
+        <p:spPr>
+          <a:xfrm>
+            <a:off x="3467123" y="2279286"/>
+            <a:ext cx="3383086" cy="1661993"/>
+          </a:xfrm>
+          <a:prstGeom prst="rect">
+            <a:avLst/>
+          </a:prstGeom>
+          <a:noFill/>
+        </p:spPr>
+        <p:txBody>
+          <a:bodyPr wrap="square" rtlCol="0">
+            <a:spAutoFit/>
+          </a:bodyPr>
+          <a:lstStyle/>
+          <a:p>
+            <a:r>
+              <a:rPr lang="de-DE" altLang="zh-CN" sz="850" b="1" spc="30" dirty="0">
+                <a:solidFill>
+                  <a:srgbClr val="0E0D0B"/>
+                </a:solidFill>
+                <a:latin typeface="Arial" panose="020B0604020202020204" pitchFamily="34" charset="0"/>
+                <a:ea typeface="Times New Roman"/>
+                <a:cs typeface="Arial" panose="020B0604020202020204" pitchFamily="34" charset="0"/>
+              </a:rPr>
+              <a:t>Modelica</a:t>
+            </a:r>
+            <a:endParaRPr lang="de-DE" altLang="zh-CN" sz="850" spc="30" dirty="0">
+              <a:solidFill>
+                <a:srgbClr val="0E0D0B"/>
+              </a:solidFill>
+              <a:latin typeface="Arial" panose="020B0604020202020204" pitchFamily="34" charset="0"/>
+              <a:ea typeface="Times New Roman"/>
+              <a:cs typeface="Arial" panose="020B0604020202020204" pitchFamily="34" charset="0"/>
+            </a:endParaRPr>
+          </a:p>
+          <a:p>
+            <a:pPr algn="just"/>
+            <a:r>
+              <a:rPr lang="de-DE" altLang="zh-CN" sz="850" spc="30" dirty="0">
+                <a:solidFill>
+                  <a:srgbClr val="0E0D0B"/>
+                </a:solidFill>
+                <a:latin typeface="Arial" panose="020B0604020202020204" pitchFamily="34" charset="0"/>
+                <a:ea typeface="Times New Roman"/>
+                <a:cs typeface="Arial" panose="020B0604020202020204" pitchFamily="34" charset="0"/>
+              </a:rPr>
+              <a:t>Modelica ist eine C-ähnliche, akausale Modellierungssprache, die physikalische Gesetzmäßigkeiten durch Zustands- und Erhaltungsgleichungen beschreibt. Connectoren stellen Verbindungselemente sog. Schnittstellen zwischen einzelnen Komponente eines Systems dar. Da Ein- und Ausgangsgrößen und deren Verbindungsrichtung nicht explizit definiert sind, wirken Potentialvariablen auf die Schnittstellen des Systems, wodurch eine bidirektionale Weitergabe der Flussvariablen stattfindet. Um eine Simulation starten zu können, muss die Variablenanzahl der Gleichungsanzahl entsprechen.</a:t>
+            </a:r>
+          </a:p>
+        </p:txBody>
+      </p:sp>
+      <p:graphicFrame>
+        <p:nvGraphicFramePr>
+          <p:cNvPr id="31" name="Tabelle 30">
+            <a:extLst>
+              <a:ext uri="{FF2B5EF4-FFF2-40B4-BE49-F238E27FC236}">
+                <a16:creationId xmlns:a16="http://schemas.microsoft.com/office/drawing/2014/main" id="{7D0EFD3B-D338-426F-922F-4B2808421C1A}"/>
+              </a:ext>
+            </a:extLst>
+          </p:cNvPr>
+          <p:cNvGraphicFramePr>
+            <a:graphicFrameLocks noGrp="1"/>
+          </p:cNvGraphicFramePr>
+          <p:nvPr>
+            <p:extLst>
+              <p:ext uri="{D42A27DB-BD31-4B8C-83A1-F6EECF244321}">
+                <p14:modId xmlns:p14="http://schemas.microsoft.com/office/powerpoint/2010/main" val="980442234"/>
+              </p:ext>
+            </p:extLst>
+          </p:nvPr>
+        </p:nvGraphicFramePr>
+        <p:xfrm>
+          <a:off x="308476" y="3404604"/>
+          <a:ext cx="2519680" cy="1038673"/>
+        </p:xfrm>
+        <a:graphic>
+          <a:graphicData uri="http://schemas.openxmlformats.org/drawingml/2006/table">
+            <a:tbl>
+              <a:tblPr/>
+              <a:tblGrid>
+                <a:gridCol w="1294115">
+                  <a:extLst>
+                    <a:ext uri="{9D8B030D-6E8A-4147-A177-3AD203B41FA5}">
+                      <a16:colId xmlns:a16="http://schemas.microsoft.com/office/drawing/2014/main" val="3270020738"/>
+                    </a:ext>
+                  </a:extLst>
+                </a:gridCol>
+                <a:gridCol w="1225565">
+                  <a:extLst>
+                    <a:ext uri="{9D8B030D-6E8A-4147-A177-3AD203B41FA5}">
+                      <a16:colId xmlns:a16="http://schemas.microsoft.com/office/drawing/2014/main" val="2192697697"/>
+                    </a:ext>
+                  </a:extLst>
+                </a:gridCol>
+              </a:tblGrid>
+              <a:tr h="209260">
+                <a:tc>
+                  <a:txBody>
+                    <a:bodyPr/>
+                    <a:lstStyle/>
+                    <a:p>
+                      <a:pPr algn="l" fontAlgn="ctr"/>
+                      <a:r>
+                        <a:rPr lang="de-DE" sz="700" b="1" i="0" u="none" strike="noStrike" dirty="0">
+                          <a:solidFill>
+                            <a:srgbClr val="000000"/>
+                          </a:solidFill>
+                          <a:effectLst/>
+                          <a:latin typeface="Arial" panose="020B0604020202020204" pitchFamily="34" charset="0"/>
+                        </a:rPr>
+                        <a:t> Flaschenzugsystem</a:t>
+                      </a:r>
+                    </a:p>
+                  </a:txBody>
+                  <a:tcPr marL="6350" marR="6350" marT="6350" marB="0" anchor="ctr">
+                    <a:lnL w="6350" cap="flat" cmpd="sng" algn="ctr">
+                      <a:solidFill>
+                        <a:srgbClr val="000000"/>
+                      </a:solidFill>
+                      <a:prstDash val="solid"/>
+                      <a:round/>
+                      <a:headEnd type="none" w="med" len="med"/>
+                      <a:tailEnd type="none" w="med" len="med"/>
+                    </a:lnL>
+                    <a:lnR w="6350" cap="flat" cmpd="sng" algn="ctr">
+                      <a:solidFill>
+                        <a:srgbClr val="000000"/>
+                      </a:solidFill>
+                      <a:prstDash val="solid"/>
+                      <a:round/>
+                      <a:headEnd type="none" w="med" len="med"/>
+                      <a:tailEnd type="none" w="med" len="med"/>
+                    </a:lnR>
+                    <a:lnT w="6350" cap="flat" cmpd="sng" algn="ctr">
+                      <a:solidFill>
+                        <a:srgbClr val="000000"/>
+                      </a:solidFill>
+                      <a:prstDash val="solid"/>
+                      <a:round/>
+                      <a:headEnd type="none" w="med" len="med"/>
+                      <a:tailEnd type="none" w="med" len="med"/>
+                    </a:lnT>
+                    <a:lnB w="6350" cap="flat" cmpd="sng" algn="ctr">
+                      <a:solidFill>
+                        <a:srgbClr val="000000"/>
+                      </a:solidFill>
+                      <a:prstDash val="solid"/>
+                      <a:round/>
+                      <a:headEnd type="none" w="med" len="med"/>
+                      <a:tailEnd type="none" w="med" len="med"/>
+                    </a:lnB>
+                    <a:solidFill>
+                      <a:srgbClr val="BEBEBE"/>
+                    </a:solidFill>
+                  </a:tcPr>
+                </a:tc>
+                <a:tc>
+                  <a:txBody>
+                    <a:bodyPr/>
+                    <a:lstStyle/>
+                    <a:p>
+                      <a:pPr algn="l" fontAlgn="ctr"/>
+                      <a:r>
+                        <a:rPr lang="de-DE" sz="700" b="1" i="0" u="none" strike="noStrike" dirty="0">
+                          <a:solidFill>
+                            <a:srgbClr val="000000"/>
+                          </a:solidFill>
+                          <a:effectLst/>
+                          <a:latin typeface="Arial" panose="020B0604020202020204" pitchFamily="34" charset="0"/>
+                        </a:rPr>
+                        <a:t> E-Motor</a:t>
+                      </a:r>
+                    </a:p>
+                  </a:txBody>
+                  <a:tcPr marL="6350" marR="6350" marT="6350" marB="0" anchor="ctr">
+                    <a:lnL w="6350" cap="flat" cmpd="sng" algn="ctr">
+                      <a:solidFill>
+                        <a:srgbClr val="000000"/>
+                      </a:solidFill>
+                      <a:prstDash val="solid"/>
+                      <a:round/>
+                      <a:headEnd type="none" w="med" len="med"/>
+                      <a:tailEnd type="none" w="med" len="med"/>
+                    </a:lnL>
+                    <a:lnR w="6350" cap="flat" cmpd="sng" algn="ctr">
+                      <a:solidFill>
+                        <a:srgbClr val="000000"/>
+                      </a:solidFill>
+                      <a:prstDash val="solid"/>
+                      <a:round/>
+                      <a:headEnd type="none" w="med" len="med"/>
+                      <a:tailEnd type="none" w="med" len="med"/>
+                    </a:lnR>
+                    <a:lnT w="6350" cap="flat" cmpd="sng" algn="ctr">
+                      <a:solidFill>
+                        <a:srgbClr val="000000"/>
+                      </a:solidFill>
+                      <a:prstDash val="solid"/>
+                      <a:round/>
+                      <a:headEnd type="none" w="med" len="med"/>
+                      <a:tailEnd type="none" w="med" len="med"/>
+                    </a:lnT>
+                    <a:lnB w="6350" cap="flat" cmpd="sng" algn="ctr">
+                      <a:solidFill>
+                        <a:srgbClr val="000000"/>
+                      </a:solidFill>
+                      <a:prstDash val="solid"/>
+                      <a:round/>
+                      <a:headEnd type="none" w="med" len="med"/>
+                      <a:tailEnd type="none" w="med" len="med"/>
+                    </a:lnB>
+                    <a:solidFill>
+                      <a:srgbClr val="BEBEBE"/>
+                    </a:solidFill>
+                  </a:tcPr>
+                </a:tc>
+                <a:extLst>
+                  <a:ext uri="{0D108BD9-81ED-4DB2-BD59-A6C34878D82A}">
+                    <a16:rowId xmlns:a16="http://schemas.microsoft.com/office/drawing/2014/main" val="3316478228"/>
+                  </a:ext>
+                </a:extLst>
+              </a:tr>
+              <a:tr h="264850">
+                <a:tc>
+                  <a:txBody>
+                    <a:bodyPr/>
+                    <a:lstStyle/>
+                    <a:p>
+                      <a:pPr algn="l" fontAlgn="b"/>
+                      <a:r>
+                        <a:rPr lang="de-DE" sz="700" b="0" i="0" u="none" strike="noStrike" dirty="0">
+                          <a:solidFill>
+                            <a:srgbClr val="000000"/>
+                          </a:solidFill>
+                          <a:effectLst/>
+                          <a:latin typeface="Arial" panose="020B0604020202020204" pitchFamily="34" charset="0"/>
+                        </a:rPr>
+                        <a:t> Rollenanzahl muss variabel parametrierbar sein</a:t>
+                      </a:r>
+                    </a:p>
+                  </a:txBody>
+                  <a:tcPr marL="6350" marR="6350" marT="6350" marB="0" anchor="ctr">
+                    <a:lnL w="6350" cap="flat" cmpd="sng" algn="ctr">
+                      <a:solidFill>
+                        <a:srgbClr val="000000"/>
+                      </a:solidFill>
+                      <a:prstDash val="solid"/>
+                      <a:round/>
+                      <a:headEnd type="none" w="med" len="med"/>
+                      <a:tailEnd type="none" w="med" len="med"/>
+                    </a:lnL>
+                    <a:lnR w="6350" cap="flat" cmpd="sng" algn="ctr">
+                      <a:solidFill>
+                        <a:srgbClr val="000000"/>
+                      </a:solidFill>
+                      <a:prstDash val="solid"/>
+                      <a:round/>
+                      <a:headEnd type="none" w="med" len="med"/>
+                      <a:tailEnd type="none" w="med" len="med"/>
+                    </a:lnR>
+                    <a:lnT w="6350" cap="flat" cmpd="sng" algn="ctr">
+                      <a:solidFill>
+                        <a:srgbClr val="000000"/>
+                      </a:solidFill>
+                      <a:prstDash val="solid"/>
+                      <a:round/>
+                      <a:headEnd type="none" w="med" len="med"/>
+                      <a:tailEnd type="none" w="med" len="med"/>
+                    </a:lnT>
+                    <a:lnB w="6350" cap="flat" cmpd="sng" algn="ctr">
+                      <a:solidFill>
+                        <a:srgbClr val="000000"/>
+                      </a:solidFill>
+                      <a:prstDash val="solid"/>
+                      <a:round/>
+                      <a:headEnd type="none" w="med" len="med"/>
+                      <a:tailEnd type="none" w="med" len="med"/>
+                    </a:lnB>
+                  </a:tcPr>
+                </a:tc>
+                <a:tc>
+                  <a:txBody>
+                    <a:bodyPr/>
+                    <a:lstStyle/>
+                    <a:p>
+                      <a:pPr algn="l" fontAlgn="b"/>
+                      <a:r>
+                        <a:rPr lang="de-DE" sz="700" b="0" i="0" u="none" strike="noStrike" dirty="0">
+                          <a:solidFill>
+                            <a:srgbClr val="000000"/>
+                          </a:solidFill>
+                          <a:effectLst/>
+                          <a:latin typeface="Arial" panose="020B0604020202020204" pitchFamily="34" charset="0"/>
+                        </a:rPr>
+                        <a:t> Verwendung eines   einphasigen E-Motors</a:t>
+                      </a:r>
+                    </a:p>
+                  </a:txBody>
+                  <a:tcPr marL="6350" marR="6350" marT="6350" marB="0" anchor="ctr">
+                    <a:lnL w="6350" cap="flat" cmpd="sng" algn="ctr">
+                      <a:solidFill>
+                        <a:srgbClr val="000000"/>
+                      </a:solidFill>
+                      <a:prstDash val="solid"/>
+                      <a:round/>
+                      <a:headEnd type="none" w="med" len="med"/>
+                      <a:tailEnd type="none" w="med" len="med"/>
+                    </a:lnL>
+                    <a:lnR w="6350" cap="flat" cmpd="sng" algn="ctr">
+                      <a:solidFill>
+                        <a:srgbClr val="000000"/>
+                      </a:solidFill>
+                      <a:prstDash val="solid"/>
+                      <a:round/>
+                      <a:headEnd type="none" w="med" len="med"/>
+                      <a:tailEnd type="none" w="med" len="med"/>
+                    </a:lnR>
+                    <a:lnT w="6350" cap="flat" cmpd="sng" algn="ctr">
+                      <a:solidFill>
+                        <a:srgbClr val="000000"/>
+                      </a:solidFill>
+                      <a:prstDash val="solid"/>
+                      <a:round/>
+                      <a:headEnd type="none" w="med" len="med"/>
+                      <a:tailEnd type="none" w="med" len="med"/>
+                    </a:lnT>
+                    <a:lnB w="6350" cap="flat" cmpd="sng" algn="ctr">
+                      <a:solidFill>
+                        <a:srgbClr val="000000"/>
+                      </a:solidFill>
+                      <a:prstDash val="solid"/>
+                      <a:round/>
+                      <a:headEnd type="none" w="med" len="med"/>
+                      <a:tailEnd type="none" w="med" len="med"/>
+                    </a:lnB>
+                  </a:tcPr>
+                </a:tc>
+                <a:extLst>
+                  <a:ext uri="{0D108BD9-81ED-4DB2-BD59-A6C34878D82A}">
+                    <a16:rowId xmlns:a16="http://schemas.microsoft.com/office/drawing/2014/main" val="1813631280"/>
+                  </a:ext>
+                </a:extLst>
+              </a:tr>
+              <a:tr h="284190">
+                <a:tc>
+                  <a:txBody>
+                    <a:bodyPr/>
+                    <a:lstStyle/>
+                    <a:p>
+                      <a:pPr algn="l" fontAlgn="b"/>
+                      <a:r>
+                        <a:rPr lang="de-DE" sz="700" b="0" i="0" u="none" strike="noStrike" dirty="0">
+                          <a:solidFill>
+                            <a:srgbClr val="000000"/>
+                          </a:solidFill>
+                          <a:effectLst/>
+                          <a:latin typeface="Arial" panose="020B0604020202020204" pitchFamily="34" charset="0"/>
+                        </a:rPr>
+                        <a:t> Angehängte Last muss variabel parametrierbar sein</a:t>
+                      </a:r>
+                    </a:p>
+                  </a:txBody>
+                  <a:tcPr marL="6350" marR="6350" marT="6350" marB="0" anchor="ctr">
+                    <a:lnL w="6350" cap="flat" cmpd="sng" algn="ctr">
+                      <a:solidFill>
+                        <a:srgbClr val="000000"/>
+                      </a:solidFill>
+                      <a:prstDash val="solid"/>
+                      <a:round/>
+                      <a:headEnd type="none" w="med" len="med"/>
+                      <a:tailEnd type="none" w="med" len="med"/>
+                    </a:lnL>
+                    <a:lnR w="6350" cap="flat" cmpd="sng" algn="ctr">
+                      <a:solidFill>
+                        <a:srgbClr val="000000"/>
+                      </a:solidFill>
+                      <a:prstDash val="solid"/>
+                      <a:round/>
+                      <a:headEnd type="none" w="med" len="med"/>
+                      <a:tailEnd type="none" w="med" len="med"/>
+                    </a:lnR>
+                    <a:lnT w="6350" cap="flat" cmpd="sng" algn="ctr">
+                      <a:solidFill>
+                        <a:srgbClr val="000000"/>
+                      </a:solidFill>
+                      <a:prstDash val="solid"/>
+                      <a:round/>
+                      <a:headEnd type="none" w="med" len="med"/>
+                      <a:tailEnd type="none" w="med" len="med"/>
+                    </a:lnT>
+                    <a:lnB w="6350" cap="flat" cmpd="sng" algn="ctr">
+                      <a:solidFill>
+                        <a:srgbClr val="000000"/>
+                      </a:solidFill>
+                      <a:prstDash val="solid"/>
+                      <a:round/>
+                      <a:headEnd type="none" w="med" len="med"/>
+                      <a:tailEnd type="none" w="med" len="med"/>
+                    </a:lnB>
+                  </a:tcPr>
+                </a:tc>
+                <a:tc>
+                  <a:txBody>
+                    <a:bodyPr/>
+                    <a:lstStyle/>
+                    <a:p>
+                      <a:pPr algn="l" fontAlgn="b"/>
+                      <a:r>
+                        <a:rPr lang="de-DE" sz="700" b="0" i="0" u="none" strike="noStrike" dirty="0">
+                          <a:solidFill>
+                            <a:srgbClr val="000000"/>
+                          </a:solidFill>
+                          <a:effectLst/>
+                          <a:latin typeface="Arial" panose="020B0604020202020204" pitchFamily="34" charset="0"/>
+                        </a:rPr>
+                        <a:t> Variable Drehrichtung</a:t>
+                      </a:r>
+                    </a:p>
+                  </a:txBody>
+                  <a:tcPr marL="6350" marR="6350" marT="6350" marB="0" anchor="ctr">
+                    <a:lnL w="6350" cap="flat" cmpd="sng" algn="ctr">
+                      <a:solidFill>
+                        <a:srgbClr val="000000"/>
+                      </a:solidFill>
+                      <a:prstDash val="solid"/>
+                      <a:round/>
+                      <a:headEnd type="none" w="med" len="med"/>
+                      <a:tailEnd type="none" w="med" len="med"/>
+                    </a:lnL>
+                    <a:lnR w="6350" cap="flat" cmpd="sng" algn="ctr">
+                      <a:solidFill>
+                        <a:srgbClr val="000000"/>
+                      </a:solidFill>
+                      <a:prstDash val="solid"/>
+                      <a:round/>
+                      <a:headEnd type="none" w="med" len="med"/>
+                      <a:tailEnd type="none" w="med" len="med"/>
+                    </a:lnR>
+                    <a:lnT w="6350" cap="flat" cmpd="sng" algn="ctr">
+                      <a:solidFill>
+                        <a:srgbClr val="000000"/>
+                      </a:solidFill>
+                      <a:prstDash val="solid"/>
+                      <a:round/>
+                      <a:headEnd type="none" w="med" len="med"/>
+                      <a:tailEnd type="none" w="med" len="med"/>
+                    </a:lnT>
+                    <a:lnB w="6350" cap="flat" cmpd="sng" algn="ctr">
+                      <a:solidFill>
+                        <a:srgbClr val="000000"/>
+                      </a:solidFill>
+                      <a:prstDash val="solid"/>
+                      <a:round/>
+                      <a:headEnd type="none" w="med" len="med"/>
+                      <a:tailEnd type="none" w="med" len="med"/>
+                    </a:lnB>
+                  </a:tcPr>
+                </a:tc>
+                <a:extLst>
+                  <a:ext uri="{0D108BD9-81ED-4DB2-BD59-A6C34878D82A}">
+                    <a16:rowId xmlns:a16="http://schemas.microsoft.com/office/drawing/2014/main" val="1139342920"/>
+                  </a:ext>
+                </a:extLst>
+              </a:tr>
+              <a:tr h="280373">
+                <a:tc>
+                  <a:txBody>
+                    <a:bodyPr/>
+                    <a:lstStyle/>
+                    <a:p>
+                      <a:pPr algn="l" fontAlgn="b"/>
+                      <a:r>
+                        <a:rPr lang="de-DE" sz="700" b="0" i="0" u="none" strike="noStrike" dirty="0">
+                          <a:solidFill>
+                            <a:srgbClr val="000000"/>
+                          </a:solidFill>
+                          <a:effectLst/>
+                          <a:latin typeface="Calibri" panose="020F0502020204030204" pitchFamily="34" charset="0"/>
+                        </a:rPr>
+                        <a:t> </a:t>
+                      </a:r>
+                    </a:p>
+                  </a:txBody>
+                  <a:tcPr marL="6350" marR="6350" marT="6350" marB="0" anchor="ctr">
+                    <a:lnL w="6350" cap="flat" cmpd="sng" algn="ctr">
+                      <a:solidFill>
+                        <a:srgbClr val="000000"/>
+                      </a:solidFill>
+                      <a:prstDash val="solid"/>
+                      <a:round/>
+                      <a:headEnd type="none" w="med" len="med"/>
+                      <a:tailEnd type="none" w="med" len="med"/>
+                    </a:lnL>
+                    <a:lnR w="6350" cap="flat" cmpd="sng" algn="ctr">
+                      <a:solidFill>
+                        <a:srgbClr val="000000"/>
+                      </a:solidFill>
+                      <a:prstDash val="solid"/>
+                      <a:round/>
+                      <a:headEnd type="none" w="med" len="med"/>
+                      <a:tailEnd type="none" w="med" len="med"/>
+                    </a:lnR>
+                    <a:lnT w="6350" cap="flat" cmpd="sng" algn="ctr">
+                      <a:solidFill>
+                        <a:srgbClr val="000000"/>
+                      </a:solidFill>
+                      <a:prstDash val="solid"/>
+                      <a:round/>
+                      <a:headEnd type="none" w="med" len="med"/>
+                      <a:tailEnd type="none" w="med" len="med"/>
+                    </a:lnT>
+                    <a:lnB w="6350" cap="flat" cmpd="sng" algn="ctr">
+                      <a:solidFill>
+                        <a:srgbClr val="000000"/>
+                      </a:solidFill>
+                      <a:prstDash val="solid"/>
+                      <a:round/>
+                      <a:headEnd type="none" w="med" len="med"/>
+                      <a:tailEnd type="none" w="med" len="med"/>
+                    </a:lnB>
+                  </a:tcPr>
+                </a:tc>
+                <a:tc>
+                  <a:txBody>
+                    <a:bodyPr/>
+                    <a:lstStyle/>
+                    <a:p>
+                      <a:pPr algn="l" fontAlgn="b"/>
+                      <a:r>
+                        <a:rPr lang="de-DE" sz="700" b="0" i="0" u="none" strike="noStrike" dirty="0">
+                          <a:solidFill>
+                            <a:srgbClr val="000000"/>
+                          </a:solidFill>
+                          <a:effectLst/>
+                          <a:latin typeface="Arial" panose="020B0604020202020204" pitchFamily="34" charset="0"/>
+                        </a:rPr>
+                        <a:t> Implementierung Ein- und Auszustand</a:t>
+                      </a:r>
+                    </a:p>
+                  </a:txBody>
+                  <a:tcPr marL="6350" marR="6350" marT="6350" marB="0" anchor="ctr">
+                    <a:lnL w="6350" cap="flat" cmpd="sng" algn="ctr">
+                      <a:solidFill>
+                        <a:srgbClr val="000000"/>
+                      </a:solidFill>
+                      <a:prstDash val="solid"/>
+                      <a:round/>
+                      <a:headEnd type="none" w="med" len="med"/>
+                      <a:tailEnd type="none" w="med" len="med"/>
+                    </a:lnL>
+                    <a:lnR w="6350" cap="flat" cmpd="sng" algn="ctr">
+                      <a:solidFill>
+                        <a:srgbClr val="000000"/>
+                      </a:solidFill>
+                      <a:prstDash val="solid"/>
+                      <a:round/>
+                      <a:headEnd type="none" w="med" len="med"/>
+                      <a:tailEnd type="none" w="med" len="med"/>
+                    </a:lnR>
+                    <a:lnT w="6350" cap="flat" cmpd="sng" algn="ctr">
+                      <a:solidFill>
+                        <a:srgbClr val="000000"/>
+                      </a:solidFill>
+                      <a:prstDash val="solid"/>
+                      <a:round/>
+                      <a:headEnd type="none" w="med" len="med"/>
+                      <a:tailEnd type="none" w="med" len="med"/>
+                    </a:lnT>
+                    <a:lnB w="6350" cap="flat" cmpd="sng" algn="ctr">
+                      <a:solidFill>
+                        <a:srgbClr val="000000"/>
+                      </a:solidFill>
+                      <a:prstDash val="solid"/>
+                      <a:round/>
+                      <a:headEnd type="none" w="med" len="med"/>
+                      <a:tailEnd type="none" w="med" len="med"/>
+                    </a:lnB>
+                  </a:tcPr>
+                </a:tc>
+                <a:extLst>
+                  <a:ext uri="{0D108BD9-81ED-4DB2-BD59-A6C34878D82A}">
+                    <a16:rowId xmlns:a16="http://schemas.microsoft.com/office/drawing/2014/main" val="1302156734"/>
+                  </a:ext>
+                </a:extLst>
+              </a:tr>
+            </a:tbl>
+          </a:graphicData>
+        </a:graphic>
+      </p:graphicFrame>
+      <p:pic>
+        <p:nvPicPr>
+          <p:cNvPr id="32" name="Grafik 31">
+            <a:extLst>
+              <a:ext uri="{FF2B5EF4-FFF2-40B4-BE49-F238E27FC236}">
+                <a16:creationId xmlns:a16="http://schemas.microsoft.com/office/drawing/2014/main" id="{BE9C3A61-920F-4117-950F-C876A1ACD7CA}"/>
+              </a:ext>
+            </a:extLst>
+          </p:cNvPr>
+          <p:cNvPicPr>
+            <a:picLocks/>
+          </p:cNvPicPr>
+          <p:nvPr/>
+        </p:nvPicPr>
+        <p:blipFill rotWithShape="1">
+          <a:blip r:embed="rId4"/>
+          <a:srcRect l="20501" t="49376" r="62411" b="30910"/>
+          <a:stretch/>
+        </p:blipFill>
+        <p:spPr>
+          <a:xfrm>
+            <a:off x="4794708" y="5444330"/>
+            <a:ext cx="539750" cy="540000"/>
+          </a:xfrm>
+          <a:prstGeom prst="rect">
+            <a:avLst/>
+          </a:prstGeom>
+        </p:spPr>
+      </p:pic>
+      <p:pic>
+        <p:nvPicPr>
+          <p:cNvPr id="33" name="Grafik 32">
+            <a:extLst>
+              <a:ext uri="{FF2B5EF4-FFF2-40B4-BE49-F238E27FC236}">
+                <a16:creationId xmlns:a16="http://schemas.microsoft.com/office/drawing/2014/main" id="{166AAAA7-63D4-4D72-A4E7-448675D75DEA}"/>
+              </a:ext>
+            </a:extLst>
+          </p:cNvPr>
+          <p:cNvPicPr>
+            <a:picLocks/>
+          </p:cNvPicPr>
+          <p:nvPr/>
+        </p:nvPicPr>
+        <p:blipFill rotWithShape="1">
+          <a:blip r:embed="rId4"/>
+          <a:srcRect l="20501" t="66522" r="65024" b="6836"/>
+          <a:stretch/>
+        </p:blipFill>
+        <p:spPr>
+          <a:xfrm>
+            <a:off x="3960725" y="5451067"/>
+            <a:ext cx="540000" cy="540000"/>
+          </a:xfrm>
+          <a:prstGeom prst="rect">
+            <a:avLst/>
+          </a:prstGeom>
+        </p:spPr>
+      </p:pic>
+      <p:pic>
+        <p:nvPicPr>
+          <p:cNvPr id="34" name="Grafik 33">
+            <a:extLst>
+              <a:ext uri="{FF2B5EF4-FFF2-40B4-BE49-F238E27FC236}">
+                <a16:creationId xmlns:a16="http://schemas.microsoft.com/office/drawing/2014/main" id="{F2902F95-5083-4036-AA8A-F1C05C1671BB}"/>
+              </a:ext>
+            </a:extLst>
+          </p:cNvPr>
+          <p:cNvPicPr>
+            <a:picLocks/>
+          </p:cNvPicPr>
+          <p:nvPr/>
+        </p:nvPicPr>
+        <p:blipFill rotWithShape="1">
+          <a:blip r:embed="rId4"/>
+          <a:srcRect l="42501" t="19490" r="42907" b="60797"/>
+          <a:stretch/>
+        </p:blipFill>
+        <p:spPr>
+          <a:xfrm>
+            <a:off x="5628441" y="5438907"/>
+            <a:ext cx="540000" cy="540000"/>
+          </a:xfrm>
+          <a:prstGeom prst="rect">
+            <a:avLst/>
+          </a:prstGeom>
+        </p:spPr>
+      </p:pic>
+      <p:pic>
+        <p:nvPicPr>
+          <p:cNvPr id="35" name="Grafik 34">
+            <a:extLst>
+              <a:ext uri="{FF2B5EF4-FFF2-40B4-BE49-F238E27FC236}">
+                <a16:creationId xmlns:a16="http://schemas.microsoft.com/office/drawing/2014/main" id="{88D009CA-ACBA-4FA4-8FDC-2ECBD793740A}"/>
+              </a:ext>
+            </a:extLst>
+          </p:cNvPr>
+          <p:cNvPicPr>
+            <a:picLocks/>
+          </p:cNvPicPr>
+          <p:nvPr/>
+        </p:nvPicPr>
+        <p:blipFill rotWithShape="1">
+          <a:blip r:embed="rId4"/>
+          <a:srcRect l="60701" t="74131" r="24650"/>
+          <a:stretch/>
+        </p:blipFill>
+        <p:spPr>
+          <a:xfrm>
+            <a:off x="6462424" y="5416732"/>
+            <a:ext cx="540000" cy="540000"/>
+          </a:xfrm>
+          <a:prstGeom prst="rect">
+            <a:avLst/>
+          </a:prstGeom>
+        </p:spPr>
+      </p:pic>
+      <p:pic>
+        <p:nvPicPr>
+          <p:cNvPr id="36" name="Grafik 35">
+            <a:extLst>
+              <a:ext uri="{FF2B5EF4-FFF2-40B4-BE49-F238E27FC236}">
+                <a16:creationId xmlns:a16="http://schemas.microsoft.com/office/drawing/2014/main" id="{4FE8B898-D197-40E4-8476-89DD722A1215}"/>
+              </a:ext>
+            </a:extLst>
+          </p:cNvPr>
+          <p:cNvPicPr>
+            <a:picLocks noChangeAspect="1"/>
+          </p:cNvPicPr>
+          <p:nvPr/>
+        </p:nvPicPr>
+        <p:blipFill rotWithShape="1">
+          <a:blip r:embed="rId4"/>
+          <a:srcRect t="6982"/>
+          <a:stretch/>
+        </p:blipFill>
+        <p:spPr>
+          <a:xfrm>
+            <a:off x="113817" y="5038317"/>
+            <a:ext cx="2857984" cy="1607847"/>
+          </a:xfrm>
+          <a:prstGeom prst="rect">
+            <a:avLst/>
+          </a:prstGeom>
+        </p:spPr>
+      </p:pic>
+      <p:sp>
+        <p:nvSpPr>
+          <p:cNvPr id="37" name="Textfeld 36">
+            <a:extLst>
+              <a:ext uri="{FF2B5EF4-FFF2-40B4-BE49-F238E27FC236}">
+                <a16:creationId xmlns:a16="http://schemas.microsoft.com/office/drawing/2014/main" id="{68A05A68-6A89-4915-A48D-4F5532573768}"/>
+              </a:ext>
+            </a:extLst>
+          </p:cNvPr>
+          <p:cNvSpPr txBox="1"/>
+          <p:nvPr/>
+        </p:nvSpPr>
+        <p:spPr>
+          <a:xfrm>
+            <a:off x="63484" y="4810287"/>
+            <a:ext cx="2711977" cy="223138"/>
+          </a:xfrm>
+          <a:prstGeom prst="rect">
+            <a:avLst/>
+          </a:prstGeom>
+          <a:noFill/>
+        </p:spPr>
+        <p:txBody>
+          <a:bodyPr wrap="square" rtlCol="0">
+            <a:spAutoFit/>
+          </a:bodyPr>
+          <a:lstStyle/>
+          <a:p>
+            <a:r>
+              <a:rPr lang="de-DE" altLang="zh-CN" sz="850" b="1" spc="30" dirty="0">
+                <a:solidFill>
+                  <a:srgbClr val="0E0D0B"/>
+                </a:solidFill>
+                <a:latin typeface="Arial" panose="020B0604020202020204" pitchFamily="34" charset="0"/>
+                <a:ea typeface="Times New Roman"/>
+                <a:cs typeface="Arial" panose="020B0604020202020204" pitchFamily="34" charset="0"/>
+              </a:rPr>
+              <a:t>Schematische Darstellung des Flaschenzugs</a:t>
+            </a:r>
+          </a:p>
+        </p:txBody>
+      </p:sp>
+      <p:sp>
+        <p:nvSpPr>
+          <p:cNvPr id="38" name="Textfeld 37">
+            <a:extLst>
+              <a:ext uri="{FF2B5EF4-FFF2-40B4-BE49-F238E27FC236}">
+                <a16:creationId xmlns:a16="http://schemas.microsoft.com/office/drawing/2014/main" id="{2664EADA-5AC9-48B9-AB6F-2E58E5BF2097}"/>
+              </a:ext>
+            </a:extLst>
+          </p:cNvPr>
+          <p:cNvSpPr txBox="1"/>
+          <p:nvPr/>
+        </p:nvSpPr>
+        <p:spPr>
+          <a:xfrm>
+            <a:off x="2972790" y="4813268"/>
+            <a:ext cx="1868316" cy="223138"/>
+          </a:xfrm>
+          <a:prstGeom prst="rect">
+            <a:avLst/>
+          </a:prstGeom>
+          <a:noFill/>
+        </p:spPr>
+        <p:txBody>
+          <a:bodyPr wrap="square" rtlCol="0">
+            <a:spAutoFit/>
+          </a:bodyPr>
+          <a:lstStyle/>
+          <a:p>
+            <a:r>
+              <a:rPr lang="de-DE" altLang="zh-CN" sz="850" b="1" spc="30" dirty="0">
+                <a:solidFill>
+                  <a:srgbClr val="0E0D0B"/>
+                </a:solidFill>
+                <a:latin typeface="Arial" panose="020B0604020202020204" pitchFamily="34" charset="0"/>
+                <a:ea typeface="Times New Roman"/>
+                <a:cs typeface="Arial" panose="020B0604020202020204" pitchFamily="34" charset="0"/>
+              </a:rPr>
+              <a:t>Physikalische Wirkungsablauf</a:t>
+            </a:r>
+          </a:p>
+        </p:txBody>
+      </p:sp>
+      <p:cxnSp>
+        <p:nvCxnSpPr>
+          <p:cNvPr id="40" name="Gerade Verbindung mit Pfeil 39">
+            <a:extLst>
+              <a:ext uri="{FF2B5EF4-FFF2-40B4-BE49-F238E27FC236}">
+                <a16:creationId xmlns:a16="http://schemas.microsoft.com/office/drawing/2014/main" id="{FDB45F8A-29B9-4F73-809B-ECED0568B19A}"/>
+              </a:ext>
+            </a:extLst>
+          </p:cNvPr>
+          <p:cNvCxnSpPr>
+            <a:cxnSpLocks/>
+          </p:cNvCxnSpPr>
+          <p:nvPr/>
+        </p:nvCxnSpPr>
+        <p:spPr>
+          <a:xfrm>
+            <a:off x="3666742" y="5575300"/>
+            <a:ext cx="340381" cy="0"/>
+          </a:xfrm>
+          <a:prstGeom prst="straightConnector1">
+            <a:avLst/>
+          </a:prstGeom>
+          <a:ln w="28575">
+            <a:solidFill>
+              <a:srgbClr val="F3BB07"/>
+            </a:solidFill>
+            <a:tailEnd type="triangle"/>
+          </a:ln>
+        </p:spPr>
+        <p:style>
+          <a:lnRef idx="1">
+            <a:schemeClr val="dk1"/>
+          </a:lnRef>
+          <a:fillRef idx="0">
+            <a:schemeClr val="dk1"/>
+          </a:fillRef>
+          <a:effectRef idx="0">
+            <a:schemeClr val="dk1"/>
+          </a:effectRef>
+          <a:fontRef idx="minor">
+            <a:schemeClr val="tx1"/>
+          </a:fontRef>
+        </p:style>
+      </p:cxnSp>
+      <p:sp>
+        <p:nvSpPr>
+          <p:cNvPr id="44" name="Textfeld 43">
+            <a:extLst>
+              <a:ext uri="{FF2B5EF4-FFF2-40B4-BE49-F238E27FC236}">
+                <a16:creationId xmlns:a16="http://schemas.microsoft.com/office/drawing/2014/main" id="{53250CB1-4033-4C27-BAA9-F425D9776CFD}"/>
+              </a:ext>
+            </a:extLst>
+          </p:cNvPr>
+          <p:cNvSpPr txBox="1"/>
+          <p:nvPr/>
+        </p:nvSpPr>
+        <p:spPr>
+          <a:xfrm>
+            <a:off x="3072619" y="6920041"/>
+            <a:ext cx="1115207" cy="223138"/>
+          </a:xfrm>
+          <a:prstGeom prst="rect">
+            <a:avLst/>
+          </a:prstGeom>
+          <a:noFill/>
+        </p:spPr>
+        <p:txBody>
+          <a:bodyPr wrap="square" rtlCol="0">
+            <a:spAutoFit/>
+          </a:bodyPr>
+          <a:lstStyle/>
+          <a:p>
+            <a:r>
+              <a:rPr lang="de-DE" altLang="zh-CN" sz="850" spc="30" dirty="0">
+                <a:solidFill>
+                  <a:srgbClr val="0E0D0B"/>
+                </a:solidFill>
+                <a:latin typeface="Arial" panose="020B0604020202020204" pitchFamily="34" charset="0"/>
+                <a:ea typeface="Times New Roman"/>
+                <a:cs typeface="Arial" panose="020B0604020202020204" pitchFamily="34" charset="0"/>
+              </a:rPr>
+              <a:t>Seilzug hebt Last</a:t>
+            </a:r>
+          </a:p>
+        </p:txBody>
+      </p:sp>
+      <p:sp>
+        <p:nvSpPr>
+          <p:cNvPr id="45" name="Textfeld 44">
+            <a:extLst>
+              <a:ext uri="{FF2B5EF4-FFF2-40B4-BE49-F238E27FC236}">
+                <a16:creationId xmlns:a16="http://schemas.microsoft.com/office/drawing/2014/main" id="{A4271CD0-7F9C-4FCD-BC1E-41E8531DB4E5}"/>
+              </a:ext>
+            </a:extLst>
+          </p:cNvPr>
+          <p:cNvSpPr txBox="1"/>
+          <p:nvPr/>
+        </p:nvSpPr>
+        <p:spPr>
+          <a:xfrm>
+            <a:off x="3069445" y="6696903"/>
+            <a:ext cx="1178706" cy="223138"/>
+          </a:xfrm>
+          <a:prstGeom prst="rect">
+            <a:avLst/>
+          </a:prstGeom>
+          <a:noFill/>
+        </p:spPr>
+        <p:txBody>
+          <a:bodyPr wrap="square" rtlCol="0">
+            <a:spAutoFit/>
+          </a:bodyPr>
+          <a:lstStyle/>
+          <a:p>
+            <a:r>
+              <a:rPr lang="de-DE" altLang="zh-CN" sz="850" spc="30" dirty="0">
+                <a:solidFill>
+                  <a:srgbClr val="0E0D0B"/>
+                </a:solidFill>
+                <a:latin typeface="Arial" panose="020B0604020202020204" pitchFamily="34" charset="0"/>
+                <a:ea typeface="Times New Roman"/>
+                <a:cs typeface="Arial" panose="020B0604020202020204" pitchFamily="34" charset="0"/>
+              </a:rPr>
+              <a:t>Seilzug senkt Last</a:t>
+            </a:r>
+          </a:p>
+        </p:txBody>
+      </p:sp>
+      <p:cxnSp>
+        <p:nvCxnSpPr>
+          <p:cNvPr id="47" name="Gerade Verbindung mit Pfeil 46">
+            <a:extLst>
+              <a:ext uri="{FF2B5EF4-FFF2-40B4-BE49-F238E27FC236}">
+                <a16:creationId xmlns:a16="http://schemas.microsoft.com/office/drawing/2014/main" id="{66E57013-95F0-4CFE-AE4D-B12C8BD935D9}"/>
+              </a:ext>
+            </a:extLst>
+          </p:cNvPr>
+          <p:cNvCxnSpPr>
+            <a:cxnSpLocks/>
+          </p:cNvCxnSpPr>
+          <p:nvPr/>
+        </p:nvCxnSpPr>
+        <p:spPr>
+          <a:xfrm>
+            <a:off x="4500725" y="5575300"/>
+            <a:ext cx="340381" cy="0"/>
+          </a:xfrm>
+          <a:prstGeom prst="straightConnector1">
+            <a:avLst/>
+          </a:prstGeom>
+          <a:ln w="28575">
+            <a:solidFill>
+              <a:srgbClr val="F3BB07"/>
+            </a:solidFill>
+            <a:tailEnd type="triangle"/>
+          </a:ln>
+        </p:spPr>
+        <p:style>
+          <a:lnRef idx="1">
+            <a:schemeClr val="dk1"/>
+          </a:lnRef>
+          <a:fillRef idx="0">
+            <a:schemeClr val="dk1"/>
+          </a:fillRef>
+          <a:effectRef idx="0">
+            <a:schemeClr val="dk1"/>
+          </a:effectRef>
+          <a:fontRef idx="minor">
+            <a:schemeClr val="tx1"/>
+          </a:fontRef>
+        </p:style>
+      </p:cxnSp>
+      <p:cxnSp>
+        <p:nvCxnSpPr>
+          <p:cNvPr id="48" name="Gerade Verbindung mit Pfeil 47">
+            <a:extLst>
+              <a:ext uri="{FF2B5EF4-FFF2-40B4-BE49-F238E27FC236}">
+                <a16:creationId xmlns:a16="http://schemas.microsoft.com/office/drawing/2014/main" id="{9D6EE350-BBFB-46CB-8F21-00062C243E59}"/>
+              </a:ext>
+            </a:extLst>
+          </p:cNvPr>
+          <p:cNvCxnSpPr>
+            <a:cxnSpLocks/>
+          </p:cNvCxnSpPr>
+          <p:nvPr/>
+        </p:nvCxnSpPr>
+        <p:spPr>
+          <a:xfrm>
+            <a:off x="5334458" y="5575300"/>
+            <a:ext cx="340381" cy="0"/>
+          </a:xfrm>
+          <a:prstGeom prst="straightConnector1">
+            <a:avLst/>
+          </a:prstGeom>
+          <a:ln w="28575">
+            <a:solidFill>
+              <a:srgbClr val="F3BB07"/>
+            </a:solidFill>
+            <a:tailEnd type="triangle"/>
+          </a:ln>
+        </p:spPr>
+        <p:style>
+          <a:lnRef idx="1">
+            <a:schemeClr val="dk1"/>
+          </a:lnRef>
+          <a:fillRef idx="0">
+            <a:schemeClr val="dk1"/>
+          </a:fillRef>
+          <a:effectRef idx="0">
+            <a:schemeClr val="dk1"/>
+          </a:effectRef>
+          <a:fontRef idx="minor">
+            <a:schemeClr val="tx1"/>
+          </a:fontRef>
+        </p:style>
+      </p:cxnSp>
+      <p:cxnSp>
+        <p:nvCxnSpPr>
+          <p:cNvPr id="49" name="Gerade Verbindung mit Pfeil 48">
+            <a:extLst>
+              <a:ext uri="{FF2B5EF4-FFF2-40B4-BE49-F238E27FC236}">
+                <a16:creationId xmlns:a16="http://schemas.microsoft.com/office/drawing/2014/main" id="{D2300883-E834-4101-8A54-27AD6CE17388}"/>
+              </a:ext>
+            </a:extLst>
+          </p:cNvPr>
+          <p:cNvCxnSpPr>
+            <a:cxnSpLocks/>
+          </p:cNvCxnSpPr>
+          <p:nvPr/>
+        </p:nvCxnSpPr>
+        <p:spPr>
+          <a:xfrm>
+            <a:off x="6122043" y="5575300"/>
+            <a:ext cx="340381" cy="0"/>
+          </a:xfrm>
+          <a:prstGeom prst="straightConnector1">
+            <a:avLst/>
+          </a:prstGeom>
+          <a:ln w="28575">
+            <a:solidFill>
+              <a:srgbClr val="F3BB07"/>
+            </a:solidFill>
+            <a:tailEnd type="triangle"/>
+          </a:ln>
+        </p:spPr>
+        <p:style>
+          <a:lnRef idx="1">
+            <a:schemeClr val="dk1"/>
+          </a:lnRef>
+          <a:fillRef idx="0">
+            <a:schemeClr val="dk1"/>
+          </a:fillRef>
+          <a:effectRef idx="0">
+            <a:schemeClr val="dk1"/>
+          </a:effectRef>
+          <a:fontRef idx="minor">
+            <a:schemeClr val="tx1"/>
+          </a:fontRef>
+        </p:style>
+      </p:cxnSp>
+      <p:cxnSp>
+        <p:nvCxnSpPr>
+          <p:cNvPr id="50" name="Gerade Verbindung mit Pfeil 49">
+            <a:extLst>
+              <a:ext uri="{FF2B5EF4-FFF2-40B4-BE49-F238E27FC236}">
+                <a16:creationId xmlns:a16="http://schemas.microsoft.com/office/drawing/2014/main" id="{EE748CD6-3CDE-46A9-B7B8-67EE24E21E00}"/>
+              </a:ext>
+            </a:extLst>
+          </p:cNvPr>
+          <p:cNvCxnSpPr>
+            <a:cxnSpLocks/>
+          </p:cNvCxnSpPr>
+          <p:nvPr/>
+        </p:nvCxnSpPr>
+        <p:spPr>
+          <a:xfrm flipH="1">
+            <a:off x="3602766" y="5827014"/>
+            <a:ext cx="404357" cy="0"/>
+          </a:xfrm>
+          <a:prstGeom prst="straightConnector1">
+            <a:avLst/>
+          </a:prstGeom>
+          <a:ln w="28575">
+            <a:solidFill>
+              <a:srgbClr val="F3BB07"/>
+            </a:solidFill>
+            <a:tailEnd type="triangle"/>
+          </a:ln>
+        </p:spPr>
+        <p:style>
+          <a:lnRef idx="1">
+            <a:schemeClr val="dk1"/>
+          </a:lnRef>
+          <a:fillRef idx="0">
+            <a:schemeClr val="dk1"/>
+          </a:fillRef>
+          <a:effectRef idx="0">
+            <a:schemeClr val="dk1"/>
+          </a:effectRef>
+          <a:fontRef idx="minor">
+            <a:schemeClr val="tx1"/>
+          </a:fontRef>
+        </p:style>
+      </p:cxnSp>
+      <p:cxnSp>
+        <p:nvCxnSpPr>
+          <p:cNvPr id="54" name="Gerade Verbindung mit Pfeil 53">
+            <a:extLst>
+              <a:ext uri="{FF2B5EF4-FFF2-40B4-BE49-F238E27FC236}">
+                <a16:creationId xmlns:a16="http://schemas.microsoft.com/office/drawing/2014/main" id="{4D3C665A-655C-445B-BE83-F522BDA68CC8}"/>
+              </a:ext>
+            </a:extLst>
+          </p:cNvPr>
+          <p:cNvCxnSpPr>
+            <a:cxnSpLocks/>
+          </p:cNvCxnSpPr>
+          <p:nvPr/>
+        </p:nvCxnSpPr>
+        <p:spPr>
+          <a:xfrm flipH="1">
+            <a:off x="4436749" y="5835142"/>
+            <a:ext cx="404357" cy="0"/>
+          </a:xfrm>
+          <a:prstGeom prst="straightConnector1">
+            <a:avLst/>
+          </a:prstGeom>
+          <a:ln w="28575">
+            <a:solidFill>
+              <a:srgbClr val="F3BB07"/>
+            </a:solidFill>
+            <a:tailEnd type="triangle"/>
+          </a:ln>
+        </p:spPr>
+        <p:style>
+          <a:lnRef idx="1">
+            <a:schemeClr val="dk1"/>
+          </a:lnRef>
+          <a:fillRef idx="0">
+            <a:schemeClr val="dk1"/>
+          </a:fillRef>
+          <a:effectRef idx="0">
+            <a:schemeClr val="dk1"/>
+          </a:effectRef>
+          <a:fontRef idx="minor">
+            <a:schemeClr val="tx1"/>
+          </a:fontRef>
+        </p:style>
+      </p:cxnSp>
+      <p:cxnSp>
+        <p:nvCxnSpPr>
+          <p:cNvPr id="55" name="Gerade Verbindung mit Pfeil 54">
+            <a:extLst>
+              <a:ext uri="{FF2B5EF4-FFF2-40B4-BE49-F238E27FC236}">
+                <a16:creationId xmlns:a16="http://schemas.microsoft.com/office/drawing/2014/main" id="{99734CDE-64C6-42E9-9B8D-9BE857C7D95D}"/>
+              </a:ext>
+            </a:extLst>
+          </p:cNvPr>
+          <p:cNvCxnSpPr>
+            <a:cxnSpLocks/>
+          </p:cNvCxnSpPr>
+          <p:nvPr/>
+        </p:nvCxnSpPr>
+        <p:spPr>
+          <a:xfrm flipH="1">
+            <a:off x="5270482" y="5835142"/>
+            <a:ext cx="404357" cy="0"/>
+          </a:xfrm>
+          <a:prstGeom prst="straightConnector1">
+            <a:avLst/>
+          </a:prstGeom>
+          <a:ln w="28575">
+            <a:solidFill>
+              <a:srgbClr val="F3BB07"/>
+            </a:solidFill>
+            <a:tailEnd type="triangle"/>
+          </a:ln>
+        </p:spPr>
+        <p:style>
+          <a:lnRef idx="1">
+            <a:schemeClr val="dk1"/>
+          </a:lnRef>
+          <a:fillRef idx="0">
+            <a:schemeClr val="dk1"/>
+          </a:fillRef>
+          <a:effectRef idx="0">
+            <a:schemeClr val="dk1"/>
+          </a:effectRef>
+          <a:fontRef idx="minor">
+            <a:schemeClr val="tx1"/>
+          </a:fontRef>
+        </p:style>
+      </p:cxnSp>
+      <p:cxnSp>
+        <p:nvCxnSpPr>
+          <p:cNvPr id="56" name="Gerade Verbindung mit Pfeil 55">
+            <a:extLst>
+              <a:ext uri="{FF2B5EF4-FFF2-40B4-BE49-F238E27FC236}">
+                <a16:creationId xmlns:a16="http://schemas.microsoft.com/office/drawing/2014/main" id="{42606C66-B480-4613-A03A-71118D77D6C8}"/>
+              </a:ext>
+            </a:extLst>
+          </p:cNvPr>
+          <p:cNvCxnSpPr>
+            <a:cxnSpLocks/>
+          </p:cNvCxnSpPr>
+          <p:nvPr/>
+        </p:nvCxnSpPr>
+        <p:spPr>
+          <a:xfrm flipH="1">
+            <a:off x="6088380" y="5835142"/>
+            <a:ext cx="404357" cy="0"/>
+          </a:xfrm>
+          <a:prstGeom prst="straightConnector1">
+            <a:avLst/>
+          </a:prstGeom>
+          <a:ln w="28575">
+            <a:solidFill>
+              <a:srgbClr val="F3BB07"/>
+            </a:solidFill>
+            <a:tailEnd type="triangle"/>
+          </a:ln>
+        </p:spPr>
+        <p:style>
+          <a:lnRef idx="1">
+            <a:schemeClr val="dk1"/>
+          </a:lnRef>
+          <a:fillRef idx="0">
+            <a:schemeClr val="dk1"/>
+          </a:fillRef>
+          <a:effectRef idx="0">
+            <a:schemeClr val="dk1"/>
+          </a:effectRef>
+          <a:fontRef idx="minor">
+            <a:schemeClr val="tx1"/>
+          </a:fontRef>
+        </p:style>
+      </p:cxnSp>
+      <p:sp>
+        <p:nvSpPr>
+          <p:cNvPr id="57" name="Textfeld 56">
+            <a:extLst>
+              <a:ext uri="{FF2B5EF4-FFF2-40B4-BE49-F238E27FC236}">
+                <a16:creationId xmlns:a16="http://schemas.microsoft.com/office/drawing/2014/main" id="{BE356985-9ACC-47EE-976F-EA022298008C}"/>
+              </a:ext>
+            </a:extLst>
+          </p:cNvPr>
+          <p:cNvSpPr txBox="1"/>
+          <p:nvPr/>
+        </p:nvSpPr>
+        <p:spPr>
+          <a:xfrm>
+            <a:off x="2927446" y="5186898"/>
+            <a:ext cx="938591" cy="207310"/>
+          </a:xfrm>
+          <a:prstGeom prst="rect">
+            <a:avLst/>
+          </a:prstGeom>
+          <a:noFill/>
+        </p:spPr>
+        <p:txBody>
+          <a:bodyPr wrap="square" rtlCol="0">
+            <a:spAutoFit/>
+          </a:bodyPr>
+          <a:lstStyle/>
+          <a:p>
+            <a:r>
+              <a:rPr lang="de-DE" altLang="zh-CN" sz="700" spc="30" dirty="0">
+                <a:solidFill>
+                  <a:srgbClr val="0E0D0B"/>
+                </a:solidFill>
+                <a:latin typeface="Arial" panose="020B0604020202020204" pitchFamily="34" charset="0"/>
+                <a:ea typeface="Times New Roman"/>
+                <a:cs typeface="Arial" panose="020B0604020202020204" pitchFamily="34" charset="0"/>
+              </a:rPr>
+              <a:t>Spannungsquelle</a:t>
+            </a:r>
+          </a:p>
+        </p:txBody>
+      </p:sp>
+      <p:sp>
+        <p:nvSpPr>
+          <p:cNvPr id="58" name="Textfeld 57">
+            <a:extLst>
+              <a:ext uri="{FF2B5EF4-FFF2-40B4-BE49-F238E27FC236}">
+                <a16:creationId xmlns:a16="http://schemas.microsoft.com/office/drawing/2014/main" id="{1D71B0C5-725C-4274-A907-D3B341CD34CF}"/>
+              </a:ext>
+            </a:extLst>
+          </p:cNvPr>
+          <p:cNvSpPr txBox="1"/>
+          <p:nvPr/>
+        </p:nvSpPr>
+        <p:spPr>
+          <a:xfrm>
+            <a:off x="3960725" y="5185645"/>
+            <a:ext cx="540000" cy="200055"/>
+          </a:xfrm>
+          <a:prstGeom prst="rect">
+            <a:avLst/>
+          </a:prstGeom>
+          <a:noFill/>
+        </p:spPr>
+        <p:txBody>
+          <a:bodyPr wrap="square" rtlCol="0">
+            <a:spAutoFit/>
+          </a:bodyPr>
+          <a:lstStyle/>
+          <a:p>
+            <a:r>
+              <a:rPr lang="de-DE" altLang="zh-CN" sz="700" spc="30" dirty="0">
+                <a:solidFill>
+                  <a:srgbClr val="0E0D0B"/>
+                </a:solidFill>
+                <a:latin typeface="Arial" panose="020B0604020202020204" pitchFamily="34" charset="0"/>
+                <a:ea typeface="Times New Roman"/>
+                <a:cs typeface="Arial" panose="020B0604020202020204" pitchFamily="34" charset="0"/>
+              </a:rPr>
+              <a:t>E-Motor</a:t>
+            </a:r>
+          </a:p>
+        </p:txBody>
+      </p:sp>
+      <p:sp>
+        <p:nvSpPr>
+          <p:cNvPr id="59" name="Textfeld 58">
+            <a:extLst>
+              <a:ext uri="{FF2B5EF4-FFF2-40B4-BE49-F238E27FC236}">
+                <a16:creationId xmlns:a16="http://schemas.microsoft.com/office/drawing/2014/main" id="{68B04273-9B60-4B9D-9EA0-46BD61FCE118}"/>
+              </a:ext>
+            </a:extLst>
+          </p:cNvPr>
+          <p:cNvSpPr txBox="1"/>
+          <p:nvPr/>
+        </p:nvSpPr>
+        <p:spPr>
+          <a:xfrm>
+            <a:off x="4763062" y="5185645"/>
+            <a:ext cx="603042" cy="200055"/>
+          </a:xfrm>
+          <a:prstGeom prst="rect">
+            <a:avLst/>
+          </a:prstGeom>
+          <a:noFill/>
+        </p:spPr>
+        <p:txBody>
+          <a:bodyPr wrap="square" rtlCol="0">
+            <a:spAutoFit/>
+          </a:bodyPr>
+          <a:lstStyle/>
+          <a:p>
+            <a:r>
+              <a:rPr lang="de-DE" altLang="zh-CN" sz="700" spc="30" dirty="0">
+                <a:solidFill>
+                  <a:srgbClr val="0E0D0B"/>
+                </a:solidFill>
+                <a:latin typeface="Arial" panose="020B0604020202020204" pitchFamily="34" charset="0"/>
+                <a:ea typeface="Times New Roman"/>
+                <a:cs typeface="Arial" panose="020B0604020202020204" pitchFamily="34" charset="0"/>
+              </a:rPr>
+              <a:t>Seilwinde</a:t>
+            </a:r>
+          </a:p>
+        </p:txBody>
+      </p:sp>
+      <p:sp>
+        <p:nvSpPr>
+          <p:cNvPr id="60" name="Textfeld 59">
+            <a:extLst>
+              <a:ext uri="{FF2B5EF4-FFF2-40B4-BE49-F238E27FC236}">
+                <a16:creationId xmlns:a16="http://schemas.microsoft.com/office/drawing/2014/main" id="{88838C2A-98F5-4EB3-9E8C-39AF08778CEE}"/>
+              </a:ext>
+            </a:extLst>
+          </p:cNvPr>
+          <p:cNvSpPr txBox="1"/>
+          <p:nvPr/>
+        </p:nvSpPr>
+        <p:spPr>
+          <a:xfrm>
+            <a:off x="5657749" y="5185645"/>
+            <a:ext cx="404059" cy="200055"/>
+          </a:xfrm>
+          <a:prstGeom prst="rect">
+            <a:avLst/>
+          </a:prstGeom>
+          <a:noFill/>
+        </p:spPr>
+        <p:txBody>
+          <a:bodyPr wrap="square" rtlCol="0">
+            <a:spAutoFit/>
+          </a:bodyPr>
+          <a:lstStyle/>
+          <a:p>
+            <a:r>
+              <a:rPr lang="de-DE" altLang="zh-CN" sz="700" spc="30" dirty="0">
+                <a:solidFill>
+                  <a:srgbClr val="0E0D0B"/>
+                </a:solidFill>
+                <a:latin typeface="Arial" panose="020B0604020202020204" pitchFamily="34" charset="0"/>
+                <a:ea typeface="Times New Roman"/>
+                <a:cs typeface="Arial" panose="020B0604020202020204" pitchFamily="34" charset="0"/>
+              </a:rPr>
+              <a:t>Rolle</a:t>
+            </a:r>
+          </a:p>
+        </p:txBody>
+      </p:sp>
+      <p:sp>
+        <p:nvSpPr>
+          <p:cNvPr id="61" name="Textfeld 60">
+            <a:extLst>
+              <a:ext uri="{FF2B5EF4-FFF2-40B4-BE49-F238E27FC236}">
+                <a16:creationId xmlns:a16="http://schemas.microsoft.com/office/drawing/2014/main" id="{A55EA6BE-C4F3-4FDE-AE4D-5BB2B4ABE719}"/>
+              </a:ext>
+            </a:extLst>
+          </p:cNvPr>
+          <p:cNvSpPr txBox="1"/>
+          <p:nvPr/>
+        </p:nvSpPr>
+        <p:spPr>
+          <a:xfrm>
+            <a:off x="6496409" y="5192308"/>
+            <a:ext cx="472030" cy="200055"/>
+          </a:xfrm>
+          <a:prstGeom prst="rect">
+            <a:avLst/>
+          </a:prstGeom>
+          <a:noFill/>
+        </p:spPr>
+        <p:txBody>
+          <a:bodyPr wrap="square" rtlCol="0">
+            <a:spAutoFit/>
+          </a:bodyPr>
+          <a:lstStyle/>
+          <a:p>
+            <a:r>
+              <a:rPr lang="de-DE" altLang="zh-CN" sz="700" spc="30" dirty="0">
+                <a:solidFill>
+                  <a:srgbClr val="0E0D0B"/>
+                </a:solidFill>
+                <a:latin typeface="Arial" panose="020B0604020202020204" pitchFamily="34" charset="0"/>
+                <a:ea typeface="Times New Roman"/>
+                <a:cs typeface="Arial" panose="020B0604020202020204" pitchFamily="34" charset="0"/>
+              </a:rPr>
+              <a:t>Masse</a:t>
+            </a:r>
+          </a:p>
+        </p:txBody>
+      </p:sp>
+      <p:sp>
+        <p:nvSpPr>
+          <p:cNvPr id="62" name="Geschweifte Klammer rechts 61">
+            <a:extLst>
+              <a:ext uri="{FF2B5EF4-FFF2-40B4-BE49-F238E27FC236}">
+                <a16:creationId xmlns:a16="http://schemas.microsoft.com/office/drawing/2014/main" id="{6E9B12E5-2625-4A18-8798-A25C179631E3}"/>
+              </a:ext>
+            </a:extLst>
+          </p:cNvPr>
+          <p:cNvSpPr/>
+          <p:nvPr/>
+        </p:nvSpPr>
+        <p:spPr>
+          <a:xfrm rot="5400000">
+            <a:off x="3740742" y="5932290"/>
+            <a:ext cx="113881" cy="326084"/>
+          </a:xfrm>
+          <a:prstGeom prst="rightBrace">
+            <a:avLst/>
+          </a:prstGeom>
+          <a:ln w="19050">
+            <a:solidFill>
+              <a:schemeClr val="tx1"/>
+            </a:solidFill>
+          </a:ln>
+        </p:spPr>
+        <p:style>
+          <a:lnRef idx="1">
+            <a:schemeClr val="dk1"/>
+          </a:lnRef>
+          <a:fillRef idx="0">
+            <a:schemeClr val="dk1"/>
+          </a:fillRef>
+          <a:effectRef idx="0">
+            <a:schemeClr val="dk1"/>
+          </a:effectRef>
+          <a:fontRef idx="minor">
+            <a:schemeClr val="tx1"/>
+          </a:fontRef>
+        </p:style>
+        <p:txBody>
+          <a:bodyPr rtlCol="0" anchor="ctr"/>
+          <a:lstStyle/>
+          <a:p>
+            <a:pPr algn="ctr"/>
+            <a:endParaRPr lang="de-DE"/>
+          </a:p>
+        </p:txBody>
+      </p:sp>
+      <p:sp>
+        <p:nvSpPr>
+          <p:cNvPr id="63" name="Geschweifte Klammer rechts 62">
+            <a:extLst>
+              <a:ext uri="{FF2B5EF4-FFF2-40B4-BE49-F238E27FC236}">
+                <a16:creationId xmlns:a16="http://schemas.microsoft.com/office/drawing/2014/main" id="{6DEECBD7-96BD-4817-A49E-08837058351E}"/>
+              </a:ext>
+            </a:extLst>
+          </p:cNvPr>
+          <p:cNvSpPr/>
+          <p:nvPr/>
+        </p:nvSpPr>
+        <p:spPr>
+          <a:xfrm rot="5400000">
+            <a:off x="4613974" y="5925914"/>
+            <a:ext cx="113881" cy="326084"/>
+          </a:xfrm>
+          <a:prstGeom prst="rightBrace">
+            <a:avLst/>
+          </a:prstGeom>
+          <a:ln w="19050">
+            <a:solidFill>
+              <a:schemeClr val="tx1"/>
+            </a:solidFill>
+          </a:ln>
+        </p:spPr>
+        <p:style>
+          <a:lnRef idx="1">
+            <a:schemeClr val="dk1"/>
+          </a:lnRef>
+          <a:fillRef idx="0">
+            <a:schemeClr val="dk1"/>
+          </a:fillRef>
+          <a:effectRef idx="0">
+            <a:schemeClr val="dk1"/>
+          </a:effectRef>
+          <a:fontRef idx="minor">
+            <a:schemeClr val="tx1"/>
+          </a:fontRef>
+        </p:style>
+        <p:txBody>
+          <a:bodyPr rtlCol="0" anchor="ctr"/>
+          <a:lstStyle/>
+          <a:p>
+            <a:pPr algn="ctr"/>
+            <a:endParaRPr lang="de-DE"/>
+          </a:p>
+        </p:txBody>
+      </p:sp>
+      <p:sp>
+        <p:nvSpPr>
+          <p:cNvPr id="64" name="Geschweifte Klammer rechts 63">
+            <a:extLst>
+              <a:ext uri="{FF2B5EF4-FFF2-40B4-BE49-F238E27FC236}">
+                <a16:creationId xmlns:a16="http://schemas.microsoft.com/office/drawing/2014/main" id="{3E779BBC-0268-4B44-BA68-6661EDFA35EC}"/>
+              </a:ext>
+            </a:extLst>
+          </p:cNvPr>
+          <p:cNvSpPr/>
+          <p:nvPr/>
+        </p:nvSpPr>
+        <p:spPr>
+          <a:xfrm rot="5400000">
+            <a:off x="5436091" y="5928968"/>
+            <a:ext cx="113881" cy="326084"/>
+          </a:xfrm>
+          <a:prstGeom prst="rightBrace">
+            <a:avLst/>
+          </a:prstGeom>
+          <a:ln w="19050">
+            <a:solidFill>
+              <a:schemeClr val="tx1"/>
+            </a:solidFill>
+          </a:ln>
+        </p:spPr>
+        <p:style>
+          <a:lnRef idx="1">
+            <a:schemeClr val="dk1"/>
+          </a:lnRef>
+          <a:fillRef idx="0">
+            <a:schemeClr val="dk1"/>
+          </a:fillRef>
+          <a:effectRef idx="0">
+            <a:schemeClr val="dk1"/>
+          </a:effectRef>
+          <a:fontRef idx="minor">
+            <a:schemeClr val="tx1"/>
+          </a:fontRef>
+        </p:style>
+        <p:txBody>
+          <a:bodyPr rtlCol="0" anchor="ctr"/>
+          <a:lstStyle/>
+          <a:p>
+            <a:pPr algn="ctr"/>
+            <a:endParaRPr lang="de-DE"/>
+          </a:p>
+        </p:txBody>
+      </p:sp>
+      <p:sp>
+        <p:nvSpPr>
+          <p:cNvPr id="65" name="Geschweifte Klammer rechts 64">
+            <a:extLst>
+              <a:ext uri="{FF2B5EF4-FFF2-40B4-BE49-F238E27FC236}">
+                <a16:creationId xmlns:a16="http://schemas.microsoft.com/office/drawing/2014/main" id="{E45B9052-3B7F-42F4-B127-2DAA2C704020}"/>
+              </a:ext>
+            </a:extLst>
+          </p:cNvPr>
+          <p:cNvSpPr/>
+          <p:nvPr/>
+        </p:nvSpPr>
+        <p:spPr>
+          <a:xfrm rot="5400000">
+            <a:off x="6294561" y="5928969"/>
+            <a:ext cx="113881" cy="326084"/>
+          </a:xfrm>
+          <a:prstGeom prst="rightBrace">
+            <a:avLst/>
+          </a:prstGeom>
+          <a:ln w="19050">
+            <a:solidFill>
+              <a:schemeClr val="tx1"/>
+            </a:solidFill>
+          </a:ln>
+        </p:spPr>
+        <p:style>
+          <a:lnRef idx="1">
+            <a:schemeClr val="dk1"/>
+          </a:lnRef>
+          <a:fillRef idx="0">
+            <a:schemeClr val="dk1"/>
+          </a:fillRef>
+          <a:effectRef idx="0">
+            <a:schemeClr val="dk1"/>
+          </a:effectRef>
+          <a:fontRef idx="minor">
+            <a:schemeClr val="tx1"/>
+          </a:fontRef>
+        </p:style>
+        <p:txBody>
+          <a:bodyPr rtlCol="0" anchor="ctr"/>
+          <a:lstStyle/>
+          <a:p>
+            <a:pPr algn="ctr"/>
+            <a:endParaRPr lang="de-DE"/>
+          </a:p>
+        </p:txBody>
+      </p:sp>
+      <p:sp>
+        <p:nvSpPr>
+          <p:cNvPr id="66" name="Textfeld 65">
+            <a:extLst>
+              <a:ext uri="{FF2B5EF4-FFF2-40B4-BE49-F238E27FC236}">
+                <a16:creationId xmlns:a16="http://schemas.microsoft.com/office/drawing/2014/main" id="{D6D74AE3-580F-4779-91C9-D823EAFC4108}"/>
+              </a:ext>
+            </a:extLst>
+          </p:cNvPr>
+          <p:cNvSpPr txBox="1"/>
+          <p:nvPr/>
+        </p:nvSpPr>
+        <p:spPr>
+          <a:xfrm>
+            <a:off x="3444355" y="6161645"/>
+            <a:ext cx="730439" cy="223138"/>
+          </a:xfrm>
+          <a:prstGeom prst="rect">
+            <a:avLst/>
+          </a:prstGeom>
+          <a:noFill/>
+        </p:spPr>
+        <p:txBody>
+          <a:bodyPr wrap="square" rtlCol="0">
+            <a:spAutoFit/>
+          </a:bodyPr>
+          <a:lstStyle/>
+          <a:p>
+            <a:r>
+              <a:rPr lang="de-DE" altLang="zh-CN" sz="850" spc="30" dirty="0">
+                <a:solidFill>
+                  <a:srgbClr val="0E0D0B"/>
+                </a:solidFill>
+                <a:latin typeface="Arial" panose="020B0604020202020204" pitchFamily="34" charset="0"/>
+                <a:ea typeface="Times New Roman"/>
+                <a:cs typeface="Arial" panose="020B0604020202020204" pitchFamily="34" charset="0"/>
+              </a:rPr>
+              <a:t>Connector</a:t>
+            </a:r>
+          </a:p>
+        </p:txBody>
+      </p:sp>
+      <p:sp>
+        <p:nvSpPr>
+          <p:cNvPr id="67" name="Textfeld 66">
+            <a:extLst>
+              <a:ext uri="{FF2B5EF4-FFF2-40B4-BE49-F238E27FC236}">
+                <a16:creationId xmlns:a16="http://schemas.microsoft.com/office/drawing/2014/main" id="{1E7A36F1-CC4D-4452-A53A-CA63D4CE589B}"/>
+              </a:ext>
+            </a:extLst>
+          </p:cNvPr>
+          <p:cNvSpPr txBox="1"/>
+          <p:nvPr/>
+        </p:nvSpPr>
+        <p:spPr>
+          <a:xfrm>
+            <a:off x="4305694" y="6161645"/>
+            <a:ext cx="730439" cy="223138"/>
+          </a:xfrm>
+          <a:prstGeom prst="rect">
+            <a:avLst/>
+          </a:prstGeom>
+          <a:noFill/>
+        </p:spPr>
+        <p:txBody>
+          <a:bodyPr wrap="square" rtlCol="0">
+            <a:spAutoFit/>
+          </a:bodyPr>
+          <a:lstStyle/>
+          <a:p>
+            <a:r>
+              <a:rPr lang="de-DE" altLang="zh-CN" sz="850" spc="30" dirty="0">
+                <a:solidFill>
+                  <a:srgbClr val="0E0D0B"/>
+                </a:solidFill>
+                <a:latin typeface="Arial" panose="020B0604020202020204" pitchFamily="34" charset="0"/>
+                <a:ea typeface="Times New Roman"/>
+                <a:cs typeface="Arial" panose="020B0604020202020204" pitchFamily="34" charset="0"/>
+              </a:rPr>
+              <a:t>Connector</a:t>
+            </a:r>
+          </a:p>
+        </p:txBody>
+      </p:sp>
+      <p:sp>
+        <p:nvSpPr>
+          <p:cNvPr id="68" name="Textfeld 67">
+            <a:extLst>
+              <a:ext uri="{FF2B5EF4-FFF2-40B4-BE49-F238E27FC236}">
+                <a16:creationId xmlns:a16="http://schemas.microsoft.com/office/drawing/2014/main" id="{804CDB33-73F3-4586-9773-67BE3A2F72DC}"/>
+              </a:ext>
+            </a:extLst>
+          </p:cNvPr>
+          <p:cNvSpPr txBox="1"/>
+          <p:nvPr/>
+        </p:nvSpPr>
+        <p:spPr>
+          <a:xfrm>
+            <a:off x="5136273" y="6156091"/>
+            <a:ext cx="730439" cy="223138"/>
+          </a:xfrm>
+          <a:prstGeom prst="rect">
+            <a:avLst/>
+          </a:prstGeom>
+          <a:noFill/>
+        </p:spPr>
+        <p:txBody>
+          <a:bodyPr wrap="square" rtlCol="0">
+            <a:spAutoFit/>
+          </a:bodyPr>
+          <a:lstStyle/>
+          <a:p>
+            <a:r>
+              <a:rPr lang="de-DE" altLang="zh-CN" sz="850" spc="30" dirty="0">
+                <a:solidFill>
+                  <a:srgbClr val="0E0D0B"/>
+                </a:solidFill>
+                <a:latin typeface="Arial" panose="020B0604020202020204" pitchFamily="34" charset="0"/>
+                <a:ea typeface="Times New Roman"/>
+                <a:cs typeface="Arial" panose="020B0604020202020204" pitchFamily="34" charset="0"/>
+              </a:rPr>
+              <a:t>Connector</a:t>
+            </a:r>
+          </a:p>
+        </p:txBody>
+      </p:sp>
+      <p:sp>
+        <p:nvSpPr>
+          <p:cNvPr id="69" name="Textfeld 68">
+            <a:extLst>
+              <a:ext uri="{FF2B5EF4-FFF2-40B4-BE49-F238E27FC236}">
+                <a16:creationId xmlns:a16="http://schemas.microsoft.com/office/drawing/2014/main" id="{19B1E2C9-74BF-4F3F-9DFF-F1226EDF1BB3}"/>
+              </a:ext>
+            </a:extLst>
+          </p:cNvPr>
+          <p:cNvSpPr txBox="1"/>
+          <p:nvPr/>
+        </p:nvSpPr>
+        <p:spPr>
+          <a:xfrm>
+            <a:off x="5986281" y="6150037"/>
+            <a:ext cx="730439" cy="223138"/>
+          </a:xfrm>
+          <a:prstGeom prst="rect">
+            <a:avLst/>
+          </a:prstGeom>
+          <a:noFill/>
+        </p:spPr>
+        <p:txBody>
+          <a:bodyPr wrap="square" rtlCol="0">
+            <a:spAutoFit/>
+          </a:bodyPr>
+          <a:lstStyle/>
+          <a:p>
+            <a:r>
+              <a:rPr lang="de-DE" altLang="zh-CN" sz="850" spc="30" dirty="0">
+                <a:solidFill>
+                  <a:srgbClr val="0E0D0B"/>
+                </a:solidFill>
+                <a:latin typeface="Arial" panose="020B0604020202020204" pitchFamily="34" charset="0"/>
+                <a:ea typeface="Times New Roman"/>
+                <a:cs typeface="Arial" panose="020B0604020202020204" pitchFamily="34" charset="0"/>
+              </a:rPr>
+              <a:t>Connector</a:t>
+            </a:r>
+          </a:p>
+        </p:txBody>
+      </p:sp>
+      <p:cxnSp>
+        <p:nvCxnSpPr>
+          <p:cNvPr id="70" name="Gerade Verbindung mit Pfeil 69">
+            <a:extLst>
+              <a:ext uri="{FF2B5EF4-FFF2-40B4-BE49-F238E27FC236}">
+                <a16:creationId xmlns:a16="http://schemas.microsoft.com/office/drawing/2014/main" id="{B4C2BE63-6300-4F81-9B2B-2E2E3B50242C}"/>
+              </a:ext>
+            </a:extLst>
+          </p:cNvPr>
+          <p:cNvCxnSpPr>
+            <a:cxnSpLocks/>
+          </p:cNvCxnSpPr>
+          <p:nvPr/>
+        </p:nvCxnSpPr>
+        <p:spPr>
+          <a:xfrm>
+            <a:off x="4174794" y="6814822"/>
+            <a:ext cx="340381" cy="0"/>
+          </a:xfrm>
+          <a:prstGeom prst="straightConnector1">
+            <a:avLst/>
+          </a:prstGeom>
+          <a:ln w="28575">
+            <a:solidFill>
+              <a:srgbClr val="F3BB07"/>
+            </a:solidFill>
+            <a:tailEnd type="triangle"/>
+          </a:ln>
+        </p:spPr>
+        <p:style>
+          <a:lnRef idx="1">
+            <a:schemeClr val="dk1"/>
+          </a:lnRef>
+          <a:fillRef idx="0">
+            <a:schemeClr val="dk1"/>
+          </a:fillRef>
+          <a:effectRef idx="0">
+            <a:schemeClr val="dk1"/>
+          </a:effectRef>
+          <a:fontRef idx="minor">
+            <a:schemeClr val="tx1"/>
+          </a:fontRef>
+        </p:style>
+      </p:cxnSp>
+      <p:cxnSp>
+        <p:nvCxnSpPr>
+          <p:cNvPr id="71" name="Gerade Verbindung mit Pfeil 70">
+            <a:extLst>
+              <a:ext uri="{FF2B5EF4-FFF2-40B4-BE49-F238E27FC236}">
+                <a16:creationId xmlns:a16="http://schemas.microsoft.com/office/drawing/2014/main" id="{CAAF8051-D9B6-45E8-8D07-8C8BBEF1CB81}"/>
+              </a:ext>
+            </a:extLst>
+          </p:cNvPr>
+          <p:cNvCxnSpPr>
+            <a:cxnSpLocks/>
+          </p:cNvCxnSpPr>
+          <p:nvPr/>
+        </p:nvCxnSpPr>
+        <p:spPr>
+          <a:xfrm flipH="1">
+            <a:off x="4110818" y="7031610"/>
+            <a:ext cx="404357" cy="0"/>
+          </a:xfrm>
+          <a:prstGeom prst="straightConnector1">
+            <a:avLst/>
+          </a:prstGeom>
+          <a:ln w="28575">
+            <a:solidFill>
+              <a:srgbClr val="F3BB07"/>
+            </a:solidFill>
+            <a:tailEnd type="triangle"/>
+          </a:ln>
+        </p:spPr>
+        <p:style>
+          <a:lnRef idx="1">
+            <a:schemeClr val="dk1"/>
+          </a:lnRef>
+          <a:fillRef idx="0">
+            <a:schemeClr val="dk1"/>
+          </a:fillRef>
+          <a:effectRef idx="0">
+            <a:schemeClr val="dk1"/>
+          </a:effectRef>
+          <a:fontRef idx="minor">
+            <a:schemeClr val="tx1"/>
+          </a:fontRef>
+        </p:style>
+      </p:cxnSp>
+      <p:sp>
+        <p:nvSpPr>
+          <p:cNvPr id="72" name="Textfeld 71">
+            <a:extLst>
+              <a:ext uri="{FF2B5EF4-FFF2-40B4-BE49-F238E27FC236}">
+                <a16:creationId xmlns:a16="http://schemas.microsoft.com/office/drawing/2014/main" id="{75CB0EF4-5D0B-4B40-9A28-4966ADDCABD4}"/>
+              </a:ext>
+            </a:extLst>
+          </p:cNvPr>
+          <p:cNvSpPr txBox="1"/>
+          <p:nvPr/>
+        </p:nvSpPr>
+        <p:spPr>
+          <a:xfrm>
+            <a:off x="2972790" y="6452296"/>
+            <a:ext cx="1868316" cy="223138"/>
+          </a:xfrm>
+          <a:prstGeom prst="rect">
+            <a:avLst/>
+          </a:prstGeom>
+          <a:noFill/>
+        </p:spPr>
+        <p:txBody>
+          <a:bodyPr wrap="square" rtlCol="0">
+            <a:spAutoFit/>
+          </a:bodyPr>
+          <a:lstStyle/>
+          <a:p>
+            <a:r>
+              <a:rPr lang="de-DE" altLang="zh-CN" sz="850" b="1" spc="30" dirty="0">
+                <a:solidFill>
+                  <a:srgbClr val="0E0D0B"/>
+                </a:solidFill>
+                <a:latin typeface="Arial" panose="020B0604020202020204" pitchFamily="34" charset="0"/>
+                <a:ea typeface="Times New Roman"/>
+                <a:cs typeface="Arial" panose="020B0604020202020204" pitchFamily="34" charset="0"/>
+              </a:rPr>
+              <a:t>Bedeutung der Pfeilrichtung</a:t>
+            </a:r>
+          </a:p>
+        </p:txBody>
+      </p:sp>
+      <p:sp>
+        <p:nvSpPr>
+          <p:cNvPr id="73" name="Textfeld 72">
+            <a:extLst>
+              <a:ext uri="{FF2B5EF4-FFF2-40B4-BE49-F238E27FC236}">
+                <a16:creationId xmlns:a16="http://schemas.microsoft.com/office/drawing/2014/main" id="{35F52759-E8CC-43E9-8828-BBC69DB5BE46}"/>
+              </a:ext>
+            </a:extLst>
+          </p:cNvPr>
+          <p:cNvSpPr txBox="1"/>
+          <p:nvPr/>
+        </p:nvSpPr>
+        <p:spPr>
+          <a:xfrm>
+            <a:off x="3069445" y="7120195"/>
+            <a:ext cx="1560184" cy="223138"/>
+          </a:xfrm>
+          <a:prstGeom prst="rect">
+            <a:avLst/>
+          </a:prstGeom>
+          <a:noFill/>
+        </p:spPr>
+        <p:txBody>
+          <a:bodyPr wrap="square" rtlCol="0">
+            <a:spAutoFit/>
+          </a:bodyPr>
+          <a:lstStyle/>
+          <a:p>
+            <a:r>
+              <a:rPr lang="de-DE" altLang="zh-CN" sz="850" spc="30" dirty="0">
+                <a:solidFill>
+                  <a:srgbClr val="0E0D0B"/>
+                </a:solidFill>
+                <a:latin typeface="Arial" panose="020B0604020202020204" pitchFamily="34" charset="0"/>
+                <a:ea typeface="Times New Roman"/>
+                <a:cs typeface="Arial" panose="020B0604020202020204" pitchFamily="34" charset="0"/>
+              </a:rPr>
+              <a:t>Kein Pfeil: E-Motor ist aus</a:t>
             </a:r>
           </a:p>
         </p:txBody>
       </p:sp>
     </p:spTree>
+  </p:cSld>
+  <p:clrMapOvr>
+    <a:masterClrMapping/>
+  </p:clrMapOvr>
+</p:sld>
+</file>
+
+<file path=ppt/slides/slide2.xml><?xml version="1.0" encoding="utf-8"?>
+<p:sld xmlns:a="http://schemas.openxmlformats.org/drawingml/2006/main" xmlns:r="http://schemas.openxmlformats.org/officeDocument/2006/relationships" xmlns:p="http://schemas.openxmlformats.org/presentationml/2006/main">
+  <p:cSld>
+    <p:spTree>
+      <p:nvGrpSpPr>
+        <p:cNvPr id="1" name=""/>
+        <p:cNvGrpSpPr/>
+        <p:nvPr/>
+      </p:nvGrpSpPr>
+      <p:grpSpPr>
+        <a:xfrm>
+          <a:off x="0" y="0"/>
+          <a:ext cx="0" cy="0"/>
+          <a:chOff x="0" y="0"/>
+          <a:chExt cx="0" cy="0"/>
+        </a:xfrm>
+      </p:grpSpPr>
+      <p:sp>
+        <p:nvSpPr>
+          <p:cNvPr id="2" name="Titel 1">
+            <a:extLst>
+              <a:ext uri="{FF2B5EF4-FFF2-40B4-BE49-F238E27FC236}">
+                <a16:creationId xmlns:a16="http://schemas.microsoft.com/office/drawing/2014/main" id="{A2C04205-6341-4333-BB5E-8BDAEA19E3EF}"/>
+              </a:ext>
+            </a:extLst>
+          </p:cNvPr>
+          <p:cNvSpPr>
+            <a:spLocks noGrp="1"/>
+          </p:cNvSpPr>
+          <p:nvPr>
+            <p:ph type="title"/>
+          </p:nvPr>
+        </p:nvSpPr>
+        <p:spPr/>
+        <p:txBody>
+          <a:bodyPr/>
+          <a:lstStyle/>
+          <a:p>
+            <a:endParaRPr lang="de-DE"/>
+          </a:p>
+        </p:txBody>
+      </p:sp>
+      <p:sp>
+        <p:nvSpPr>
+          <p:cNvPr id="3" name="Inhaltsplatzhalter 2">
+            <a:extLst>
+              <a:ext uri="{FF2B5EF4-FFF2-40B4-BE49-F238E27FC236}">
+                <a16:creationId xmlns:a16="http://schemas.microsoft.com/office/drawing/2014/main" id="{6289863E-DFD4-463C-A16F-55A8F63AECCF}"/>
+              </a:ext>
+            </a:extLst>
+          </p:cNvPr>
+          <p:cNvSpPr>
+            <a:spLocks noGrp="1"/>
+          </p:cNvSpPr>
+          <p:nvPr>
+            <p:ph idx="1"/>
+          </p:nvPr>
+        </p:nvSpPr>
+        <p:spPr/>
+        <p:txBody>
+          <a:bodyPr/>
+          <a:lstStyle/>
+          <a:p>
+            <a:endParaRPr lang="de-DE"/>
+          </a:p>
+        </p:txBody>
+      </p:sp>
+      <p:pic>
+        <p:nvPicPr>
+          <p:cNvPr id="4" name="Picture 13">
+            <a:extLst>
+              <a:ext uri="{FF2B5EF4-FFF2-40B4-BE49-F238E27FC236}">
+                <a16:creationId xmlns:a16="http://schemas.microsoft.com/office/drawing/2014/main" id="{AF83A705-4DD2-4361-B755-43374EBD6461}"/>
+              </a:ext>
+            </a:extLst>
+          </p:cNvPr>
+          <p:cNvPicPr>
+            <a:picLocks noChangeAspect="1"/>
+          </p:cNvPicPr>
+          <p:nvPr/>
+        </p:nvPicPr>
+        <p:blipFill>
+          <a:blip r:embed="rId2"/>
+          <a:stretch>
+            <a:fillRect/>
+          </a:stretch>
+        </p:blipFill>
+        <p:spPr>
+          <a:xfrm>
+            <a:off x="-693796" y="4932529"/>
+            <a:ext cx="7566659" cy="5852160"/>
+          </a:xfrm>
+          <a:prstGeom prst="rect">
+            <a:avLst/>
+          </a:prstGeom>
+        </p:spPr>
+      </p:pic>
+    </p:spTree>
+    <p:extLst>
+      <p:ext uri="{BB962C8B-B14F-4D97-AF65-F5344CB8AC3E}">
+        <p14:creationId xmlns:p14="http://schemas.microsoft.com/office/powerpoint/2010/main" val="2273608914"/>
+      </p:ext>
+    </p:extLst>
   </p:cSld>
   <p:clrMapOvr>
     <a:masterClrMapping/>

--- a/Flaschenzug_Poster.pptx
+++ b/Flaschenzug_Poster.pptx
@@ -303,7 +303,7 @@
           <a:p>
             <a:fld id="{7A56DD26-32A4-2A43-990A-6F7E5E73786E}" type="datetimeFigureOut">
               <a:rPr lang="en-US" smtClean="0"/>
-              <a:t>12/4/2019</a:t>
+              <a:t>12/10/2019</a:t>
             </a:fld>
             <a:endParaRPr lang="en-US"/>
           </a:p>
@@ -466,7 +466,7 @@
           <a:p>
             <a:fld id="{7A56DD26-32A4-2A43-990A-6F7E5E73786E}" type="datetimeFigureOut">
               <a:rPr lang="en-US" smtClean="0"/>
-              <a:t>12/4/2019</a:t>
+              <a:t>12/10/2019</a:t>
             </a:fld>
             <a:endParaRPr lang="en-US"/>
           </a:p>
@@ -639,7 +639,7 @@
           <a:p>
             <a:fld id="{7A56DD26-32A4-2A43-990A-6F7E5E73786E}" type="datetimeFigureOut">
               <a:rPr lang="en-US" smtClean="0"/>
-              <a:t>12/4/2019</a:t>
+              <a:t>12/10/2019</a:t>
             </a:fld>
             <a:endParaRPr lang="en-US"/>
           </a:p>
@@ -802,7 +802,7 @@
           <a:p>
             <a:fld id="{7A56DD26-32A4-2A43-990A-6F7E5E73786E}" type="datetimeFigureOut">
               <a:rPr lang="en-US" smtClean="0"/>
-              <a:t>12/4/2019</a:t>
+              <a:t>12/10/2019</a:t>
             </a:fld>
             <a:endParaRPr lang="en-US"/>
           </a:p>
@@ -1042,7 +1042,7 @@
           <a:p>
             <a:fld id="{7A56DD26-32A4-2A43-990A-6F7E5E73786E}" type="datetimeFigureOut">
               <a:rPr lang="en-US" smtClean="0"/>
-              <a:t>12/4/2019</a:t>
+              <a:t>12/10/2019</a:t>
             </a:fld>
             <a:endParaRPr lang="en-US"/>
           </a:p>
@@ -1322,7 +1322,7 @@
           <a:p>
             <a:fld id="{7A56DD26-32A4-2A43-990A-6F7E5E73786E}" type="datetimeFigureOut">
               <a:rPr lang="en-US" smtClean="0"/>
-              <a:t>12/4/2019</a:t>
+              <a:t>12/10/2019</a:t>
             </a:fld>
             <a:endParaRPr lang="en-US"/>
           </a:p>
@@ -1736,7 +1736,7 @@
           <a:p>
             <a:fld id="{7A56DD26-32A4-2A43-990A-6F7E5E73786E}" type="datetimeFigureOut">
               <a:rPr lang="en-US" smtClean="0"/>
-              <a:t>12/4/2019</a:t>
+              <a:t>12/10/2019</a:t>
             </a:fld>
             <a:endParaRPr lang="en-US"/>
           </a:p>
@@ -1848,7 +1848,7 @@
           <a:p>
             <a:fld id="{7A56DD26-32A4-2A43-990A-6F7E5E73786E}" type="datetimeFigureOut">
               <a:rPr lang="en-US" smtClean="0"/>
-              <a:t>12/4/2019</a:t>
+              <a:t>12/10/2019</a:t>
             </a:fld>
             <a:endParaRPr lang="en-US"/>
           </a:p>
@@ -1938,7 +1938,7 @@
           <a:p>
             <a:fld id="{7A56DD26-32A4-2A43-990A-6F7E5E73786E}" type="datetimeFigureOut">
               <a:rPr lang="en-US" smtClean="0"/>
-              <a:t>12/4/2019</a:t>
+              <a:t>12/10/2019</a:t>
             </a:fld>
             <a:endParaRPr lang="en-US"/>
           </a:p>
@@ -2208,7 +2208,7 @@
           <a:p>
             <a:fld id="{7A56DD26-32A4-2A43-990A-6F7E5E73786E}" type="datetimeFigureOut">
               <a:rPr lang="en-US" smtClean="0"/>
-              <a:t>12/4/2019</a:t>
+              <a:t>12/10/2019</a:t>
             </a:fld>
             <a:endParaRPr lang="en-US"/>
           </a:p>
@@ -2455,7 +2455,7 @@
           <a:p>
             <a:fld id="{7A56DD26-32A4-2A43-990A-6F7E5E73786E}" type="datetimeFigureOut">
               <a:rPr lang="en-US" smtClean="0"/>
-              <a:t>12/4/2019</a:t>
+              <a:t>12/10/2019</a:t>
             </a:fld>
             <a:endParaRPr lang="en-US"/>
           </a:p>
@@ -2663,7 +2663,7 @@
           <a:p>
             <a:fld id="{7A56DD26-32A4-2A43-990A-6F7E5E73786E}" type="datetimeFigureOut">
               <a:rPr lang="en-US" smtClean="0"/>
-              <a:t>12/4/2019</a:t>
+              <a:t>12/10/2019</a:t>
             </a:fld>
             <a:endParaRPr lang="en-US"/>
           </a:p>
@@ -3035,186 +3035,6 @@
       </p:grpSpPr>
       <p:sp>
         <p:nvSpPr>
-          <p:cNvPr id="12" name="Freeform 0"/>
-          <p:cNvSpPr/>
-          <p:nvPr/>
-        </p:nvSpPr>
-        <p:spPr>
-          <a:xfrm>
-            <a:off x="68595" y="1821157"/>
-            <a:ext cx="7298248" cy="2865793"/>
-          </a:xfrm>
-          <a:custGeom>
-            <a:avLst/>
-            <a:gdLst>
-              <a:gd name="connsiteX0" fmla="*/ 17526 w 4718050"/>
-              <a:gd name="connsiteY0" fmla="*/ 411226 h 2787650"/>
-              <a:gd name="connsiteX1" fmla="*/ 17526 w 4718050"/>
-              <a:gd name="connsiteY1" fmla="*/ 2605785 h 2787650"/>
-              <a:gd name="connsiteX2" fmla="*/ 1786889 w 4718050"/>
-              <a:gd name="connsiteY2" fmla="*/ 2797810 h 2787650"/>
-              <a:gd name="connsiteX3" fmla="*/ 3684270 w 4718050"/>
-              <a:gd name="connsiteY3" fmla="*/ 2715514 h 2787650"/>
-              <a:gd name="connsiteX4" fmla="*/ 4685538 w 4718050"/>
-              <a:gd name="connsiteY4" fmla="*/ 1862073 h 2787650"/>
-              <a:gd name="connsiteX5" fmla="*/ 4728210 w 4718050"/>
-              <a:gd name="connsiteY5" fmla="*/ 650494 h 2787650"/>
-              <a:gd name="connsiteX6" fmla="*/ 2391918 w 4718050"/>
-              <a:gd name="connsiteY6" fmla="*/ 16510 h 2787650"/>
-              <a:gd name="connsiteX7" fmla="*/ 17526 w 4718050"/>
-              <a:gd name="connsiteY7" fmla="*/ 411226 h 2787650"/>
-              <a:gd name="connsiteX8" fmla="*/ 17526 w 4718050"/>
-              <a:gd name="connsiteY8" fmla="*/ 411226 h 2787650"/>
-            </a:gdLst>
-            <a:ahLst/>
-            <a:cxnLst>
-              <a:cxn ang="0">
-                <a:pos x="connsiteX0" y="connsiteY0"/>
-              </a:cxn>
-              <a:cxn ang="0">
-                <a:pos x="connsiteX1" y="connsiteY1"/>
-              </a:cxn>
-              <a:cxn ang="0">
-                <a:pos x="connsiteX2" y="connsiteY2"/>
-              </a:cxn>
-              <a:cxn ang="0">
-                <a:pos x="connsiteX3" y="connsiteY3"/>
-              </a:cxn>
-              <a:cxn ang="0">
-                <a:pos x="connsiteX4" y="connsiteY4"/>
-              </a:cxn>
-              <a:cxn ang="0">
-                <a:pos x="connsiteX5" y="connsiteY5"/>
-              </a:cxn>
-              <a:cxn ang="0">
-                <a:pos x="connsiteX6" y="connsiteY6"/>
-              </a:cxn>
-              <a:cxn ang="0">
-                <a:pos x="connsiteX7" y="connsiteY7"/>
-              </a:cxn>
-              <a:cxn ang="0">
-                <a:pos x="connsiteX8" y="connsiteY8"/>
-              </a:cxn>
-            </a:cxnLst>
-            <a:rect l="l" t="t" r="r" b="b"/>
-            <a:pathLst>
-              <a:path w="4718050" h="2787650">
-                <a:moveTo>
-                  <a:pt x="17526" y="411226"/>
-                </a:moveTo>
-                <a:lnTo>
-                  <a:pt x="17526" y="2605785"/>
-                </a:lnTo>
-                <a:lnTo>
-                  <a:pt x="1786889" y="2797810"/>
-                </a:lnTo>
-                <a:lnTo>
-                  <a:pt x="3684270" y="2715514"/>
-                </a:lnTo>
-                <a:lnTo>
-                  <a:pt x="4685538" y="1862073"/>
-                </a:lnTo>
-                <a:lnTo>
-                  <a:pt x="4728210" y="650494"/>
-                </a:lnTo>
-                <a:lnTo>
-                  <a:pt x="2391918" y="16510"/>
-                </a:lnTo>
-                <a:lnTo>
-                  <a:pt x="17526" y="411226"/>
-                </a:lnTo>
-                <a:lnTo>
-                  <a:pt x="17526" y="411226"/>
-                </a:lnTo>
-                <a:close/>
-              </a:path>
-            </a:pathLst>
-          </a:custGeom>
-          <a:solidFill>
-            <a:srgbClr val="F3BB07"/>
-          </a:solidFill>
-          <a:ln w="12700">
-            <a:solidFill>
-              <a:srgbClr val="000000">
-                <a:alpha val="0"/>
-              </a:srgbClr>
-            </a:solidFill>
-          </a:ln>
-          <a:effectLst/>
-        </p:spPr>
-        <p:style>
-          <a:lnRef idx="2">
-            <a:schemeClr val="accent1"/>
-          </a:lnRef>
-          <a:fillRef idx="0">
-            <a:schemeClr val="accent1"/>
-          </a:fillRef>
-          <a:effectRef idx="1">
-            <a:schemeClr val="accent1"/>
-          </a:effectRef>
-          <a:fontRef idx="minor">
-            <a:schemeClr val="tx1"/>
-          </a:fontRef>
-        </p:style>
-        <p:txBody>
-          <a:bodyPr rtlCol="0" anchor="ctr"/>
-          <a:lstStyle/>
-          <a:p>
-            <a:pPr algn="ctr"/>
-            <a:endParaRPr lang="de-DE" dirty="0"/>
-          </a:p>
-        </p:txBody>
-      </p:sp>
-      <p:pic>
-        <p:nvPicPr>
-          <p:cNvPr id="2" name="Picture 2"/>
-          <p:cNvPicPr>
-            <a:picLocks noChangeAspect="1"/>
-          </p:cNvPicPr>
-          <p:nvPr/>
-        </p:nvPicPr>
-        <p:blipFill>
-          <a:blip r:embed="rId2"/>
-          <a:stretch>
-            <a:fillRect/>
-          </a:stretch>
-        </p:blipFill>
-        <p:spPr>
-          <a:xfrm>
-            <a:off x="6088380" y="200660"/>
-            <a:ext cx="1066800" cy="708660"/>
-          </a:xfrm>
-          <a:prstGeom prst="rect">
-            <a:avLst/>
-          </a:prstGeom>
-        </p:spPr>
-      </p:pic>
-      <p:pic>
-        <p:nvPicPr>
-          <p:cNvPr id="3" name="Picture 3"/>
-          <p:cNvPicPr>
-            <a:picLocks noChangeAspect="1"/>
-          </p:cNvPicPr>
-          <p:nvPr/>
-        </p:nvPicPr>
-        <p:blipFill>
-          <a:blip r:embed="rId3"/>
-          <a:stretch>
-            <a:fillRect/>
-          </a:stretch>
-        </p:blipFill>
-        <p:spPr>
-          <a:xfrm>
-            <a:off x="4937760" y="200660"/>
-            <a:ext cx="922019" cy="289560"/>
-          </a:xfrm>
-          <a:prstGeom prst="rect">
-            <a:avLst/>
-          </a:prstGeom>
-        </p:spPr>
-      </p:pic>
-      <p:sp>
-        <p:nvSpPr>
           <p:cNvPr id="14" name="Freeform 3"/>
           <p:cNvSpPr/>
           <p:nvPr/>
@@ -3349,6 +3169,324 @@
       </p:sp>
       <p:sp>
         <p:nvSpPr>
+          <p:cNvPr id="81" name="Freeform 0">
+            <a:extLst>
+              <a:ext uri="{FF2B5EF4-FFF2-40B4-BE49-F238E27FC236}">
+                <a16:creationId xmlns:a16="http://schemas.microsoft.com/office/drawing/2014/main" id="{A96BAFCF-0A0E-474E-BC16-4B66C87BA6B7}"/>
+              </a:ext>
+            </a:extLst>
+          </p:cNvPr>
+          <p:cNvSpPr/>
+          <p:nvPr/>
+        </p:nvSpPr>
+        <p:spPr>
+          <a:xfrm>
+            <a:off x="117347" y="7921450"/>
+            <a:ext cx="3508272" cy="2034621"/>
+          </a:xfrm>
+          <a:custGeom>
+            <a:avLst/>
+            <a:gdLst>
+              <a:gd name="connsiteX0" fmla="*/ 17526 w 4718050"/>
+              <a:gd name="connsiteY0" fmla="*/ 411226 h 2787650"/>
+              <a:gd name="connsiteX1" fmla="*/ 17526 w 4718050"/>
+              <a:gd name="connsiteY1" fmla="*/ 2605785 h 2787650"/>
+              <a:gd name="connsiteX2" fmla="*/ 1786889 w 4718050"/>
+              <a:gd name="connsiteY2" fmla="*/ 2797810 h 2787650"/>
+              <a:gd name="connsiteX3" fmla="*/ 3684270 w 4718050"/>
+              <a:gd name="connsiteY3" fmla="*/ 2715514 h 2787650"/>
+              <a:gd name="connsiteX4" fmla="*/ 4685538 w 4718050"/>
+              <a:gd name="connsiteY4" fmla="*/ 1862073 h 2787650"/>
+              <a:gd name="connsiteX5" fmla="*/ 4728210 w 4718050"/>
+              <a:gd name="connsiteY5" fmla="*/ 650494 h 2787650"/>
+              <a:gd name="connsiteX6" fmla="*/ 2391918 w 4718050"/>
+              <a:gd name="connsiteY6" fmla="*/ 16510 h 2787650"/>
+              <a:gd name="connsiteX7" fmla="*/ 17526 w 4718050"/>
+              <a:gd name="connsiteY7" fmla="*/ 411226 h 2787650"/>
+              <a:gd name="connsiteX8" fmla="*/ 17526 w 4718050"/>
+              <a:gd name="connsiteY8" fmla="*/ 411226 h 2787650"/>
+            </a:gdLst>
+            <a:ahLst/>
+            <a:cxnLst>
+              <a:cxn ang="0">
+                <a:pos x="connsiteX0" y="connsiteY0"/>
+              </a:cxn>
+              <a:cxn ang="0">
+                <a:pos x="connsiteX1" y="connsiteY1"/>
+              </a:cxn>
+              <a:cxn ang="0">
+                <a:pos x="connsiteX2" y="connsiteY2"/>
+              </a:cxn>
+              <a:cxn ang="0">
+                <a:pos x="connsiteX3" y="connsiteY3"/>
+              </a:cxn>
+              <a:cxn ang="0">
+                <a:pos x="connsiteX4" y="connsiteY4"/>
+              </a:cxn>
+              <a:cxn ang="0">
+                <a:pos x="connsiteX5" y="connsiteY5"/>
+              </a:cxn>
+              <a:cxn ang="0">
+                <a:pos x="connsiteX6" y="connsiteY6"/>
+              </a:cxn>
+              <a:cxn ang="0">
+                <a:pos x="connsiteX7" y="connsiteY7"/>
+              </a:cxn>
+              <a:cxn ang="0">
+                <a:pos x="connsiteX8" y="connsiteY8"/>
+              </a:cxn>
+            </a:cxnLst>
+            <a:rect l="l" t="t" r="r" b="b"/>
+            <a:pathLst>
+              <a:path w="4718050" h="2787650">
+                <a:moveTo>
+                  <a:pt x="17526" y="411226"/>
+                </a:moveTo>
+                <a:lnTo>
+                  <a:pt x="17526" y="2605785"/>
+                </a:lnTo>
+                <a:lnTo>
+                  <a:pt x="1786889" y="2797810"/>
+                </a:lnTo>
+                <a:lnTo>
+                  <a:pt x="3684270" y="2715514"/>
+                </a:lnTo>
+                <a:lnTo>
+                  <a:pt x="4685538" y="1862073"/>
+                </a:lnTo>
+                <a:lnTo>
+                  <a:pt x="4728210" y="650494"/>
+                </a:lnTo>
+                <a:lnTo>
+                  <a:pt x="2391918" y="16510"/>
+                </a:lnTo>
+                <a:lnTo>
+                  <a:pt x="17526" y="411226"/>
+                </a:lnTo>
+                <a:lnTo>
+                  <a:pt x="17526" y="411226"/>
+                </a:lnTo>
+                <a:close/>
+              </a:path>
+            </a:pathLst>
+          </a:custGeom>
+          <a:solidFill>
+            <a:srgbClr val="F3BB07"/>
+          </a:solidFill>
+          <a:ln w="12700">
+            <a:solidFill>
+              <a:srgbClr val="000000">
+                <a:alpha val="0"/>
+              </a:srgbClr>
+            </a:solidFill>
+          </a:ln>
+          <a:effectLst/>
+        </p:spPr>
+        <p:style>
+          <a:lnRef idx="2">
+            <a:schemeClr val="accent1"/>
+          </a:lnRef>
+          <a:fillRef idx="0">
+            <a:schemeClr val="accent1"/>
+          </a:fillRef>
+          <a:effectRef idx="1">
+            <a:schemeClr val="accent1"/>
+          </a:effectRef>
+          <a:fontRef idx="minor">
+            <a:schemeClr val="tx1"/>
+          </a:fontRef>
+        </p:style>
+        <p:txBody>
+          <a:bodyPr rtlCol="0" anchor="ctr"/>
+          <a:lstStyle/>
+          <a:p>
+            <a:pPr algn="ctr"/>
+            <a:endParaRPr lang="de-DE" dirty="0"/>
+          </a:p>
+        </p:txBody>
+      </p:sp>
+      <p:sp>
+        <p:nvSpPr>
+          <p:cNvPr id="12" name="Freeform 0"/>
+          <p:cNvSpPr/>
+          <p:nvPr/>
+        </p:nvSpPr>
+        <p:spPr>
+          <a:xfrm>
+            <a:off x="68595" y="1821157"/>
+            <a:ext cx="7184192" cy="2973363"/>
+          </a:xfrm>
+          <a:custGeom>
+            <a:avLst/>
+            <a:gdLst>
+              <a:gd name="connsiteX0" fmla="*/ 17526 w 4718050"/>
+              <a:gd name="connsiteY0" fmla="*/ 411226 h 2787650"/>
+              <a:gd name="connsiteX1" fmla="*/ 17526 w 4718050"/>
+              <a:gd name="connsiteY1" fmla="*/ 2605785 h 2787650"/>
+              <a:gd name="connsiteX2" fmla="*/ 1786889 w 4718050"/>
+              <a:gd name="connsiteY2" fmla="*/ 2797810 h 2787650"/>
+              <a:gd name="connsiteX3" fmla="*/ 3684270 w 4718050"/>
+              <a:gd name="connsiteY3" fmla="*/ 2715514 h 2787650"/>
+              <a:gd name="connsiteX4" fmla="*/ 4685538 w 4718050"/>
+              <a:gd name="connsiteY4" fmla="*/ 1862073 h 2787650"/>
+              <a:gd name="connsiteX5" fmla="*/ 4728210 w 4718050"/>
+              <a:gd name="connsiteY5" fmla="*/ 650494 h 2787650"/>
+              <a:gd name="connsiteX6" fmla="*/ 2391918 w 4718050"/>
+              <a:gd name="connsiteY6" fmla="*/ 16510 h 2787650"/>
+              <a:gd name="connsiteX7" fmla="*/ 17526 w 4718050"/>
+              <a:gd name="connsiteY7" fmla="*/ 411226 h 2787650"/>
+              <a:gd name="connsiteX8" fmla="*/ 17526 w 4718050"/>
+              <a:gd name="connsiteY8" fmla="*/ 411226 h 2787650"/>
+            </a:gdLst>
+            <a:ahLst/>
+            <a:cxnLst>
+              <a:cxn ang="0">
+                <a:pos x="connsiteX0" y="connsiteY0"/>
+              </a:cxn>
+              <a:cxn ang="0">
+                <a:pos x="connsiteX1" y="connsiteY1"/>
+              </a:cxn>
+              <a:cxn ang="0">
+                <a:pos x="connsiteX2" y="connsiteY2"/>
+              </a:cxn>
+              <a:cxn ang="0">
+                <a:pos x="connsiteX3" y="connsiteY3"/>
+              </a:cxn>
+              <a:cxn ang="0">
+                <a:pos x="connsiteX4" y="connsiteY4"/>
+              </a:cxn>
+              <a:cxn ang="0">
+                <a:pos x="connsiteX5" y="connsiteY5"/>
+              </a:cxn>
+              <a:cxn ang="0">
+                <a:pos x="connsiteX6" y="connsiteY6"/>
+              </a:cxn>
+              <a:cxn ang="0">
+                <a:pos x="connsiteX7" y="connsiteY7"/>
+              </a:cxn>
+              <a:cxn ang="0">
+                <a:pos x="connsiteX8" y="connsiteY8"/>
+              </a:cxn>
+            </a:cxnLst>
+            <a:rect l="l" t="t" r="r" b="b"/>
+            <a:pathLst>
+              <a:path w="4718050" h="2787650">
+                <a:moveTo>
+                  <a:pt x="17526" y="411226"/>
+                </a:moveTo>
+                <a:lnTo>
+                  <a:pt x="17526" y="2605785"/>
+                </a:lnTo>
+                <a:lnTo>
+                  <a:pt x="1786889" y="2797810"/>
+                </a:lnTo>
+                <a:lnTo>
+                  <a:pt x="3684270" y="2715514"/>
+                </a:lnTo>
+                <a:lnTo>
+                  <a:pt x="4685538" y="1862073"/>
+                </a:lnTo>
+                <a:lnTo>
+                  <a:pt x="4728210" y="650494"/>
+                </a:lnTo>
+                <a:lnTo>
+                  <a:pt x="2391918" y="16510"/>
+                </a:lnTo>
+                <a:lnTo>
+                  <a:pt x="17526" y="411226"/>
+                </a:lnTo>
+                <a:lnTo>
+                  <a:pt x="17526" y="411226"/>
+                </a:lnTo>
+                <a:close/>
+              </a:path>
+            </a:pathLst>
+          </a:custGeom>
+          <a:solidFill>
+            <a:srgbClr val="F3BB07"/>
+          </a:solidFill>
+          <a:ln w="12700">
+            <a:solidFill>
+              <a:srgbClr val="000000">
+                <a:alpha val="0"/>
+              </a:srgbClr>
+            </a:solidFill>
+          </a:ln>
+          <a:effectLst/>
+        </p:spPr>
+        <p:style>
+          <a:lnRef idx="2">
+            <a:schemeClr val="accent1"/>
+          </a:lnRef>
+          <a:fillRef idx="0">
+            <a:schemeClr val="accent1"/>
+          </a:fillRef>
+          <a:effectRef idx="1">
+            <a:schemeClr val="accent1"/>
+          </a:effectRef>
+          <a:fontRef idx="minor">
+            <a:schemeClr val="tx1"/>
+          </a:fontRef>
+        </p:style>
+        <p:txBody>
+          <a:bodyPr rtlCol="0" anchor="ctr"/>
+          <a:lstStyle/>
+          <a:p>
+            <a:pPr algn="ctr"/>
+            <a:endParaRPr lang="de-DE" dirty="0"/>
+          </a:p>
+        </p:txBody>
+      </p:sp>
+      <p:pic>
+        <p:nvPicPr>
+          <p:cNvPr id="2" name="Picture 2"/>
+          <p:cNvPicPr>
+            <a:picLocks noChangeAspect="1"/>
+          </p:cNvPicPr>
+          <p:nvPr/>
+        </p:nvPicPr>
+        <p:blipFill>
+          <a:blip r:embed="rId2"/>
+          <a:stretch>
+            <a:fillRect/>
+          </a:stretch>
+        </p:blipFill>
+        <p:spPr>
+          <a:xfrm>
+            <a:off x="6088380" y="200660"/>
+            <a:ext cx="1066800" cy="708660"/>
+          </a:xfrm>
+          <a:prstGeom prst="rect">
+            <a:avLst/>
+          </a:prstGeom>
+        </p:spPr>
+      </p:pic>
+      <p:pic>
+        <p:nvPicPr>
+          <p:cNvPr id="3" name="Picture 3"/>
+          <p:cNvPicPr>
+            <a:picLocks noChangeAspect="1"/>
+          </p:cNvPicPr>
+          <p:nvPr/>
+        </p:nvPicPr>
+        <p:blipFill>
+          <a:blip r:embed="rId3"/>
+          <a:stretch>
+            <a:fillRect/>
+          </a:stretch>
+        </p:blipFill>
+        <p:spPr>
+          <a:xfrm>
+            <a:off x="4937760" y="200660"/>
+            <a:ext cx="922019" cy="289560"/>
+          </a:xfrm>
+          <a:prstGeom prst="rect">
+            <a:avLst/>
+          </a:prstGeom>
+        </p:spPr>
+      </p:pic>
+      <p:sp>
+        <p:nvSpPr>
           <p:cNvPr id="4" name="Freeform 4"/>
           <p:cNvSpPr/>
           <p:nvPr/>
@@ -3569,7 +3707,7 @@
                 <a:ea typeface="Times New Roman"/>
                 <a:cs typeface="Arial" panose="020B0604020202020204" pitchFamily="34" charset="0"/>
               </a:rPr>
-              <a:t>Modelica</a:t>
+              <a:t>Modelica-</a:t>
             </a:r>
             <a:r>
               <a:rPr lang="en-US" altLang="zh-CN" sz="2350" b="1" dirty="0">
@@ -3645,7 +3783,7 @@
               <a:t> </a:t>
             </a:r>
             <a:r>
-              <a:rPr lang="de-DE" altLang="zh-CN" sz="2350" b="1" spc="160" dirty="0">
+              <a:rPr lang="de-DE" altLang="zh-CN" sz="2350" b="1" spc="160">
                 <a:solidFill>
                   <a:srgbClr val="1E1919"/>
                 </a:solidFill>
@@ -3653,8 +3791,16 @@
                 <a:ea typeface="Times New Roman"/>
                 <a:cs typeface="Arial" panose="020B0604020202020204" pitchFamily="34" charset="0"/>
               </a:rPr>
-              <a:t>Flaschenzugs</a:t>
-            </a:r>
+              <a:t>Flaschenzug</a:t>
+            </a:r>
+            <a:endParaRPr lang="de-DE" altLang="zh-CN" sz="2350" b="1" spc="160" dirty="0">
+              <a:solidFill>
+                <a:srgbClr val="1E1919"/>
+              </a:solidFill>
+              <a:latin typeface="Arial" panose="020B0604020202020204" pitchFamily="34" charset="0"/>
+              <a:ea typeface="Times New Roman"/>
+              <a:cs typeface="Arial" panose="020B0604020202020204" pitchFamily="34" charset="0"/>
+            </a:endParaRPr>
           </a:p>
         </p:txBody>
       </p:sp>
@@ -3672,8 +3818,8 @@
         </p:nvSpPr>
         <p:spPr>
           <a:xfrm>
-            <a:off x="57150" y="8036898"/>
-            <a:ext cx="2750789" cy="484748"/>
+            <a:off x="185595" y="8213362"/>
+            <a:ext cx="1531589" cy="877163"/>
           </a:xfrm>
           <a:prstGeom prst="rect">
             <a:avLst/>
@@ -3687,7 +3833,7 @@
           <a:lstStyle/>
           <a:p>
             <a:r>
-              <a:rPr lang="de-DE" altLang="zh-CN" sz="850" b="1" spc="90" dirty="0">
+              <a:rPr lang="de-DE" altLang="zh-CN" sz="850" b="1" spc="85" dirty="0">
                 <a:solidFill>
                   <a:srgbClr val="0E0D0B"/>
                 </a:solidFill>
@@ -3695,166 +3841,83 @@
                 <a:ea typeface="Times New Roman"/>
                 <a:cs typeface="Arial" panose="020B0604020202020204" pitchFamily="34" charset="0"/>
               </a:rPr>
-              <a:t>Sim</a:t>
-            </a:r>
-            <a:r>
-              <a:rPr lang="de-DE" altLang="zh-CN" sz="850" b="1" spc="85" dirty="0">
+              <a:t>Versuch 1</a:t>
+            </a:r>
+          </a:p>
+          <a:p>
+            <a:pPr marL="171450" indent="-171450">
+              <a:buFont typeface="Arial" panose="020B0604020202020204" pitchFamily="34" charset="0"/>
+              <a:buChar char="•"/>
+            </a:pPr>
+            <a:r>
+              <a:rPr lang="de-DE" altLang="zh-CN" sz="850" spc="50" dirty="0">
                 <a:solidFill>
                   <a:srgbClr val="0E0D0B"/>
                 </a:solidFill>
                 <a:latin typeface="Arial" panose="020B0604020202020204" pitchFamily="34" charset="0"/>
+                <a:cs typeface="Arial" panose="020B0604020202020204" pitchFamily="34" charset="0"/>
+              </a:rPr>
+              <a:t>Kraft</a:t>
+            </a:r>
+            <a:r>
+              <a:rPr lang="de-DE" altLang="zh-CN" sz="850" spc="50" dirty="0">
+                <a:solidFill>
+                  <a:srgbClr val="0E0D0B"/>
+                </a:solidFill>
+                <a:latin typeface="Arial" panose="020B0604020202020204" pitchFamily="34" charset="0"/>
                 <a:ea typeface="Times New Roman"/>
                 <a:cs typeface="Arial" panose="020B0604020202020204" pitchFamily="34" charset="0"/>
               </a:rPr>
-              <a:t>ulationsergebnisse</a:t>
-            </a:r>
-          </a:p>
-          <a:p>
-            <a:pPr indent="155429"/>
-            <a:r>
-              <a:rPr lang="de-DE" altLang="zh-CN" sz="850" spc="34" dirty="0">
+              <a:t>-Weg-Diagramm</a:t>
+            </a:r>
+            <a:r>
+              <a:rPr lang="de-DE" altLang="zh-CN" sz="850" spc="30" dirty="0">
                 <a:solidFill>
                   <a:srgbClr val="0E0D0B"/>
                 </a:solidFill>
                 <a:latin typeface="Arial" panose="020B0604020202020204" pitchFamily="34" charset="0"/>
+                <a:cs typeface="Arial" panose="020B0604020202020204" pitchFamily="34" charset="0"/>
+              </a:rPr>
+              <a:t> </a:t>
+            </a:r>
+            <a:r>
+              <a:rPr lang="de-DE" altLang="zh-CN" sz="850" spc="60" dirty="0">
+                <a:solidFill>
+                  <a:srgbClr val="0E0D0B"/>
+                </a:solidFill>
+                <a:latin typeface="Arial" panose="020B0604020202020204" pitchFamily="34" charset="0"/>
                 <a:ea typeface="Times New Roman"/>
                 <a:cs typeface="Arial" panose="020B0604020202020204" pitchFamily="34" charset="0"/>
               </a:rPr>
-              <a:t>•</a:t>
-            </a:r>
+              <a:t>der </a:t>
+            </a:r>
+            <a:r>
+              <a:rPr lang="de-DE" altLang="zh-CN" sz="850" spc="55" dirty="0">
+                <a:solidFill>
+                  <a:srgbClr val="0E0D0B"/>
+                </a:solidFill>
+                <a:latin typeface="Arial" panose="020B0604020202020204" pitchFamily="34" charset="0"/>
+                <a:ea typeface="Times New Roman"/>
+                <a:cs typeface="Arial" panose="020B0604020202020204" pitchFamily="34" charset="0"/>
+              </a:rPr>
+              <a:t>Masse (m=5kg) bei n-Rollen</a:t>
+            </a:r>
+          </a:p>
+          <a:p>
+            <a:pPr marL="171450" indent="-171450">
+              <a:buFont typeface="Arial" panose="020B0604020202020204" pitchFamily="34" charset="0"/>
+              <a:buChar char="•"/>
+            </a:pPr>
             <a:r>
               <a:rPr lang="de-DE" altLang="zh-CN" sz="850" spc="25" dirty="0">
                 <a:solidFill>
                   <a:srgbClr val="0E0D0B"/>
                 </a:solidFill>
                 <a:latin typeface="Arial" panose="020B0604020202020204" pitchFamily="34" charset="0"/>
-                <a:cs typeface="Arial" panose="020B0604020202020204" pitchFamily="34" charset="0"/>
-              </a:rPr>
-              <a:t>   </a:t>
-            </a:r>
-            <a:r>
-              <a:rPr lang="de-DE" altLang="zh-CN" sz="850" spc="50" dirty="0">
-                <a:solidFill>
-                  <a:srgbClr val="0E0D0B"/>
-                </a:solidFill>
-                <a:latin typeface="Arial" panose="020B0604020202020204" pitchFamily="34" charset="0"/>
                 <a:ea typeface="Times New Roman"/>
                 <a:cs typeface="Arial" panose="020B0604020202020204" pitchFamily="34" charset="0"/>
               </a:rPr>
-              <a:t>Zeit-Weg-Diagramm</a:t>
-            </a:r>
-            <a:r>
-              <a:rPr lang="de-DE" altLang="zh-CN" sz="850" spc="30" dirty="0">
-                <a:solidFill>
-                  <a:srgbClr val="0E0D0B"/>
-                </a:solidFill>
-                <a:latin typeface="Arial" panose="020B0604020202020204" pitchFamily="34" charset="0"/>
-                <a:cs typeface="Arial" panose="020B0604020202020204" pitchFamily="34" charset="0"/>
-              </a:rPr>
-              <a:t> </a:t>
-            </a:r>
-            <a:r>
-              <a:rPr lang="de-DE" altLang="zh-CN" sz="850" spc="60" dirty="0">
-                <a:solidFill>
-                  <a:srgbClr val="0E0D0B"/>
-                </a:solidFill>
-                <a:latin typeface="Arial" panose="020B0604020202020204" pitchFamily="34" charset="0"/>
-                <a:ea typeface="Times New Roman"/>
-                <a:cs typeface="Arial" panose="020B0604020202020204" pitchFamily="34" charset="0"/>
-              </a:rPr>
-              <a:t>der</a:t>
-            </a:r>
-            <a:r>
-              <a:rPr lang="de-DE" altLang="zh-CN" sz="850" spc="25" dirty="0">
-                <a:solidFill>
-                  <a:srgbClr val="0E0D0B"/>
-                </a:solidFill>
-                <a:latin typeface="Arial" panose="020B0604020202020204" pitchFamily="34" charset="0"/>
-                <a:cs typeface="Arial" panose="020B0604020202020204" pitchFamily="34" charset="0"/>
-              </a:rPr>
-              <a:t> </a:t>
-            </a:r>
-            <a:r>
-              <a:rPr lang="de-DE" altLang="zh-CN" sz="850" spc="55" dirty="0">
-                <a:solidFill>
-                  <a:srgbClr val="0E0D0B"/>
-                </a:solidFill>
-                <a:latin typeface="Arial" panose="020B0604020202020204" pitchFamily="34" charset="0"/>
-                <a:ea typeface="Times New Roman"/>
-                <a:cs typeface="Arial" panose="020B0604020202020204" pitchFamily="34" charset="0"/>
-              </a:rPr>
-              <a:t>Masse</a:t>
-            </a:r>
-          </a:p>
-          <a:p>
-            <a:pPr indent="155429">
-              <a:tabLst>
-                <a:tab pos="311241" algn="l"/>
-              </a:tabLst>
-            </a:pPr>
-            <a:r>
-              <a:rPr lang="de-DE" altLang="zh-CN" sz="850" dirty="0">
-                <a:solidFill>
-                  <a:srgbClr val="0E0D0B"/>
-                </a:solidFill>
-                <a:latin typeface="Arial" panose="020B0604020202020204" pitchFamily="34" charset="0"/>
-                <a:ea typeface="Times New Roman"/>
-                <a:cs typeface="Arial" panose="020B0604020202020204" pitchFamily="34" charset="0"/>
-              </a:rPr>
-              <a:t>•	</a:t>
-            </a:r>
-            <a:r>
-              <a:rPr lang="de-DE" altLang="zh-CN" sz="850" spc="25" dirty="0">
-                <a:solidFill>
-                  <a:srgbClr val="0E0D0B"/>
-                </a:solidFill>
-                <a:latin typeface="Arial" panose="020B0604020202020204" pitchFamily="34" charset="0"/>
-                <a:ea typeface="Times New Roman"/>
-                <a:cs typeface="Arial" panose="020B0604020202020204" pitchFamily="34" charset="0"/>
-              </a:rPr>
-              <a:t>Kennlinie</a:t>
-            </a:r>
-            <a:r>
-              <a:rPr lang="de-DE" altLang="zh-CN" sz="850" spc="30" dirty="0">
-                <a:solidFill>
-                  <a:srgbClr val="0E0D0B"/>
-                </a:solidFill>
-                <a:latin typeface="Arial" panose="020B0604020202020204" pitchFamily="34" charset="0"/>
-                <a:cs typeface="Arial" panose="020B0604020202020204" pitchFamily="34" charset="0"/>
-              </a:rPr>
-              <a:t> </a:t>
-            </a:r>
-            <a:r>
-              <a:rPr lang="de-DE" altLang="zh-CN" sz="850" spc="40" dirty="0">
-                <a:solidFill>
-                  <a:srgbClr val="0E0D0B"/>
-                </a:solidFill>
-                <a:latin typeface="Arial" panose="020B0604020202020204" pitchFamily="34" charset="0"/>
-                <a:ea typeface="Times New Roman"/>
-                <a:cs typeface="Arial" panose="020B0604020202020204" pitchFamily="34" charset="0"/>
-              </a:rPr>
-              <a:t>des</a:t>
-            </a:r>
-            <a:r>
-              <a:rPr lang="de-DE" altLang="zh-CN" sz="850" spc="30" dirty="0">
-                <a:solidFill>
-                  <a:srgbClr val="0E0D0B"/>
-                </a:solidFill>
-                <a:latin typeface="Arial" panose="020B0604020202020204" pitchFamily="34" charset="0"/>
-                <a:cs typeface="Arial" panose="020B0604020202020204" pitchFamily="34" charset="0"/>
-              </a:rPr>
-              <a:t> </a:t>
-            </a:r>
-            <a:r>
-              <a:rPr lang="de-DE" altLang="zh-CN" sz="850" spc="30" dirty="0">
-                <a:solidFill>
-                  <a:srgbClr val="0E0D0B"/>
-                </a:solidFill>
-                <a:latin typeface="Arial" panose="020B0604020202020204" pitchFamily="34" charset="0"/>
-                <a:ea typeface="Times New Roman"/>
-                <a:cs typeface="Arial" panose="020B0604020202020204" pitchFamily="34" charset="0"/>
-              </a:rPr>
-              <a:t>E-Motor</a:t>
+              <a:t>Kraft-Weg-Diagramm an Seilwinde</a:t>
             </a:r>
           </a:p>
         </p:txBody>
@@ -3873,8 +3936,8 @@
         </p:nvSpPr>
         <p:spPr>
           <a:xfrm>
-            <a:off x="139700" y="8661149"/>
-            <a:ext cx="1881357" cy="615553"/>
+            <a:off x="2435087" y="6515383"/>
+            <a:ext cx="1496218" cy="615553"/>
           </a:xfrm>
           <a:prstGeom prst="rect">
             <a:avLst/>
@@ -3900,7 +3963,6 @@
             </a:r>
           </a:p>
           <a:p>
-            <a:pPr lvl="1"/>
             <a:r>
               <a:rPr lang="de-DE" altLang="zh-CN" sz="850" spc="25" dirty="0">
                 <a:solidFill>
@@ -3914,7 +3976,6 @@
             </a:r>
           </a:p>
           <a:p>
-            <a:pPr lvl="1"/>
             <a:r>
               <a:rPr lang="de-DE" altLang="zh-CN" sz="850" spc="25" dirty="0">
                 <a:solidFill>
@@ -3928,7 +3989,6 @@
             </a:r>
           </a:p>
           <a:p>
-            <a:pPr lvl="1"/>
             <a:r>
               <a:rPr lang="de-DE" altLang="zh-CN" sz="850" spc="25" dirty="0">
                 <a:solidFill>
@@ -3939,159 +3999,6 @@
                 <a:cs typeface="Arial" panose="020B0604020202020204" pitchFamily="34" charset="0"/>
               </a:rPr>
               <a:t>• Richtung des Seilzugs</a:t>
-            </a:r>
-          </a:p>
-        </p:txBody>
-      </p:sp>
-      <p:sp>
-        <p:nvSpPr>
-          <p:cNvPr id="21" name="Textfeld 20">
-            <a:extLst>
-              <a:ext uri="{FF2B5EF4-FFF2-40B4-BE49-F238E27FC236}">
-                <a16:creationId xmlns:a16="http://schemas.microsoft.com/office/drawing/2014/main" id="{3D83D9DA-E014-44A2-B76A-638EEE87C44B}"/>
-              </a:ext>
-            </a:extLst>
-          </p:cNvPr>
-          <p:cNvSpPr txBox="1"/>
-          <p:nvPr/>
-        </p:nvSpPr>
-        <p:spPr>
-          <a:xfrm>
-            <a:off x="68595" y="6723833"/>
-            <a:ext cx="1388533" cy="615553"/>
-          </a:xfrm>
-          <a:prstGeom prst="rect">
-            <a:avLst/>
-          </a:prstGeom>
-          <a:noFill/>
-        </p:spPr>
-        <p:txBody>
-          <a:bodyPr wrap="square" rtlCol="0">
-            <a:spAutoFit/>
-          </a:bodyPr>
-          <a:lstStyle/>
-          <a:p>
-            <a:pPr indent="21323"/>
-            <a:r>
-              <a:rPr lang="de-DE" altLang="zh-CN" sz="850" b="1" spc="90" dirty="0">
-                <a:solidFill>
-                  <a:srgbClr val="0E0D0B"/>
-                </a:solidFill>
-                <a:latin typeface="Arial" panose="020B0604020202020204" pitchFamily="34" charset="0"/>
-                <a:ea typeface="Times New Roman"/>
-                <a:cs typeface="Arial" panose="020B0604020202020204" pitchFamily="34" charset="0"/>
-              </a:rPr>
-              <a:t>Fl</a:t>
-            </a:r>
-            <a:r>
-              <a:rPr lang="de-DE" altLang="zh-CN" sz="850" b="1" spc="85" dirty="0">
-                <a:solidFill>
-                  <a:srgbClr val="0E0D0B"/>
-                </a:solidFill>
-                <a:latin typeface="Arial" panose="020B0604020202020204" pitchFamily="34" charset="0"/>
-                <a:ea typeface="Times New Roman"/>
-                <a:cs typeface="Arial" panose="020B0604020202020204" pitchFamily="34" charset="0"/>
-              </a:rPr>
-              <a:t>aschenzug:</a:t>
-            </a:r>
-          </a:p>
-          <a:p>
-            <a:pPr indent="176753">
-              <a:tabLst>
-                <a:tab pos="332565" algn="l"/>
-              </a:tabLst>
-            </a:pPr>
-            <a:r>
-              <a:rPr lang="de-DE" altLang="zh-CN" sz="850" dirty="0">
-                <a:solidFill>
-                  <a:srgbClr val="0E0D0B"/>
-                </a:solidFill>
-                <a:latin typeface="Arial" panose="020B0604020202020204" pitchFamily="34" charset="0"/>
-                <a:ea typeface="Times New Roman"/>
-                <a:cs typeface="Arial" panose="020B0604020202020204" pitchFamily="34" charset="0"/>
-              </a:rPr>
-              <a:t>•	</a:t>
-            </a:r>
-            <a:r>
-              <a:rPr lang="de-DE" altLang="zh-CN" sz="850" spc="25" dirty="0">
-                <a:solidFill>
-                  <a:srgbClr val="0E0D0B"/>
-                </a:solidFill>
-                <a:latin typeface="Arial" panose="020B0604020202020204" pitchFamily="34" charset="0"/>
-                <a:ea typeface="Times New Roman"/>
-                <a:cs typeface="Arial" panose="020B0604020202020204" pitchFamily="34" charset="0"/>
-              </a:rPr>
-              <a:t>Aufbau</a:t>
-            </a:r>
-          </a:p>
-          <a:p>
-            <a:pPr indent="176753"/>
-            <a:r>
-              <a:rPr lang="de-DE" altLang="zh-CN" sz="850" spc="40" dirty="0">
-                <a:solidFill>
-                  <a:srgbClr val="0E0D0B"/>
-                </a:solidFill>
-                <a:latin typeface="Arial" panose="020B0604020202020204" pitchFamily="34" charset="0"/>
-                <a:ea typeface="Times New Roman"/>
-                <a:cs typeface="Arial" panose="020B0604020202020204" pitchFamily="34" charset="0"/>
-              </a:rPr>
-              <a:t>•</a:t>
-            </a:r>
-            <a:r>
-              <a:rPr lang="de-DE" altLang="zh-CN" sz="850" spc="44" dirty="0">
-                <a:solidFill>
-                  <a:srgbClr val="0E0D0B"/>
-                </a:solidFill>
-                <a:latin typeface="Arial" panose="020B0604020202020204" pitchFamily="34" charset="0"/>
-                <a:cs typeface="Arial" panose="020B0604020202020204" pitchFamily="34" charset="0"/>
-              </a:rPr>
-              <a:t>   </a:t>
-            </a:r>
-            <a:r>
-              <a:rPr lang="de-DE" altLang="zh-CN" sz="850" spc="50" dirty="0">
-                <a:solidFill>
-                  <a:srgbClr val="0E0D0B"/>
-                </a:solidFill>
-                <a:latin typeface="Arial" panose="020B0604020202020204" pitchFamily="34" charset="0"/>
-                <a:ea typeface="Times New Roman"/>
-                <a:cs typeface="Arial" panose="020B0604020202020204" pitchFamily="34" charset="0"/>
-              </a:rPr>
-              <a:t>Funktionsweise</a:t>
-            </a:r>
-          </a:p>
-          <a:p>
-            <a:pPr indent="176753"/>
-            <a:r>
-              <a:rPr lang="de-DE" altLang="zh-CN" sz="850" spc="44" dirty="0">
-                <a:solidFill>
-                  <a:srgbClr val="0E0D0B"/>
-                </a:solidFill>
-                <a:latin typeface="Arial" panose="020B0604020202020204" pitchFamily="34" charset="0"/>
-                <a:ea typeface="Times New Roman"/>
-                <a:cs typeface="Arial" panose="020B0604020202020204" pitchFamily="34" charset="0"/>
-              </a:rPr>
-              <a:t>•</a:t>
-            </a:r>
-            <a:r>
-              <a:rPr lang="de-DE" altLang="zh-CN" sz="850" spc="40" dirty="0">
-                <a:solidFill>
-                  <a:srgbClr val="0E0D0B"/>
-                </a:solidFill>
-                <a:latin typeface="Arial" panose="020B0604020202020204" pitchFamily="34" charset="0"/>
-                <a:cs typeface="Arial" panose="020B0604020202020204" pitchFamily="34" charset="0"/>
-              </a:rPr>
-              <a:t>   </a:t>
-            </a:r>
-            <a:r>
-              <a:rPr lang="de-DE" altLang="zh-CN" sz="850" spc="55" dirty="0">
-                <a:solidFill>
-                  <a:srgbClr val="0E0D0B"/>
-                </a:solidFill>
-                <a:latin typeface="Arial" panose="020B0604020202020204" pitchFamily="34" charset="0"/>
-                <a:ea typeface="Times New Roman"/>
-                <a:cs typeface="Arial" panose="020B0604020202020204" pitchFamily="34" charset="0"/>
-              </a:rPr>
-              <a:t>Bestandteile</a:t>
             </a:r>
           </a:p>
         </p:txBody>
@@ -4110,8 +4017,8 @@
         </p:nvSpPr>
         <p:spPr>
           <a:xfrm>
-            <a:off x="57149" y="9499509"/>
-            <a:ext cx="7435851" cy="1118709"/>
+            <a:off x="57149" y="9888113"/>
+            <a:ext cx="7435851" cy="730104"/>
           </a:xfrm>
           <a:custGeom>
             <a:avLst/>
@@ -4223,7 +4130,7 @@
         </p:nvSpPr>
         <p:spPr>
           <a:xfrm>
-            <a:off x="195611" y="10058863"/>
+            <a:off x="3874859" y="9995258"/>
             <a:ext cx="2011491" cy="484107"/>
           </a:xfrm>
           <a:prstGeom prst="rect">
@@ -4391,7 +4298,7 @@
         </p:nvSpPr>
         <p:spPr>
           <a:xfrm>
-            <a:off x="6436428" y="9649575"/>
+            <a:off x="6420511" y="9861825"/>
             <a:ext cx="1043329" cy="750975"/>
           </a:xfrm>
           <a:prstGeom prst="rect">
@@ -4504,65 +4411,6 @@
           </a:p>
         </p:txBody>
       </p:sp>
-      <p:pic>
-        <p:nvPicPr>
-          <p:cNvPr id="26" name="Grafik 25">
-            <a:extLst>
-              <a:ext uri="{FF2B5EF4-FFF2-40B4-BE49-F238E27FC236}">
-                <a16:creationId xmlns:a16="http://schemas.microsoft.com/office/drawing/2014/main" id="{4912C077-2BF4-480B-8568-798E50A61537}"/>
-              </a:ext>
-            </a:extLst>
-          </p:cNvPr>
-          <p:cNvPicPr>
-            <a:picLocks/>
-          </p:cNvPicPr>
-          <p:nvPr/>
-        </p:nvPicPr>
-        <p:blipFill rotWithShape="1">
-          <a:blip r:embed="rId4"/>
-          <a:srcRect t="63728" r="81042" b="4468"/>
-          <a:stretch/>
-        </p:blipFill>
-        <p:spPr>
-          <a:xfrm>
-            <a:off x="3126742" y="5451067"/>
-            <a:ext cx="540000" cy="540000"/>
-          </a:xfrm>
-          <a:prstGeom prst="rect">
-            <a:avLst/>
-          </a:prstGeom>
-        </p:spPr>
-      </p:pic>
-      <p:pic>
-        <p:nvPicPr>
-          <p:cNvPr id="27" name="Grafik 26">
-            <a:extLst>
-              <a:ext uri="{FF2B5EF4-FFF2-40B4-BE49-F238E27FC236}">
-                <a16:creationId xmlns:a16="http://schemas.microsoft.com/office/drawing/2014/main" id="{1BEDA721-6EAC-4CF1-9E24-73CAB306F946}"/>
-              </a:ext>
-            </a:extLst>
-          </p:cNvPr>
-          <p:cNvPicPr>
-            <a:picLocks noChangeAspect="1"/>
-          </p:cNvPicPr>
-          <p:nvPr/>
-        </p:nvPicPr>
-        <p:blipFill>
-          <a:blip r:embed="rId5"/>
-          <a:stretch>
-            <a:fillRect/>
-          </a:stretch>
-        </p:blipFill>
-        <p:spPr>
-          <a:xfrm>
-            <a:off x="3930778" y="7811078"/>
-            <a:ext cx="3111064" cy="1568016"/>
-          </a:xfrm>
-          <a:prstGeom prst="rect">
-            <a:avLst/>
-          </a:prstGeom>
-        </p:spPr>
-      </p:pic>
       <p:sp>
         <p:nvSpPr>
           <p:cNvPr id="20" name="Textfeld 19">
@@ -4577,8 +4425,8 @@
         </p:nvSpPr>
         <p:spPr>
           <a:xfrm>
-            <a:off x="4847516" y="6454664"/>
-            <a:ext cx="2620195" cy="746358"/>
+            <a:off x="5528728" y="6519451"/>
+            <a:ext cx="1868316" cy="1331134"/>
           </a:xfrm>
           <a:prstGeom prst="rect">
             <a:avLst/>
@@ -4617,110 +4465,11 @@
                 <a:ea typeface="Times New Roman"/>
                 <a:cs typeface="Arial" panose="020B0604020202020204" pitchFamily="34" charset="0"/>
               </a:rPr>
-              <a:t>„Connectoren“ repräsentieren physikalische Verbindungen</a:t>
-            </a:r>
-          </a:p>
-          <a:p>
-            <a:pPr marL="171450" indent="-171450">
-              <a:buFont typeface="Arial" panose="020B0604020202020204" pitchFamily="34" charset="0"/>
-              <a:buChar char="•"/>
-            </a:pPr>
-            <a:r>
-              <a:rPr lang="de-DE" altLang="zh-CN" sz="850" spc="25" dirty="0">
-                <a:solidFill>
-                  <a:srgbClr val="0E0D0B"/>
-                </a:solidFill>
-                <a:latin typeface="Arial" panose="020B0604020202020204" pitchFamily="34" charset="0"/>
-                <a:ea typeface="Times New Roman"/>
-                <a:cs typeface="Arial" panose="020B0604020202020204" pitchFamily="34" charset="0"/>
-              </a:rPr>
-              <a:t>Kraft-Weg</a:t>
-            </a:r>
-          </a:p>
-          <a:p>
-            <a:pPr marL="171450" indent="-171450">
-              <a:buFont typeface="Arial" panose="020B0604020202020204" pitchFamily="34" charset="0"/>
-              <a:buChar char="•"/>
-            </a:pPr>
-            <a:r>
-              <a:rPr lang="de-DE" altLang="zh-CN" sz="850" spc="25" dirty="0">
-                <a:solidFill>
-                  <a:srgbClr val="0E0D0B"/>
-                </a:solidFill>
-                <a:latin typeface="Arial" panose="020B0604020202020204" pitchFamily="34" charset="0"/>
-                <a:ea typeface="Times New Roman"/>
-                <a:cs typeface="Arial" panose="020B0604020202020204" pitchFamily="34" charset="0"/>
-              </a:rPr>
-              <a:t>Spannung-Strom</a:t>
-            </a:r>
-          </a:p>
-        </p:txBody>
-      </p:sp>
-      <p:sp>
-        <p:nvSpPr>
-          <p:cNvPr id="29" name="Textfeld 28">
-            <a:extLst>
-              <a:ext uri="{FF2B5EF4-FFF2-40B4-BE49-F238E27FC236}">
-                <a16:creationId xmlns:a16="http://schemas.microsoft.com/office/drawing/2014/main" id="{D30322F2-3AC7-4DE5-877A-AEFE361C1658}"/>
-              </a:ext>
-            </a:extLst>
-          </p:cNvPr>
-          <p:cNvSpPr txBox="1"/>
-          <p:nvPr/>
-        </p:nvSpPr>
-        <p:spPr>
-          <a:xfrm>
-            <a:off x="4833957" y="7173366"/>
-            <a:ext cx="1797501" cy="484748"/>
-          </a:xfrm>
-          <a:prstGeom prst="rect">
-            <a:avLst/>
-          </a:prstGeom>
-          <a:noFill/>
-        </p:spPr>
-        <p:txBody>
-          <a:bodyPr wrap="square" rtlCol="0">
-            <a:spAutoFit/>
-          </a:bodyPr>
-          <a:lstStyle/>
-          <a:p>
-            <a:r>
-              <a:rPr lang="de-DE" altLang="zh-CN" sz="850" b="1" spc="30" dirty="0">
-                <a:solidFill>
-                  <a:srgbClr val="0E0D0B"/>
-                </a:solidFill>
-                <a:latin typeface="Arial" panose="020B0604020202020204" pitchFamily="34" charset="0"/>
-                <a:ea typeface="Times New Roman"/>
-                <a:cs typeface="Arial" panose="020B0604020202020204" pitchFamily="34" charset="0"/>
-              </a:rPr>
-              <a:t>Physikalische Wirkungskette</a:t>
-            </a:r>
-          </a:p>
-          <a:p>
-            <a:r>
-              <a:rPr lang="de-DE" altLang="zh-CN" sz="850" spc="30" dirty="0">
-                <a:solidFill>
-                  <a:srgbClr val="0E0D0B"/>
-                </a:solidFill>
-                <a:latin typeface="Arial" panose="020B0604020202020204" pitchFamily="34" charset="0"/>
-                <a:ea typeface="Times New Roman"/>
-                <a:cs typeface="Arial" panose="020B0604020202020204" pitchFamily="34" charset="0"/>
-              </a:rPr>
-              <a:t>•   Spannungsquelle </a:t>
-            </a:r>
-            <a:r>
-              <a:rPr lang="de-DE" altLang="zh-CN" sz="850" spc="30" dirty="0">
-                <a:solidFill>
-                  <a:srgbClr val="0E0D0B"/>
-                </a:solidFill>
-                <a:latin typeface="Arial" panose="020B0604020202020204" pitchFamily="34" charset="0"/>
-                <a:ea typeface="Times New Roman"/>
-                <a:cs typeface="Arial" panose="020B0604020202020204" pitchFamily="34" charset="0"/>
-                <a:sym typeface="Wingdings" panose="05000000000000000000" pitchFamily="2" charset="2"/>
-              </a:rPr>
-              <a:t> Motor  Seilzug  Rollen Masse</a:t>
-            </a:r>
-            <a:endParaRPr lang="de-DE" altLang="zh-CN" sz="850" spc="30" dirty="0">
+              <a:t>„Connectoren“ repräsentieren bidirektionale physikalische Verbindungen</a:t>
+            </a:r>
+          </a:p>
+          <a:p>
+            <a:endParaRPr lang="de-DE" altLang="zh-CN" sz="400" spc="25" dirty="0">
               <a:solidFill>
                 <a:srgbClr val="0E0D0B"/>
               </a:solidFill>
@@ -4728,6 +4477,70 @@
               <a:ea typeface="Times New Roman"/>
               <a:cs typeface="Arial" panose="020B0604020202020204" pitchFamily="34" charset="0"/>
             </a:endParaRPr>
+          </a:p>
+          <a:p>
+            <a:r>
+              <a:rPr lang="de-DE" altLang="zh-CN" sz="850" b="1" spc="25" dirty="0">
+                <a:solidFill>
+                  <a:srgbClr val="0E0D0B"/>
+                </a:solidFill>
+                <a:latin typeface="Arial" panose="020B0604020202020204" pitchFamily="34" charset="0"/>
+                <a:ea typeface="Times New Roman"/>
+                <a:cs typeface="Arial" panose="020B0604020202020204" pitchFamily="34" charset="0"/>
+              </a:rPr>
+              <a:t>Verwendete Connectoren</a:t>
+            </a:r>
+          </a:p>
+          <a:p>
+            <a:pPr marL="171450" indent="-171450">
+              <a:buFont typeface="Arial" panose="020B0604020202020204" pitchFamily="34" charset="0"/>
+              <a:buChar char="•"/>
+            </a:pPr>
+            <a:r>
+              <a:rPr lang="de-DE" altLang="zh-CN" sz="850" spc="25" dirty="0">
+                <a:solidFill>
+                  <a:srgbClr val="0E0D0B"/>
+                </a:solidFill>
+                <a:latin typeface="Arial" panose="020B0604020202020204" pitchFamily="34" charset="0"/>
+                <a:ea typeface="Times New Roman"/>
+                <a:cs typeface="Arial" panose="020B0604020202020204" pitchFamily="34" charset="0"/>
+              </a:rPr>
+              <a:t>Spannung-Strom-Connectoren</a:t>
+            </a:r>
+          </a:p>
+          <a:p>
+            <a:pPr marL="171450" indent="-171450">
+              <a:buFont typeface="Arial" panose="020B0604020202020204" pitchFamily="34" charset="0"/>
+              <a:buChar char="•"/>
+            </a:pPr>
+            <a:r>
+              <a:rPr lang="de-DE" altLang="zh-CN" sz="850" spc="25" dirty="0">
+                <a:solidFill>
+                  <a:srgbClr val="0E0D0B"/>
+                </a:solidFill>
+                <a:latin typeface="Arial" panose="020B0604020202020204" pitchFamily="34" charset="0"/>
+                <a:ea typeface="Times New Roman"/>
+                <a:cs typeface="Arial" panose="020B0604020202020204" pitchFamily="34" charset="0"/>
+              </a:rPr>
+              <a:t>Winkel-Moment-Connectoren</a:t>
+            </a:r>
+          </a:p>
+          <a:p>
+            <a:pPr marL="171450" indent="-171450">
+              <a:buFont typeface="Arial" panose="020B0604020202020204" pitchFamily="34" charset="0"/>
+              <a:buChar char="•"/>
+            </a:pPr>
+            <a:r>
+              <a:rPr lang="de-DE" altLang="zh-CN" sz="850" spc="25" dirty="0">
+                <a:solidFill>
+                  <a:srgbClr val="0E0D0B"/>
+                </a:solidFill>
+                <a:latin typeface="Arial" panose="020B0604020202020204" pitchFamily="34" charset="0"/>
+                <a:ea typeface="Times New Roman"/>
+                <a:cs typeface="Arial" panose="020B0604020202020204" pitchFamily="34" charset="0"/>
+              </a:rPr>
+              <a:t>Kraft-Weg-Connectoren</a:t>
+            </a:r>
           </a:p>
         </p:txBody>
       </p:sp>
@@ -4745,8 +4558,8 @@
         </p:nvSpPr>
         <p:spPr>
           <a:xfrm>
-            <a:off x="195611" y="2279286"/>
-            <a:ext cx="2925954" cy="1138773"/>
+            <a:off x="195611" y="2311041"/>
+            <a:ext cx="2925954" cy="1269578"/>
           </a:xfrm>
           <a:prstGeom prst="rect">
             <a:avLst/>
@@ -4768,7 +4581,7 @@
                 <a:ea typeface="Times New Roman"/>
                 <a:cs typeface="Arial" panose="020B0604020202020204" pitchFamily="34" charset="0"/>
               </a:rPr>
-              <a:t>Aufgabenstellung</a:t>
+              <a:t>Aufgabenstellung [2]</a:t>
             </a:r>
           </a:p>
           <a:p>
@@ -4782,7 +4595,29 @@
                 <a:ea typeface="Times New Roman"/>
                 <a:cs typeface="Arial" panose="020B0604020202020204" pitchFamily="34" charset="0"/>
               </a:rPr>
-              <a:t>Im Rahmen des Modelica-Seminars soll ein simulationsfähiges Flaschenzugsystem entwickelt werden. Dazu werden die wichtigsten physikalischen und elektromechanischen Komponenten sowie die Wechselwirkungen innerhalb des Systems in einer Modelica-Bibliothek abgebildet. Das Modell muss folgende Anforderungen erfüllen:</a:t>
+              <a:t>Im Rahmen des Modelica-Seminars soll ein simulationsfähiges Flaschenzugsystem in </a:t>
+            </a:r>
+            <a:r>
+              <a:rPr lang="de-DE" altLang="zh-CN" sz="850" spc="30" dirty="0" err="1">
+                <a:solidFill>
+                  <a:srgbClr val="0E0D0B"/>
+                </a:solidFill>
+                <a:latin typeface="Arial" panose="020B0604020202020204" pitchFamily="34" charset="0"/>
+                <a:ea typeface="Times New Roman"/>
+                <a:cs typeface="Arial" panose="020B0604020202020204" pitchFamily="34" charset="0"/>
+              </a:rPr>
+              <a:t>OpenModelica</a:t>
+            </a:r>
+            <a:r>
+              <a:rPr lang="de-DE" altLang="zh-CN" sz="850" spc="30" dirty="0">
+                <a:solidFill>
+                  <a:srgbClr val="0E0D0B"/>
+                </a:solidFill>
+                <a:latin typeface="Arial" panose="020B0604020202020204" pitchFamily="34" charset="0"/>
+                <a:ea typeface="Times New Roman"/>
+                <a:cs typeface="Arial" panose="020B0604020202020204" pitchFamily="34" charset="0"/>
+              </a:rPr>
+              <a:t> entwickelt werden. Dazu werden die wichtigsten physikalischen und elektromechanischen Komponenten sowie die Wechselwirkungen innerhalb des Systems in einer Modelica-Bibliothek abgebildet. Das Modell muss folgende Anforderungen erfüllen:</a:t>
             </a:r>
           </a:p>
         </p:txBody>
@@ -4801,8 +4636,8 @@
         </p:nvSpPr>
         <p:spPr>
           <a:xfrm>
-            <a:off x="3467123" y="2279286"/>
-            <a:ext cx="3383086" cy="1661993"/>
+            <a:off x="3432682" y="2311552"/>
+            <a:ext cx="3672968" cy="1531188"/>
           </a:xfrm>
           <a:prstGeom prst="rect">
             <a:avLst/>
@@ -4824,7 +4659,7 @@
                 <a:ea typeface="Times New Roman"/>
                 <a:cs typeface="Arial" panose="020B0604020202020204" pitchFamily="34" charset="0"/>
               </a:rPr>
-              <a:t>Modelica</a:t>
+              <a:t>Modelica [1]</a:t>
             </a:r>
             <a:endParaRPr lang="de-DE" altLang="zh-CN" sz="850" spc="30" dirty="0">
               <a:solidFill>
@@ -4866,13 +4701,13 @@
           <p:nvPr>
             <p:extLst>
               <p:ext uri="{D42A27DB-BD31-4B8C-83A1-F6EECF244321}">
-                <p14:modId xmlns:p14="http://schemas.microsoft.com/office/powerpoint/2010/main" val="980442234"/>
+                <p14:modId xmlns:p14="http://schemas.microsoft.com/office/powerpoint/2010/main" val="1353714392"/>
               </p:ext>
             </p:extLst>
           </p:nvPr>
         </p:nvGraphicFramePr>
         <p:xfrm>
-          <a:off x="308476" y="3404604"/>
+          <a:off x="262272" y="3536405"/>
           <a:ext cx="2519680" cy="1038673"/>
         </p:xfrm>
         <a:graphic>
@@ -5389,151 +5224,6 @@
           </a:graphicData>
         </a:graphic>
       </p:graphicFrame>
-      <p:pic>
-        <p:nvPicPr>
-          <p:cNvPr id="32" name="Grafik 31">
-            <a:extLst>
-              <a:ext uri="{FF2B5EF4-FFF2-40B4-BE49-F238E27FC236}">
-                <a16:creationId xmlns:a16="http://schemas.microsoft.com/office/drawing/2014/main" id="{BE9C3A61-920F-4117-950F-C876A1ACD7CA}"/>
-              </a:ext>
-            </a:extLst>
-          </p:cNvPr>
-          <p:cNvPicPr>
-            <a:picLocks/>
-          </p:cNvPicPr>
-          <p:nvPr/>
-        </p:nvPicPr>
-        <p:blipFill rotWithShape="1">
-          <a:blip r:embed="rId4"/>
-          <a:srcRect l="20501" t="49376" r="62411" b="30910"/>
-          <a:stretch/>
-        </p:blipFill>
-        <p:spPr>
-          <a:xfrm>
-            <a:off x="4794708" y="5444330"/>
-            <a:ext cx="539750" cy="540000"/>
-          </a:xfrm>
-          <a:prstGeom prst="rect">
-            <a:avLst/>
-          </a:prstGeom>
-        </p:spPr>
-      </p:pic>
-      <p:pic>
-        <p:nvPicPr>
-          <p:cNvPr id="33" name="Grafik 32">
-            <a:extLst>
-              <a:ext uri="{FF2B5EF4-FFF2-40B4-BE49-F238E27FC236}">
-                <a16:creationId xmlns:a16="http://schemas.microsoft.com/office/drawing/2014/main" id="{166AAAA7-63D4-4D72-A4E7-448675D75DEA}"/>
-              </a:ext>
-            </a:extLst>
-          </p:cNvPr>
-          <p:cNvPicPr>
-            <a:picLocks/>
-          </p:cNvPicPr>
-          <p:nvPr/>
-        </p:nvPicPr>
-        <p:blipFill rotWithShape="1">
-          <a:blip r:embed="rId4"/>
-          <a:srcRect l="20501" t="66522" r="65024" b="6836"/>
-          <a:stretch/>
-        </p:blipFill>
-        <p:spPr>
-          <a:xfrm>
-            <a:off x="3960725" y="5451067"/>
-            <a:ext cx="540000" cy="540000"/>
-          </a:xfrm>
-          <a:prstGeom prst="rect">
-            <a:avLst/>
-          </a:prstGeom>
-        </p:spPr>
-      </p:pic>
-      <p:pic>
-        <p:nvPicPr>
-          <p:cNvPr id="34" name="Grafik 33">
-            <a:extLst>
-              <a:ext uri="{FF2B5EF4-FFF2-40B4-BE49-F238E27FC236}">
-                <a16:creationId xmlns:a16="http://schemas.microsoft.com/office/drawing/2014/main" id="{F2902F95-5083-4036-AA8A-F1C05C1671BB}"/>
-              </a:ext>
-            </a:extLst>
-          </p:cNvPr>
-          <p:cNvPicPr>
-            <a:picLocks/>
-          </p:cNvPicPr>
-          <p:nvPr/>
-        </p:nvPicPr>
-        <p:blipFill rotWithShape="1">
-          <a:blip r:embed="rId4"/>
-          <a:srcRect l="42501" t="19490" r="42907" b="60797"/>
-          <a:stretch/>
-        </p:blipFill>
-        <p:spPr>
-          <a:xfrm>
-            <a:off x="5628441" y="5438907"/>
-            <a:ext cx="540000" cy="540000"/>
-          </a:xfrm>
-          <a:prstGeom prst="rect">
-            <a:avLst/>
-          </a:prstGeom>
-        </p:spPr>
-      </p:pic>
-      <p:pic>
-        <p:nvPicPr>
-          <p:cNvPr id="35" name="Grafik 34">
-            <a:extLst>
-              <a:ext uri="{FF2B5EF4-FFF2-40B4-BE49-F238E27FC236}">
-                <a16:creationId xmlns:a16="http://schemas.microsoft.com/office/drawing/2014/main" id="{88D009CA-ACBA-4FA4-8FDC-2ECBD793740A}"/>
-              </a:ext>
-            </a:extLst>
-          </p:cNvPr>
-          <p:cNvPicPr>
-            <a:picLocks/>
-          </p:cNvPicPr>
-          <p:nvPr/>
-        </p:nvPicPr>
-        <p:blipFill rotWithShape="1">
-          <a:blip r:embed="rId4"/>
-          <a:srcRect l="60701" t="74131" r="24650"/>
-          <a:stretch/>
-        </p:blipFill>
-        <p:spPr>
-          <a:xfrm>
-            <a:off x="6462424" y="5416732"/>
-            <a:ext cx="540000" cy="540000"/>
-          </a:xfrm>
-          <a:prstGeom prst="rect">
-            <a:avLst/>
-          </a:prstGeom>
-        </p:spPr>
-      </p:pic>
-      <p:pic>
-        <p:nvPicPr>
-          <p:cNvPr id="36" name="Grafik 35">
-            <a:extLst>
-              <a:ext uri="{FF2B5EF4-FFF2-40B4-BE49-F238E27FC236}">
-                <a16:creationId xmlns:a16="http://schemas.microsoft.com/office/drawing/2014/main" id="{4FE8B898-D197-40E4-8476-89DD722A1215}"/>
-              </a:ext>
-            </a:extLst>
-          </p:cNvPr>
-          <p:cNvPicPr>
-            <a:picLocks noChangeAspect="1"/>
-          </p:cNvPicPr>
-          <p:nvPr/>
-        </p:nvPicPr>
-        <p:blipFill rotWithShape="1">
-          <a:blip r:embed="rId4"/>
-          <a:srcRect t="6982"/>
-          <a:stretch/>
-        </p:blipFill>
-        <p:spPr>
-          <a:xfrm>
-            <a:off x="113817" y="5038317"/>
-            <a:ext cx="2857984" cy="1607847"/>
-          </a:xfrm>
-          <a:prstGeom prst="rect">
-            <a:avLst/>
-          </a:prstGeom>
-        </p:spPr>
-      </p:pic>
       <p:sp>
         <p:nvSpPr>
           <p:cNvPr id="37" name="Textfeld 36">
@@ -5548,8 +5238,8 @@
         </p:nvSpPr>
         <p:spPr>
           <a:xfrm>
-            <a:off x="63484" y="4810287"/>
-            <a:ext cx="2711977" cy="223138"/>
+            <a:off x="305297" y="5095168"/>
+            <a:ext cx="1669819" cy="353943"/>
           </a:xfrm>
           <a:prstGeom prst="rect">
             <a:avLst/>
@@ -5571,7 +5261,20 @@
                 <a:ea typeface="Times New Roman"/>
                 <a:cs typeface="Arial" panose="020B0604020202020204" pitchFamily="34" charset="0"/>
               </a:rPr>
-              <a:t>Schematische Darstellung des Flaschenzugs</a:t>
+              <a:t>Schematische Darstellung</a:t>
+            </a:r>
+          </a:p>
+          <a:p>
+            <a:r>
+              <a:rPr lang="de-DE" altLang="zh-CN" sz="850" b="1" spc="30" dirty="0">
+                <a:solidFill>
+                  <a:srgbClr val="0E0D0B"/>
+                </a:solidFill>
+                <a:latin typeface="Arial" panose="020B0604020202020204" pitchFamily="34" charset="0"/>
+                <a:ea typeface="Times New Roman"/>
+                <a:cs typeface="Arial" panose="020B0604020202020204" pitchFamily="34" charset="0"/>
+              </a:rPr>
+              <a:t>des Flaschenzugs</a:t>
             </a:r>
           </a:p>
         </p:txBody>
@@ -5590,8 +5293,8 @@
         </p:nvSpPr>
         <p:spPr>
           <a:xfrm>
-            <a:off x="2972790" y="4813268"/>
-            <a:ext cx="1868316" cy="223138"/>
+            <a:off x="2504306" y="5137420"/>
+            <a:ext cx="1955800" cy="223138"/>
           </a:xfrm>
           <a:prstGeom prst="rect">
             <a:avLst/>
@@ -5613,135 +5316,7 @@
                 <a:ea typeface="Times New Roman"/>
                 <a:cs typeface="Arial" panose="020B0604020202020204" pitchFamily="34" charset="0"/>
               </a:rPr>
-              <a:t>Physikalische Wirkungsablauf</a:t>
-            </a:r>
-          </a:p>
-        </p:txBody>
-      </p:sp>
-      <p:cxnSp>
-        <p:nvCxnSpPr>
-          <p:cNvPr id="40" name="Gerade Verbindung mit Pfeil 39">
-            <a:extLst>
-              <a:ext uri="{FF2B5EF4-FFF2-40B4-BE49-F238E27FC236}">
-                <a16:creationId xmlns:a16="http://schemas.microsoft.com/office/drawing/2014/main" id="{FDB45F8A-29B9-4F73-809B-ECED0568B19A}"/>
-              </a:ext>
-            </a:extLst>
-          </p:cNvPr>
-          <p:cNvCxnSpPr>
-            <a:cxnSpLocks/>
-          </p:cNvCxnSpPr>
-          <p:nvPr/>
-        </p:nvCxnSpPr>
-        <p:spPr>
-          <a:xfrm>
-            <a:off x="3666742" y="5575300"/>
-            <a:ext cx="340381" cy="0"/>
-          </a:xfrm>
-          <a:prstGeom prst="straightConnector1">
-            <a:avLst/>
-          </a:prstGeom>
-          <a:ln w="28575">
-            <a:solidFill>
-              <a:srgbClr val="F3BB07"/>
-            </a:solidFill>
-            <a:tailEnd type="triangle"/>
-          </a:ln>
-        </p:spPr>
-        <p:style>
-          <a:lnRef idx="1">
-            <a:schemeClr val="dk1"/>
-          </a:lnRef>
-          <a:fillRef idx="0">
-            <a:schemeClr val="dk1"/>
-          </a:fillRef>
-          <a:effectRef idx="0">
-            <a:schemeClr val="dk1"/>
-          </a:effectRef>
-          <a:fontRef idx="minor">
-            <a:schemeClr val="tx1"/>
-          </a:fontRef>
-        </p:style>
-      </p:cxnSp>
-      <p:sp>
-        <p:nvSpPr>
-          <p:cNvPr id="44" name="Textfeld 43">
-            <a:extLst>
-              <a:ext uri="{FF2B5EF4-FFF2-40B4-BE49-F238E27FC236}">
-                <a16:creationId xmlns:a16="http://schemas.microsoft.com/office/drawing/2014/main" id="{53250CB1-4033-4C27-BAA9-F425D9776CFD}"/>
-              </a:ext>
-            </a:extLst>
-          </p:cNvPr>
-          <p:cNvSpPr txBox="1"/>
-          <p:nvPr/>
-        </p:nvSpPr>
-        <p:spPr>
-          <a:xfrm>
-            <a:off x="3072619" y="6920041"/>
-            <a:ext cx="1115207" cy="223138"/>
-          </a:xfrm>
-          <a:prstGeom prst="rect">
-            <a:avLst/>
-          </a:prstGeom>
-          <a:noFill/>
-        </p:spPr>
-        <p:txBody>
-          <a:bodyPr wrap="square" rtlCol="0">
-            <a:spAutoFit/>
-          </a:bodyPr>
-          <a:lstStyle/>
-          <a:p>
-            <a:r>
-              <a:rPr lang="de-DE" altLang="zh-CN" sz="850" spc="30" dirty="0">
-                <a:solidFill>
-                  <a:srgbClr val="0E0D0B"/>
-                </a:solidFill>
-                <a:latin typeface="Arial" panose="020B0604020202020204" pitchFamily="34" charset="0"/>
-                <a:ea typeface="Times New Roman"/>
-                <a:cs typeface="Arial" panose="020B0604020202020204" pitchFamily="34" charset="0"/>
-              </a:rPr>
-              <a:t>Seilzug hebt Last</a:t>
-            </a:r>
-          </a:p>
-        </p:txBody>
-      </p:sp>
-      <p:sp>
-        <p:nvSpPr>
-          <p:cNvPr id="45" name="Textfeld 44">
-            <a:extLst>
-              <a:ext uri="{FF2B5EF4-FFF2-40B4-BE49-F238E27FC236}">
-                <a16:creationId xmlns:a16="http://schemas.microsoft.com/office/drawing/2014/main" id="{A4271CD0-7F9C-4FCD-BC1E-41E8531DB4E5}"/>
-              </a:ext>
-            </a:extLst>
-          </p:cNvPr>
-          <p:cNvSpPr txBox="1"/>
-          <p:nvPr/>
-        </p:nvSpPr>
-        <p:spPr>
-          <a:xfrm>
-            <a:off x="3069445" y="6696903"/>
-            <a:ext cx="1178706" cy="223138"/>
-          </a:xfrm>
-          <a:prstGeom prst="rect">
-            <a:avLst/>
-          </a:prstGeom>
-          <a:noFill/>
-        </p:spPr>
-        <p:txBody>
-          <a:bodyPr wrap="square" rtlCol="0">
-            <a:spAutoFit/>
-          </a:bodyPr>
-          <a:lstStyle/>
-          <a:p>
-            <a:r>
-              <a:rPr lang="de-DE" altLang="zh-CN" sz="850" spc="30" dirty="0">
-                <a:solidFill>
-                  <a:srgbClr val="0E0D0B"/>
-                </a:solidFill>
-                <a:latin typeface="Arial" panose="020B0604020202020204" pitchFamily="34" charset="0"/>
-                <a:ea typeface="Times New Roman"/>
-                <a:cs typeface="Arial" panose="020B0604020202020204" pitchFamily="34" charset="0"/>
-              </a:rPr>
-              <a:t>Seilzug senkt Last</a:t>
+              <a:t>Physikalischer Wirkungsablauf</a:t>
             </a:r>
           </a:p>
         </p:txBody>
@@ -5762,7 +5337,7 @@
         </p:nvCxnSpPr>
         <p:spPr>
           <a:xfrm>
-            <a:off x="4500725" y="5575300"/>
+            <a:off x="4360104" y="5689600"/>
             <a:ext cx="340381" cy="0"/>
           </a:xfrm>
           <a:prstGeom prst="straightConnector1">
@@ -5806,7 +5381,7 @@
         </p:nvCxnSpPr>
         <p:spPr>
           <a:xfrm>
-            <a:off x="5334458" y="5575300"/>
+            <a:off x="5494520" y="5689600"/>
             <a:ext cx="340381" cy="0"/>
           </a:xfrm>
           <a:prstGeom prst="straightConnector1">
@@ -5850,52 +5425,8 @@
         </p:nvCxnSpPr>
         <p:spPr>
           <a:xfrm>
-            <a:off x="6122043" y="5575300"/>
+            <a:off x="6406215" y="5689600"/>
             <a:ext cx="340381" cy="0"/>
-          </a:xfrm>
-          <a:prstGeom prst="straightConnector1">
-            <a:avLst/>
-          </a:prstGeom>
-          <a:ln w="28575">
-            <a:solidFill>
-              <a:srgbClr val="F3BB07"/>
-            </a:solidFill>
-            <a:tailEnd type="triangle"/>
-          </a:ln>
-        </p:spPr>
-        <p:style>
-          <a:lnRef idx="1">
-            <a:schemeClr val="dk1"/>
-          </a:lnRef>
-          <a:fillRef idx="0">
-            <a:schemeClr val="dk1"/>
-          </a:fillRef>
-          <a:effectRef idx="0">
-            <a:schemeClr val="dk1"/>
-          </a:effectRef>
-          <a:fontRef idx="minor">
-            <a:schemeClr val="tx1"/>
-          </a:fontRef>
-        </p:style>
-      </p:cxnSp>
-      <p:cxnSp>
-        <p:nvCxnSpPr>
-          <p:cNvPr id="50" name="Gerade Verbindung mit Pfeil 49">
-            <a:extLst>
-              <a:ext uri="{FF2B5EF4-FFF2-40B4-BE49-F238E27FC236}">
-                <a16:creationId xmlns:a16="http://schemas.microsoft.com/office/drawing/2014/main" id="{EE748CD6-3CDE-46A9-B7B8-67EE24E21E00}"/>
-              </a:ext>
-            </a:extLst>
-          </p:cNvPr>
-          <p:cNvCxnSpPr>
-            <a:cxnSpLocks/>
-          </p:cNvCxnSpPr>
-          <p:nvPr/>
-        </p:nvCxnSpPr>
-        <p:spPr>
-          <a:xfrm flipH="1">
-            <a:off x="3602766" y="5827014"/>
-            <a:ext cx="404357" cy="0"/>
           </a:xfrm>
           <a:prstGeom prst="straightConnector1">
             <a:avLst/>
@@ -5938,7 +5469,7 @@
         </p:nvCxnSpPr>
         <p:spPr>
           <a:xfrm flipH="1">
-            <a:off x="4436749" y="5835142"/>
+            <a:off x="4336211" y="5904900"/>
             <a:ext cx="404357" cy="0"/>
           </a:xfrm>
           <a:prstGeom prst="straightConnector1">
@@ -5982,7 +5513,7 @@
         </p:nvCxnSpPr>
         <p:spPr>
           <a:xfrm flipH="1">
-            <a:off x="5270482" y="5835142"/>
+            <a:off x="5449833" y="5922900"/>
             <a:ext cx="404357" cy="0"/>
           </a:xfrm>
           <a:prstGeom prst="straightConnector1">
@@ -6010,33 +5541,198 @@
           </a:fontRef>
         </p:style>
       </p:cxnSp>
-      <p:cxnSp>
-        <p:nvCxnSpPr>
-          <p:cNvPr id="56" name="Gerade Verbindung mit Pfeil 55">
+      <p:sp>
+        <p:nvSpPr>
+          <p:cNvPr id="57" name="Textfeld 56">
             <a:extLst>
               <a:ext uri="{FF2B5EF4-FFF2-40B4-BE49-F238E27FC236}">
-                <a16:creationId xmlns:a16="http://schemas.microsoft.com/office/drawing/2014/main" id="{42606C66-B480-4613-A03A-71118D77D6C8}"/>
+                <a16:creationId xmlns:a16="http://schemas.microsoft.com/office/drawing/2014/main" id="{BE356985-9ACC-47EE-976F-EA022298008C}"/>
               </a:ext>
             </a:extLst>
           </p:cNvPr>
-          <p:cNvCxnSpPr>
-            <a:cxnSpLocks/>
-          </p:cNvCxnSpPr>
+          <p:cNvSpPr txBox="1"/>
           <p:nvPr/>
-        </p:nvCxnSpPr>
-        <p:spPr>
-          <a:xfrm flipH="1">
-            <a:off x="6088380" y="5835142"/>
-            <a:ext cx="404357" cy="0"/>
-          </a:xfrm>
-          <a:prstGeom prst="straightConnector1">
+        </p:nvSpPr>
+        <p:spPr>
+          <a:xfrm>
+            <a:off x="2499873" y="5390163"/>
+            <a:ext cx="938591" cy="207310"/>
+          </a:xfrm>
+          <a:prstGeom prst="rect">
             <a:avLst/>
           </a:prstGeom>
-          <a:ln w="28575">
+          <a:noFill/>
+        </p:spPr>
+        <p:txBody>
+          <a:bodyPr wrap="square" rtlCol="0">
+            <a:spAutoFit/>
+          </a:bodyPr>
+          <a:lstStyle/>
+          <a:p>
+            <a:r>
+              <a:rPr lang="de-DE" altLang="zh-CN" sz="700" spc="30" dirty="0">
+                <a:solidFill>
+                  <a:srgbClr val="0E0D0B"/>
+                </a:solidFill>
+                <a:latin typeface="Arial" panose="020B0604020202020204" pitchFamily="34" charset="0"/>
+                <a:ea typeface="Times New Roman"/>
+                <a:cs typeface="Arial" panose="020B0604020202020204" pitchFamily="34" charset="0"/>
+              </a:rPr>
+              <a:t>Spannungsquelle</a:t>
+            </a:r>
+          </a:p>
+        </p:txBody>
+      </p:sp>
+      <p:sp>
+        <p:nvSpPr>
+          <p:cNvPr id="58" name="Textfeld 57">
+            <a:extLst>
+              <a:ext uri="{FF2B5EF4-FFF2-40B4-BE49-F238E27FC236}">
+                <a16:creationId xmlns:a16="http://schemas.microsoft.com/office/drawing/2014/main" id="{1D71B0C5-725C-4274-A907-D3B341CD34CF}"/>
+              </a:ext>
+            </a:extLst>
+          </p:cNvPr>
+          <p:cNvSpPr txBox="1"/>
+          <p:nvPr/>
+        </p:nvSpPr>
+        <p:spPr>
+          <a:xfrm>
+            <a:off x="3758488" y="5376325"/>
+            <a:ext cx="540000" cy="200055"/>
+          </a:xfrm>
+          <a:prstGeom prst="rect">
+            <a:avLst/>
+          </a:prstGeom>
+          <a:noFill/>
+        </p:spPr>
+        <p:txBody>
+          <a:bodyPr wrap="square" rtlCol="0">
+            <a:spAutoFit/>
+          </a:bodyPr>
+          <a:lstStyle/>
+          <a:p>
+            <a:r>
+              <a:rPr lang="de-DE" altLang="zh-CN" sz="700" spc="30" dirty="0">
+                <a:solidFill>
+                  <a:srgbClr val="0E0D0B"/>
+                </a:solidFill>
+                <a:latin typeface="Arial" panose="020B0604020202020204" pitchFamily="34" charset="0"/>
+                <a:ea typeface="Times New Roman"/>
+                <a:cs typeface="Arial" panose="020B0604020202020204" pitchFamily="34" charset="0"/>
+              </a:rPr>
+              <a:t>E-Motor</a:t>
+            </a:r>
+          </a:p>
+        </p:txBody>
+      </p:sp>
+      <p:sp>
+        <p:nvSpPr>
+          <p:cNvPr id="60" name="Textfeld 59">
+            <a:extLst>
+              <a:ext uri="{FF2B5EF4-FFF2-40B4-BE49-F238E27FC236}">
+                <a16:creationId xmlns:a16="http://schemas.microsoft.com/office/drawing/2014/main" id="{88838C2A-98F5-4EB3-9E8C-39AF08778CEE}"/>
+              </a:ext>
+            </a:extLst>
+          </p:cNvPr>
+          <p:cNvSpPr txBox="1"/>
+          <p:nvPr/>
+        </p:nvSpPr>
+        <p:spPr>
+          <a:xfrm>
+            <a:off x="5886350" y="5370284"/>
+            <a:ext cx="404059" cy="200055"/>
+          </a:xfrm>
+          <a:prstGeom prst="rect">
+            <a:avLst/>
+          </a:prstGeom>
+          <a:noFill/>
+        </p:spPr>
+        <p:txBody>
+          <a:bodyPr wrap="square" rtlCol="0">
+            <a:spAutoFit/>
+          </a:bodyPr>
+          <a:lstStyle/>
+          <a:p>
+            <a:r>
+              <a:rPr lang="de-DE" altLang="zh-CN" sz="700" spc="30" dirty="0">
+                <a:solidFill>
+                  <a:srgbClr val="0E0D0B"/>
+                </a:solidFill>
+                <a:latin typeface="Arial" panose="020B0604020202020204" pitchFamily="34" charset="0"/>
+                <a:ea typeface="Times New Roman"/>
+                <a:cs typeface="Arial" panose="020B0604020202020204" pitchFamily="34" charset="0"/>
+              </a:rPr>
+              <a:t>Rolle</a:t>
+            </a:r>
+          </a:p>
+        </p:txBody>
+      </p:sp>
+      <p:sp>
+        <p:nvSpPr>
+          <p:cNvPr id="61" name="Textfeld 60">
+            <a:extLst>
+              <a:ext uri="{FF2B5EF4-FFF2-40B4-BE49-F238E27FC236}">
+                <a16:creationId xmlns:a16="http://schemas.microsoft.com/office/drawing/2014/main" id="{A55EA6BE-C4F3-4FDE-AE4D-5BB2B4ABE719}"/>
+              </a:ext>
+            </a:extLst>
+          </p:cNvPr>
+          <p:cNvSpPr txBox="1"/>
+          <p:nvPr/>
+        </p:nvSpPr>
+        <p:spPr>
+          <a:xfrm>
+            <a:off x="6845129" y="5397418"/>
+            <a:ext cx="472030" cy="200055"/>
+          </a:xfrm>
+          <a:prstGeom prst="rect">
+            <a:avLst/>
+          </a:prstGeom>
+          <a:noFill/>
+        </p:spPr>
+        <p:txBody>
+          <a:bodyPr wrap="square" rtlCol="0">
+            <a:spAutoFit/>
+          </a:bodyPr>
+          <a:lstStyle/>
+          <a:p>
+            <a:r>
+              <a:rPr lang="de-DE" altLang="zh-CN" sz="700" spc="30" dirty="0">
+                <a:solidFill>
+                  <a:srgbClr val="0E0D0B"/>
+                </a:solidFill>
+                <a:latin typeface="Arial" panose="020B0604020202020204" pitchFamily="34" charset="0"/>
+                <a:ea typeface="Times New Roman"/>
+                <a:cs typeface="Arial" panose="020B0604020202020204" pitchFamily="34" charset="0"/>
+              </a:rPr>
+              <a:t>Masse</a:t>
+            </a:r>
+          </a:p>
+        </p:txBody>
+      </p:sp>
+      <p:sp>
+        <p:nvSpPr>
+          <p:cNvPr id="62" name="Geschweifte Klammer rechts 61">
+            <a:extLst>
+              <a:ext uri="{FF2B5EF4-FFF2-40B4-BE49-F238E27FC236}">
+                <a16:creationId xmlns:a16="http://schemas.microsoft.com/office/drawing/2014/main" id="{6E9B12E5-2625-4A18-8798-A25C179631E3}"/>
+              </a:ext>
+            </a:extLst>
+          </p:cNvPr>
+          <p:cNvSpPr/>
+          <p:nvPr/>
+        </p:nvSpPr>
+        <p:spPr>
+          <a:xfrm rot="5400000">
+            <a:off x="3405635" y="5935550"/>
+            <a:ext cx="113881" cy="326084"/>
+          </a:xfrm>
+          <a:prstGeom prst="rightBrace">
+            <a:avLst/>
+          </a:prstGeom>
+          <a:ln w="19050">
             <a:solidFill>
-              <a:srgbClr val="F3BB07"/>
+              <a:schemeClr val="tx1"/>
             </a:solidFill>
-            <a:tailEnd type="triangle"/>
           </a:ln>
         </p:spPr>
         <p:style>
@@ -6053,223 +5749,21 @@
             <a:schemeClr val="tx1"/>
           </a:fontRef>
         </p:style>
-      </p:cxnSp>
-      <p:sp>
-        <p:nvSpPr>
-          <p:cNvPr id="57" name="Textfeld 56">
+        <p:txBody>
+          <a:bodyPr rtlCol="0" anchor="ctr"/>
+          <a:lstStyle/>
+          <a:p>
+            <a:pPr algn="ctr"/>
+            <a:endParaRPr lang="de-DE"/>
+          </a:p>
+        </p:txBody>
+      </p:sp>
+      <p:sp>
+        <p:nvSpPr>
+          <p:cNvPr id="63" name="Geschweifte Klammer rechts 62">
             <a:extLst>
               <a:ext uri="{FF2B5EF4-FFF2-40B4-BE49-F238E27FC236}">
-                <a16:creationId xmlns:a16="http://schemas.microsoft.com/office/drawing/2014/main" id="{BE356985-9ACC-47EE-976F-EA022298008C}"/>
-              </a:ext>
-            </a:extLst>
-          </p:cNvPr>
-          <p:cNvSpPr txBox="1"/>
-          <p:nvPr/>
-        </p:nvSpPr>
-        <p:spPr>
-          <a:xfrm>
-            <a:off x="2927446" y="5186898"/>
-            <a:ext cx="938591" cy="207310"/>
-          </a:xfrm>
-          <a:prstGeom prst="rect">
-            <a:avLst/>
-          </a:prstGeom>
-          <a:noFill/>
-        </p:spPr>
-        <p:txBody>
-          <a:bodyPr wrap="square" rtlCol="0">
-            <a:spAutoFit/>
-          </a:bodyPr>
-          <a:lstStyle/>
-          <a:p>
-            <a:r>
-              <a:rPr lang="de-DE" altLang="zh-CN" sz="700" spc="30" dirty="0">
-                <a:solidFill>
-                  <a:srgbClr val="0E0D0B"/>
-                </a:solidFill>
-                <a:latin typeface="Arial" panose="020B0604020202020204" pitchFamily="34" charset="0"/>
-                <a:ea typeface="Times New Roman"/>
-                <a:cs typeface="Arial" panose="020B0604020202020204" pitchFamily="34" charset="0"/>
-              </a:rPr>
-              <a:t>Spannungsquelle</a:t>
-            </a:r>
-          </a:p>
-        </p:txBody>
-      </p:sp>
-      <p:sp>
-        <p:nvSpPr>
-          <p:cNvPr id="58" name="Textfeld 57">
-            <a:extLst>
-              <a:ext uri="{FF2B5EF4-FFF2-40B4-BE49-F238E27FC236}">
-                <a16:creationId xmlns:a16="http://schemas.microsoft.com/office/drawing/2014/main" id="{1D71B0C5-725C-4274-A907-D3B341CD34CF}"/>
-              </a:ext>
-            </a:extLst>
-          </p:cNvPr>
-          <p:cNvSpPr txBox="1"/>
-          <p:nvPr/>
-        </p:nvSpPr>
-        <p:spPr>
-          <a:xfrm>
-            <a:off x="3960725" y="5185645"/>
-            <a:ext cx="540000" cy="200055"/>
-          </a:xfrm>
-          <a:prstGeom prst="rect">
-            <a:avLst/>
-          </a:prstGeom>
-          <a:noFill/>
-        </p:spPr>
-        <p:txBody>
-          <a:bodyPr wrap="square" rtlCol="0">
-            <a:spAutoFit/>
-          </a:bodyPr>
-          <a:lstStyle/>
-          <a:p>
-            <a:r>
-              <a:rPr lang="de-DE" altLang="zh-CN" sz="700" spc="30" dirty="0">
-                <a:solidFill>
-                  <a:srgbClr val="0E0D0B"/>
-                </a:solidFill>
-                <a:latin typeface="Arial" panose="020B0604020202020204" pitchFamily="34" charset="0"/>
-                <a:ea typeface="Times New Roman"/>
-                <a:cs typeface="Arial" panose="020B0604020202020204" pitchFamily="34" charset="0"/>
-              </a:rPr>
-              <a:t>E-Motor</a:t>
-            </a:r>
-          </a:p>
-        </p:txBody>
-      </p:sp>
-      <p:sp>
-        <p:nvSpPr>
-          <p:cNvPr id="59" name="Textfeld 58">
-            <a:extLst>
-              <a:ext uri="{FF2B5EF4-FFF2-40B4-BE49-F238E27FC236}">
-                <a16:creationId xmlns:a16="http://schemas.microsoft.com/office/drawing/2014/main" id="{68B04273-9B60-4B9D-9EA0-46BD61FCE118}"/>
-              </a:ext>
-            </a:extLst>
-          </p:cNvPr>
-          <p:cNvSpPr txBox="1"/>
-          <p:nvPr/>
-        </p:nvSpPr>
-        <p:spPr>
-          <a:xfrm>
-            <a:off x="4763062" y="5185645"/>
-            <a:ext cx="603042" cy="200055"/>
-          </a:xfrm>
-          <a:prstGeom prst="rect">
-            <a:avLst/>
-          </a:prstGeom>
-          <a:noFill/>
-        </p:spPr>
-        <p:txBody>
-          <a:bodyPr wrap="square" rtlCol="0">
-            <a:spAutoFit/>
-          </a:bodyPr>
-          <a:lstStyle/>
-          <a:p>
-            <a:r>
-              <a:rPr lang="de-DE" altLang="zh-CN" sz="700" spc="30" dirty="0">
-                <a:solidFill>
-                  <a:srgbClr val="0E0D0B"/>
-                </a:solidFill>
-                <a:latin typeface="Arial" panose="020B0604020202020204" pitchFamily="34" charset="0"/>
-                <a:ea typeface="Times New Roman"/>
-                <a:cs typeface="Arial" panose="020B0604020202020204" pitchFamily="34" charset="0"/>
-              </a:rPr>
-              <a:t>Seilwinde</a:t>
-            </a:r>
-          </a:p>
-        </p:txBody>
-      </p:sp>
-      <p:sp>
-        <p:nvSpPr>
-          <p:cNvPr id="60" name="Textfeld 59">
-            <a:extLst>
-              <a:ext uri="{FF2B5EF4-FFF2-40B4-BE49-F238E27FC236}">
-                <a16:creationId xmlns:a16="http://schemas.microsoft.com/office/drawing/2014/main" id="{88838C2A-98F5-4EB3-9E8C-39AF08778CEE}"/>
-              </a:ext>
-            </a:extLst>
-          </p:cNvPr>
-          <p:cNvSpPr txBox="1"/>
-          <p:nvPr/>
-        </p:nvSpPr>
-        <p:spPr>
-          <a:xfrm>
-            <a:off x="5657749" y="5185645"/>
-            <a:ext cx="404059" cy="200055"/>
-          </a:xfrm>
-          <a:prstGeom prst="rect">
-            <a:avLst/>
-          </a:prstGeom>
-          <a:noFill/>
-        </p:spPr>
-        <p:txBody>
-          <a:bodyPr wrap="square" rtlCol="0">
-            <a:spAutoFit/>
-          </a:bodyPr>
-          <a:lstStyle/>
-          <a:p>
-            <a:r>
-              <a:rPr lang="de-DE" altLang="zh-CN" sz="700" spc="30" dirty="0">
-                <a:solidFill>
-                  <a:srgbClr val="0E0D0B"/>
-                </a:solidFill>
-                <a:latin typeface="Arial" panose="020B0604020202020204" pitchFamily="34" charset="0"/>
-                <a:ea typeface="Times New Roman"/>
-                <a:cs typeface="Arial" panose="020B0604020202020204" pitchFamily="34" charset="0"/>
-              </a:rPr>
-              <a:t>Rolle</a:t>
-            </a:r>
-          </a:p>
-        </p:txBody>
-      </p:sp>
-      <p:sp>
-        <p:nvSpPr>
-          <p:cNvPr id="61" name="Textfeld 60">
-            <a:extLst>
-              <a:ext uri="{FF2B5EF4-FFF2-40B4-BE49-F238E27FC236}">
-                <a16:creationId xmlns:a16="http://schemas.microsoft.com/office/drawing/2014/main" id="{A55EA6BE-C4F3-4FDE-AE4D-5BB2B4ABE719}"/>
-              </a:ext>
-            </a:extLst>
-          </p:cNvPr>
-          <p:cNvSpPr txBox="1"/>
-          <p:nvPr/>
-        </p:nvSpPr>
-        <p:spPr>
-          <a:xfrm>
-            <a:off x="6496409" y="5192308"/>
-            <a:ext cx="472030" cy="200055"/>
-          </a:xfrm>
-          <a:prstGeom prst="rect">
-            <a:avLst/>
-          </a:prstGeom>
-          <a:noFill/>
-        </p:spPr>
-        <p:txBody>
-          <a:bodyPr wrap="square" rtlCol="0">
-            <a:spAutoFit/>
-          </a:bodyPr>
-          <a:lstStyle/>
-          <a:p>
-            <a:r>
-              <a:rPr lang="de-DE" altLang="zh-CN" sz="700" spc="30" dirty="0">
-                <a:solidFill>
-                  <a:srgbClr val="0E0D0B"/>
-                </a:solidFill>
-                <a:latin typeface="Arial" panose="020B0604020202020204" pitchFamily="34" charset="0"/>
-                <a:ea typeface="Times New Roman"/>
-                <a:cs typeface="Arial" panose="020B0604020202020204" pitchFamily="34" charset="0"/>
-              </a:rPr>
-              <a:t>Masse</a:t>
-            </a:r>
-          </a:p>
-        </p:txBody>
-      </p:sp>
-      <p:sp>
-        <p:nvSpPr>
-          <p:cNvPr id="62" name="Geschweifte Klammer rechts 61">
-            <a:extLst>
-              <a:ext uri="{FF2B5EF4-FFF2-40B4-BE49-F238E27FC236}">
-                <a16:creationId xmlns:a16="http://schemas.microsoft.com/office/drawing/2014/main" id="{6E9B12E5-2625-4A18-8798-A25C179631E3}"/>
+                <a16:creationId xmlns:a16="http://schemas.microsoft.com/office/drawing/2014/main" id="{6DEECBD7-96BD-4817-A49E-08837058351E}"/>
               </a:ext>
             </a:extLst>
           </p:cNvPr>
@@ -6278,7 +5772,7 @@
         </p:nvSpPr>
         <p:spPr>
           <a:xfrm rot="5400000">
-            <a:off x="3740742" y="5932290"/>
+            <a:off x="4501419" y="5933547"/>
             <a:ext cx="113881" cy="326084"/>
           </a:xfrm>
           <a:prstGeom prst="rightBrace">
@@ -6315,10 +5809,10 @@
       </p:sp>
       <p:sp>
         <p:nvSpPr>
-          <p:cNvPr id="63" name="Geschweifte Klammer rechts 62">
+          <p:cNvPr id="64" name="Geschweifte Klammer rechts 63">
             <a:extLst>
               <a:ext uri="{FF2B5EF4-FFF2-40B4-BE49-F238E27FC236}">
-                <a16:creationId xmlns:a16="http://schemas.microsoft.com/office/drawing/2014/main" id="{6DEECBD7-96BD-4817-A49E-08837058351E}"/>
+                <a16:creationId xmlns:a16="http://schemas.microsoft.com/office/drawing/2014/main" id="{3E779BBC-0268-4B44-BA68-6661EDFA35EC}"/>
               </a:ext>
             </a:extLst>
           </p:cNvPr>
@@ -6327,7 +5821,7 @@
         </p:nvSpPr>
         <p:spPr>
           <a:xfrm rot="5400000">
-            <a:off x="4613974" y="5925914"/>
+            <a:off x="5592110" y="5936641"/>
             <a:ext cx="113881" cy="326084"/>
           </a:xfrm>
           <a:prstGeom prst="rightBrace">
@@ -6364,10 +5858,10 @@
       </p:sp>
       <p:sp>
         <p:nvSpPr>
-          <p:cNvPr id="64" name="Geschweifte Klammer rechts 63">
+          <p:cNvPr id="65" name="Geschweifte Klammer rechts 64">
             <a:extLst>
               <a:ext uri="{FF2B5EF4-FFF2-40B4-BE49-F238E27FC236}">
-                <a16:creationId xmlns:a16="http://schemas.microsoft.com/office/drawing/2014/main" id="{3E779BBC-0268-4B44-BA68-6661EDFA35EC}"/>
+                <a16:creationId xmlns:a16="http://schemas.microsoft.com/office/drawing/2014/main" id="{E45B9052-3B7F-42F4-B127-2DAA2C704020}"/>
               </a:ext>
             </a:extLst>
           </p:cNvPr>
@@ -6376,7 +5870,7 @@
         </p:nvSpPr>
         <p:spPr>
           <a:xfrm rot="5400000">
-            <a:off x="5436091" y="5928968"/>
+            <a:off x="6526613" y="5941187"/>
             <a:ext cx="113881" cy="326084"/>
           </a:xfrm>
           <a:prstGeom prst="rightBrace">
@@ -6413,55 +5907,6 @@
       </p:sp>
       <p:sp>
         <p:nvSpPr>
-          <p:cNvPr id="65" name="Geschweifte Klammer rechts 64">
-            <a:extLst>
-              <a:ext uri="{FF2B5EF4-FFF2-40B4-BE49-F238E27FC236}">
-                <a16:creationId xmlns:a16="http://schemas.microsoft.com/office/drawing/2014/main" id="{E45B9052-3B7F-42F4-B127-2DAA2C704020}"/>
-              </a:ext>
-            </a:extLst>
-          </p:cNvPr>
-          <p:cNvSpPr/>
-          <p:nvPr/>
-        </p:nvSpPr>
-        <p:spPr>
-          <a:xfrm rot="5400000">
-            <a:off x="6294561" y="5928969"/>
-            <a:ext cx="113881" cy="326084"/>
-          </a:xfrm>
-          <a:prstGeom prst="rightBrace">
-            <a:avLst/>
-          </a:prstGeom>
-          <a:ln w="19050">
-            <a:solidFill>
-              <a:schemeClr val="tx1"/>
-            </a:solidFill>
-          </a:ln>
-        </p:spPr>
-        <p:style>
-          <a:lnRef idx="1">
-            <a:schemeClr val="dk1"/>
-          </a:lnRef>
-          <a:fillRef idx="0">
-            <a:schemeClr val="dk1"/>
-          </a:fillRef>
-          <a:effectRef idx="0">
-            <a:schemeClr val="dk1"/>
-          </a:effectRef>
-          <a:fontRef idx="minor">
-            <a:schemeClr val="tx1"/>
-          </a:fontRef>
-        </p:style>
-        <p:txBody>
-          <a:bodyPr rtlCol="0" anchor="ctr"/>
-          <a:lstStyle/>
-          <a:p>
-            <a:pPr algn="ctr"/>
-            <a:endParaRPr lang="de-DE"/>
-          </a:p>
-        </p:txBody>
-      </p:sp>
-      <p:sp>
-        <p:nvSpPr>
           <p:cNvPr id="66" name="Textfeld 65">
             <a:extLst>
               <a:ext uri="{FF2B5EF4-FFF2-40B4-BE49-F238E27FC236}">
@@ -6474,8 +5919,8 @@
         </p:nvSpPr>
         <p:spPr>
           <a:xfrm>
-            <a:off x="3444355" y="6161645"/>
-            <a:ext cx="730439" cy="223138"/>
+            <a:off x="3127203" y="6125995"/>
+            <a:ext cx="782449" cy="353943"/>
           </a:xfrm>
           <a:prstGeom prst="rect">
             <a:avLst/>
@@ -6497,7 +5942,7 @@
                 <a:ea typeface="Times New Roman"/>
                 <a:cs typeface="Arial" panose="020B0604020202020204" pitchFamily="34" charset="0"/>
               </a:rPr>
-              <a:t>Connector</a:t>
+              <a:t>Spannung-Strom-C.</a:t>
             </a:r>
           </a:p>
         </p:txBody>
@@ -6516,8 +5961,8 @@
         </p:nvSpPr>
         <p:spPr>
           <a:xfrm>
-            <a:off x="4305694" y="6161645"/>
-            <a:ext cx="730439" cy="223138"/>
+            <a:off x="4238919" y="6130897"/>
+            <a:ext cx="730439" cy="353943"/>
           </a:xfrm>
           <a:prstGeom prst="rect">
             <a:avLst/>
@@ -6539,7 +5984,7 @@
                 <a:ea typeface="Times New Roman"/>
                 <a:cs typeface="Arial" panose="020B0604020202020204" pitchFamily="34" charset="0"/>
               </a:rPr>
-              <a:t>Connector</a:t>
+              <a:t>Winkel-Moment-C.</a:t>
             </a:r>
           </a:p>
         </p:txBody>
@@ -6558,8 +6003,8 @@
         </p:nvSpPr>
         <p:spPr>
           <a:xfrm>
-            <a:off x="5136273" y="6156091"/>
-            <a:ext cx="730439" cy="223138"/>
+            <a:off x="5428590" y="6134994"/>
+            <a:ext cx="555978" cy="353943"/>
           </a:xfrm>
           <a:prstGeom prst="rect">
             <a:avLst/>
@@ -6581,49 +6026,7 @@
                 <a:ea typeface="Times New Roman"/>
                 <a:cs typeface="Arial" panose="020B0604020202020204" pitchFamily="34" charset="0"/>
               </a:rPr>
-              <a:t>Connector</a:t>
-            </a:r>
-          </a:p>
-        </p:txBody>
-      </p:sp>
-      <p:sp>
-        <p:nvSpPr>
-          <p:cNvPr id="69" name="Textfeld 68">
-            <a:extLst>
-              <a:ext uri="{FF2B5EF4-FFF2-40B4-BE49-F238E27FC236}">
-                <a16:creationId xmlns:a16="http://schemas.microsoft.com/office/drawing/2014/main" id="{19B1E2C9-74BF-4F3F-9DFF-F1226EDF1BB3}"/>
-              </a:ext>
-            </a:extLst>
-          </p:cNvPr>
-          <p:cNvSpPr txBox="1"/>
-          <p:nvPr/>
-        </p:nvSpPr>
-        <p:spPr>
-          <a:xfrm>
-            <a:off x="5986281" y="6150037"/>
-            <a:ext cx="730439" cy="223138"/>
-          </a:xfrm>
-          <a:prstGeom prst="rect">
-            <a:avLst/>
-          </a:prstGeom>
-          <a:noFill/>
-        </p:spPr>
-        <p:txBody>
-          <a:bodyPr wrap="square" rtlCol="0">
-            <a:spAutoFit/>
-          </a:bodyPr>
-          <a:lstStyle/>
-          <a:p>
-            <a:r>
-              <a:rPr lang="de-DE" altLang="zh-CN" sz="850" spc="30" dirty="0">
-                <a:solidFill>
-                  <a:srgbClr val="0E0D0B"/>
-                </a:solidFill>
-                <a:latin typeface="Arial" panose="020B0604020202020204" pitchFamily="34" charset="0"/>
-                <a:ea typeface="Times New Roman"/>
-                <a:cs typeface="Arial" panose="020B0604020202020204" pitchFamily="34" charset="0"/>
-              </a:rPr>
-              <a:t>Connector</a:t>
+              <a:t>Kraft-Weg-C.</a:t>
             </a:r>
           </a:p>
         </p:txBody>
@@ -6644,7 +6047,7 @@
         </p:nvCxnSpPr>
         <p:spPr>
           <a:xfrm>
-            <a:off x="4174794" y="6814822"/>
+            <a:off x="5050769" y="6912900"/>
             <a:ext cx="340381" cy="0"/>
           </a:xfrm>
           <a:prstGeom prst="straightConnector1">
@@ -6688,8 +6091,8 @@
         </p:nvCxnSpPr>
         <p:spPr>
           <a:xfrm flipH="1">
-            <a:off x="4110818" y="7031610"/>
-            <a:ext cx="404357" cy="0"/>
+            <a:off x="5066304" y="7037960"/>
+            <a:ext cx="324846" cy="0"/>
           </a:xfrm>
           <a:prstGeom prst="straightConnector1">
             <a:avLst/>
@@ -6730,8 +6133,8 @@
         </p:nvSpPr>
         <p:spPr>
           <a:xfrm>
-            <a:off x="2972790" y="6452296"/>
-            <a:ext cx="1868316" cy="223138"/>
+            <a:off x="3757173" y="6522727"/>
+            <a:ext cx="1868316" cy="1007968"/>
           </a:xfrm>
           <a:prstGeom prst="rect">
             <a:avLst/>
@@ -6756,14 +6159,280 @@
               <a:t>Bedeutung der Pfeilrichtung</a:t>
             </a:r>
           </a:p>
-        </p:txBody>
-      </p:sp>
-      <p:sp>
-        <p:nvSpPr>
-          <p:cNvPr id="73" name="Textfeld 72">
+          <a:p>
+            <a:pPr marL="171450" indent="-171450">
+              <a:buFont typeface="Arial" panose="020B0604020202020204" pitchFamily="34" charset="0"/>
+              <a:buChar char="•"/>
+            </a:pPr>
+            <a:r>
+              <a:rPr lang="de-DE" altLang="zh-CN" sz="850" spc="30" dirty="0">
+                <a:solidFill>
+                  <a:srgbClr val="0E0D0B"/>
+                </a:solidFill>
+                <a:latin typeface="Arial" panose="020B0604020202020204" pitchFamily="34" charset="0"/>
+                <a:ea typeface="Times New Roman"/>
+                <a:cs typeface="Arial" panose="020B0604020202020204" pitchFamily="34" charset="0"/>
+              </a:rPr>
+              <a:t>Seilzug hebt Last</a:t>
+            </a:r>
+          </a:p>
+          <a:p>
+            <a:pPr marL="171450" indent="-171450">
+              <a:buFont typeface="Arial" panose="020B0604020202020204" pitchFamily="34" charset="0"/>
+              <a:buChar char="•"/>
+            </a:pPr>
+            <a:r>
+              <a:rPr lang="de-DE" altLang="zh-CN" sz="850" spc="30" dirty="0">
+                <a:solidFill>
+                  <a:srgbClr val="0E0D0B"/>
+                </a:solidFill>
+                <a:latin typeface="Arial" panose="020B0604020202020204" pitchFamily="34" charset="0"/>
+                <a:ea typeface="Times New Roman"/>
+                <a:cs typeface="Arial" panose="020B0604020202020204" pitchFamily="34" charset="0"/>
+              </a:rPr>
+              <a:t>Seilzug senkt Last</a:t>
+            </a:r>
+          </a:p>
+          <a:p>
+            <a:pPr marL="171450" indent="-171450">
+              <a:buFont typeface="Arial" panose="020B0604020202020204" pitchFamily="34" charset="0"/>
+              <a:buChar char="•"/>
+            </a:pPr>
+            <a:r>
+              <a:rPr lang="de-DE" altLang="zh-CN" sz="850" spc="30" dirty="0">
+                <a:solidFill>
+                  <a:srgbClr val="0E0D0B"/>
+                </a:solidFill>
+                <a:latin typeface="Arial" panose="020B0604020202020204" pitchFamily="34" charset="0"/>
+                <a:ea typeface="Times New Roman"/>
+                <a:cs typeface="Arial" panose="020B0604020202020204" pitchFamily="34" charset="0"/>
+              </a:rPr>
+              <a:t>Keine Pfeile: System befindet sich im Stillstand, E-Motor ist ausgeschaltet</a:t>
+            </a:r>
+          </a:p>
+          <a:p>
+            <a:endParaRPr lang="de-DE" altLang="zh-CN" sz="850" spc="30" dirty="0">
+              <a:solidFill>
+                <a:srgbClr val="0E0D0B"/>
+              </a:solidFill>
+              <a:latin typeface="Arial" panose="020B0604020202020204" pitchFamily="34" charset="0"/>
+              <a:ea typeface="Times New Roman"/>
+              <a:cs typeface="Arial" panose="020B0604020202020204" pitchFamily="34" charset="0"/>
+            </a:endParaRPr>
+          </a:p>
+        </p:txBody>
+      </p:sp>
+      <p:pic>
+        <p:nvPicPr>
+          <p:cNvPr id="74" name="Grafik 73">
             <a:extLst>
               <a:ext uri="{FF2B5EF4-FFF2-40B4-BE49-F238E27FC236}">
-                <a16:creationId xmlns:a16="http://schemas.microsoft.com/office/drawing/2014/main" id="{35F52759-E8CC-43E9-8828-BBC69DB5BE46}"/>
+                <a16:creationId xmlns:a16="http://schemas.microsoft.com/office/drawing/2014/main" id="{30F768EE-E588-43DB-A680-00F72DAF1913}"/>
+              </a:ext>
+            </a:extLst>
+          </p:cNvPr>
+          <p:cNvPicPr>
+            <a:picLocks noChangeAspect="1"/>
+          </p:cNvPicPr>
+          <p:nvPr/>
+        </p:nvPicPr>
+        <p:blipFill>
+          <a:blip r:embed="rId4"/>
+          <a:stretch>
+            <a:fillRect/>
+          </a:stretch>
+        </p:blipFill>
+        <p:spPr>
+          <a:xfrm>
+            <a:off x="305297" y="5466155"/>
+            <a:ext cx="1921902" cy="2102594"/>
+          </a:xfrm>
+          <a:prstGeom prst="rect">
+            <a:avLst/>
+          </a:prstGeom>
+        </p:spPr>
+      </p:pic>
+      <p:pic>
+        <p:nvPicPr>
+          <p:cNvPr id="6" name="Grafik 5">
+            <a:extLst>
+              <a:ext uri="{FF2B5EF4-FFF2-40B4-BE49-F238E27FC236}">
+                <a16:creationId xmlns:a16="http://schemas.microsoft.com/office/drawing/2014/main" id="{2929FE9C-426D-4931-ACEE-D80BC3F2904C}"/>
+              </a:ext>
+            </a:extLst>
+          </p:cNvPr>
+          <p:cNvPicPr>
+            <a:picLocks/>
+          </p:cNvPicPr>
+          <p:nvPr/>
+        </p:nvPicPr>
+        <p:blipFill rotWithShape="1">
+          <a:blip r:embed="rId5"/>
+          <a:srcRect l="1065" t="2405" b="2618"/>
+          <a:stretch/>
+        </p:blipFill>
+        <p:spPr>
+          <a:xfrm>
+            <a:off x="2606190" y="5624276"/>
+            <a:ext cx="612000" cy="360000"/>
+          </a:xfrm>
+          <a:prstGeom prst="rect">
+            <a:avLst/>
+          </a:prstGeom>
+        </p:spPr>
+      </p:pic>
+      <p:cxnSp>
+        <p:nvCxnSpPr>
+          <p:cNvPr id="50" name="Gerade Verbindung mit Pfeil 49">
+            <a:extLst>
+              <a:ext uri="{FF2B5EF4-FFF2-40B4-BE49-F238E27FC236}">
+                <a16:creationId xmlns:a16="http://schemas.microsoft.com/office/drawing/2014/main" id="{EE748CD6-3CDE-46A9-B7B8-67EE24E21E00}"/>
+              </a:ext>
+            </a:extLst>
+          </p:cNvPr>
+          <p:cNvCxnSpPr>
+            <a:cxnSpLocks/>
+          </p:cNvCxnSpPr>
+          <p:nvPr/>
+        </p:nvCxnSpPr>
+        <p:spPr>
+          <a:xfrm flipH="1">
+            <a:off x="3252246" y="5922900"/>
+            <a:ext cx="404357" cy="0"/>
+          </a:xfrm>
+          <a:prstGeom prst="straightConnector1">
+            <a:avLst/>
+          </a:prstGeom>
+          <a:ln w="28575">
+            <a:solidFill>
+              <a:srgbClr val="F3BB07"/>
+            </a:solidFill>
+            <a:tailEnd type="triangle"/>
+          </a:ln>
+        </p:spPr>
+        <p:style>
+          <a:lnRef idx="1">
+            <a:schemeClr val="dk1"/>
+          </a:lnRef>
+          <a:fillRef idx="0">
+            <a:schemeClr val="dk1"/>
+          </a:fillRef>
+          <a:effectRef idx="0">
+            <a:schemeClr val="dk1"/>
+          </a:effectRef>
+          <a:fontRef idx="minor">
+            <a:schemeClr val="tx1"/>
+          </a:fontRef>
+        </p:style>
+      </p:cxnSp>
+      <p:cxnSp>
+        <p:nvCxnSpPr>
+          <p:cNvPr id="40" name="Gerade Verbindung mit Pfeil 39">
+            <a:extLst>
+              <a:ext uri="{FF2B5EF4-FFF2-40B4-BE49-F238E27FC236}">
+                <a16:creationId xmlns:a16="http://schemas.microsoft.com/office/drawing/2014/main" id="{FDB45F8A-29B9-4F73-809B-ECED0568B19A}"/>
+              </a:ext>
+            </a:extLst>
+          </p:cNvPr>
+          <p:cNvCxnSpPr>
+            <a:cxnSpLocks/>
+          </p:cNvCxnSpPr>
+          <p:nvPr/>
+        </p:nvCxnSpPr>
+        <p:spPr>
+          <a:xfrm>
+            <a:off x="3303522" y="5689600"/>
+            <a:ext cx="340381" cy="0"/>
+          </a:xfrm>
+          <a:prstGeom prst="straightConnector1">
+            <a:avLst/>
+          </a:prstGeom>
+          <a:ln w="28575">
+            <a:solidFill>
+              <a:srgbClr val="F3BB07"/>
+            </a:solidFill>
+            <a:tailEnd type="triangle"/>
+          </a:ln>
+        </p:spPr>
+        <p:style>
+          <a:lnRef idx="1">
+            <a:schemeClr val="dk1"/>
+          </a:lnRef>
+          <a:fillRef idx="0">
+            <a:schemeClr val="dk1"/>
+          </a:fillRef>
+          <a:effectRef idx="0">
+            <a:schemeClr val="dk1"/>
+          </a:effectRef>
+          <a:fontRef idx="minor">
+            <a:schemeClr val="tx1"/>
+          </a:fontRef>
+        </p:style>
+      </p:cxnSp>
+      <p:pic>
+        <p:nvPicPr>
+          <p:cNvPr id="75" name="Grafik 74">
+            <a:extLst>
+              <a:ext uri="{FF2B5EF4-FFF2-40B4-BE49-F238E27FC236}">
+                <a16:creationId xmlns:a16="http://schemas.microsoft.com/office/drawing/2014/main" id="{DBF4A582-F0CD-4112-9ED1-0F7B6B83EBCD}"/>
+              </a:ext>
+            </a:extLst>
+          </p:cNvPr>
+          <p:cNvPicPr>
+            <a:picLocks noChangeAspect="1"/>
+          </p:cNvPicPr>
+          <p:nvPr/>
+        </p:nvPicPr>
+        <p:blipFill rotWithShape="1">
+          <a:blip r:embed="rId6"/>
+          <a:srcRect l="2227" t="3679" r="-1"/>
+          <a:stretch/>
+        </p:blipFill>
+        <p:spPr>
+          <a:xfrm>
+            <a:off x="3669209" y="5582681"/>
+            <a:ext cx="612000" cy="502423"/>
+          </a:xfrm>
+          <a:prstGeom prst="rect">
+            <a:avLst/>
+          </a:prstGeom>
+        </p:spPr>
+      </p:pic>
+      <p:pic>
+        <p:nvPicPr>
+          <p:cNvPr id="76" name="Grafik 75">
+            <a:extLst>
+              <a:ext uri="{FF2B5EF4-FFF2-40B4-BE49-F238E27FC236}">
+                <a16:creationId xmlns:a16="http://schemas.microsoft.com/office/drawing/2014/main" id="{9519AC8E-2C20-4D3A-9B7E-DB4EC0F26D5D}"/>
+              </a:ext>
+            </a:extLst>
+          </p:cNvPr>
+          <p:cNvPicPr>
+            <a:picLocks noChangeAspect="1"/>
+          </p:cNvPicPr>
+          <p:nvPr/>
+        </p:nvPicPr>
+        <p:blipFill rotWithShape="1">
+          <a:blip r:embed="rId7"/>
+          <a:srcRect l="1377" t="5466" r="5270" b="5207"/>
+          <a:stretch/>
+        </p:blipFill>
+        <p:spPr>
+          <a:xfrm>
+            <a:off x="4783961" y="5497595"/>
+            <a:ext cx="612000" cy="519119"/>
+          </a:xfrm>
+          <a:prstGeom prst="rect">
+            <a:avLst/>
+          </a:prstGeom>
+        </p:spPr>
+      </p:pic>
+      <p:sp>
+        <p:nvSpPr>
+          <p:cNvPr id="59" name="Textfeld 58">
+            <a:extLst>
+              <a:ext uri="{FF2B5EF4-FFF2-40B4-BE49-F238E27FC236}">
+                <a16:creationId xmlns:a16="http://schemas.microsoft.com/office/drawing/2014/main" id="{68B04273-9B60-4B9D-9EA0-46BD61FCE118}"/>
               </a:ext>
             </a:extLst>
           </p:cNvPr>
@@ -6772,8 +6441,8 @@
         </p:nvSpPr>
         <p:spPr>
           <a:xfrm>
-            <a:off x="3069445" y="7120195"/>
-            <a:ext cx="1560184" cy="223138"/>
+            <a:off x="4765240" y="5381563"/>
+            <a:ext cx="603042" cy="200055"/>
           </a:xfrm>
           <a:prstGeom prst="rect">
             <a:avLst/>
@@ -6787,6 +6456,150 @@
           <a:lstStyle/>
           <a:p>
             <a:r>
+              <a:rPr lang="de-DE" altLang="zh-CN" sz="700" spc="30" dirty="0">
+                <a:solidFill>
+                  <a:srgbClr val="0E0D0B"/>
+                </a:solidFill>
+                <a:latin typeface="Arial" panose="020B0604020202020204" pitchFamily="34" charset="0"/>
+                <a:ea typeface="Times New Roman"/>
+                <a:cs typeface="Arial" panose="020B0604020202020204" pitchFamily="34" charset="0"/>
+              </a:rPr>
+              <a:t>Seilwinde</a:t>
+            </a:r>
+          </a:p>
+        </p:txBody>
+      </p:sp>
+      <p:pic>
+        <p:nvPicPr>
+          <p:cNvPr id="77" name="Grafik 76">
+            <a:extLst>
+              <a:ext uri="{FF2B5EF4-FFF2-40B4-BE49-F238E27FC236}">
+                <a16:creationId xmlns:a16="http://schemas.microsoft.com/office/drawing/2014/main" id="{72282C8C-FFE8-4EC0-A01C-2384D1B8E77B}"/>
+              </a:ext>
+            </a:extLst>
+          </p:cNvPr>
+          <p:cNvPicPr>
+            <a:picLocks noChangeAspect="1"/>
+          </p:cNvPicPr>
+          <p:nvPr/>
+        </p:nvPicPr>
+        <p:blipFill rotWithShape="1">
+          <a:blip r:embed="rId8"/>
+          <a:srcRect l="5508" t="1862" r="6253" b="2288"/>
+          <a:stretch/>
+        </p:blipFill>
+        <p:spPr>
+          <a:xfrm>
+            <a:off x="5866142" y="5591627"/>
+            <a:ext cx="468000" cy="438103"/>
+          </a:xfrm>
+          <a:prstGeom prst="rect">
+            <a:avLst/>
+          </a:prstGeom>
+        </p:spPr>
+      </p:pic>
+      <p:cxnSp>
+        <p:nvCxnSpPr>
+          <p:cNvPr id="56" name="Gerade Verbindung mit Pfeil 55">
+            <a:extLst>
+              <a:ext uri="{FF2B5EF4-FFF2-40B4-BE49-F238E27FC236}">
+                <a16:creationId xmlns:a16="http://schemas.microsoft.com/office/drawing/2014/main" id="{42606C66-B480-4613-A03A-71118D77D6C8}"/>
+              </a:ext>
+            </a:extLst>
+          </p:cNvPr>
+          <p:cNvCxnSpPr>
+            <a:cxnSpLocks/>
+          </p:cNvCxnSpPr>
+          <p:nvPr/>
+        </p:nvCxnSpPr>
+        <p:spPr>
+          <a:xfrm flipH="1">
+            <a:off x="6374226" y="5933858"/>
+            <a:ext cx="404357" cy="0"/>
+          </a:xfrm>
+          <a:prstGeom prst="straightConnector1">
+            <a:avLst/>
+          </a:prstGeom>
+          <a:ln w="28575">
+            <a:solidFill>
+              <a:srgbClr val="F3BB07"/>
+            </a:solidFill>
+            <a:tailEnd type="triangle"/>
+          </a:ln>
+        </p:spPr>
+        <p:style>
+          <a:lnRef idx="1">
+            <a:schemeClr val="dk1"/>
+          </a:lnRef>
+          <a:fillRef idx="0">
+            <a:schemeClr val="dk1"/>
+          </a:fillRef>
+          <a:effectRef idx="0">
+            <a:schemeClr val="dk1"/>
+          </a:effectRef>
+          <a:fontRef idx="minor">
+            <a:schemeClr val="tx1"/>
+          </a:fontRef>
+        </p:style>
+      </p:cxnSp>
+      <p:pic>
+        <p:nvPicPr>
+          <p:cNvPr id="78" name="Grafik 77">
+            <a:extLst>
+              <a:ext uri="{FF2B5EF4-FFF2-40B4-BE49-F238E27FC236}">
+                <a16:creationId xmlns:a16="http://schemas.microsoft.com/office/drawing/2014/main" id="{1F02A860-FEEF-4F2D-9D25-1B9004073741}"/>
+              </a:ext>
+            </a:extLst>
+          </p:cNvPr>
+          <p:cNvPicPr>
+            <a:picLocks noChangeAspect="1"/>
+          </p:cNvPicPr>
+          <p:nvPr/>
+        </p:nvPicPr>
+        <p:blipFill rotWithShape="1">
+          <a:blip r:embed="rId9"/>
+          <a:srcRect t="4433" r="11155" b="3916"/>
+          <a:stretch/>
+        </p:blipFill>
+        <p:spPr>
+          <a:xfrm>
+            <a:off x="6845129" y="5581618"/>
+            <a:ext cx="483576" cy="435063"/>
+          </a:xfrm>
+          <a:prstGeom prst="rect">
+            <a:avLst/>
+          </a:prstGeom>
+        </p:spPr>
+      </p:pic>
+      <p:sp>
+        <p:nvSpPr>
+          <p:cNvPr id="79" name="Textfeld 78">
+            <a:extLst>
+              <a:ext uri="{FF2B5EF4-FFF2-40B4-BE49-F238E27FC236}">
+                <a16:creationId xmlns:a16="http://schemas.microsoft.com/office/drawing/2014/main" id="{0FB649B4-03D4-44EF-A7F7-BDE99C3C36E9}"/>
+              </a:ext>
+            </a:extLst>
+          </p:cNvPr>
+          <p:cNvSpPr txBox="1"/>
+          <p:nvPr/>
+        </p:nvSpPr>
+        <p:spPr>
+          <a:xfrm>
+            <a:off x="6349910" y="6122685"/>
+            <a:ext cx="555978" cy="353943"/>
+          </a:xfrm>
+          <a:prstGeom prst="rect">
+            <a:avLst/>
+          </a:prstGeom>
+          <a:noFill/>
+        </p:spPr>
+        <p:txBody>
+          <a:bodyPr wrap="square" rtlCol="0">
+            <a:spAutoFit/>
+          </a:bodyPr>
+          <a:lstStyle/>
+          <a:p>
+            <a:r>
               <a:rPr lang="de-DE" altLang="zh-CN" sz="850" spc="30" dirty="0">
                 <a:solidFill>
                   <a:srgbClr val="0E0D0B"/>
@@ -6795,8 +6608,511 @@
                 <a:ea typeface="Times New Roman"/>
                 <a:cs typeface="Arial" panose="020B0604020202020204" pitchFamily="34" charset="0"/>
               </a:rPr>
-              <a:t>Kein Pfeil: E-Motor ist aus</a:t>
-            </a:r>
+              <a:t>Kraft-Weg-C.</a:t>
+            </a:r>
+          </a:p>
+        </p:txBody>
+      </p:sp>
+      <p:sp>
+        <p:nvSpPr>
+          <p:cNvPr id="9" name="Textfeld 8">
+            <a:extLst>
+              <a:ext uri="{FF2B5EF4-FFF2-40B4-BE49-F238E27FC236}">
+                <a16:creationId xmlns:a16="http://schemas.microsoft.com/office/drawing/2014/main" id="{C829F256-37FE-475F-881D-E815A39866B2}"/>
+              </a:ext>
+            </a:extLst>
+          </p:cNvPr>
+          <p:cNvSpPr txBox="1"/>
+          <p:nvPr/>
+        </p:nvSpPr>
+        <p:spPr>
+          <a:xfrm>
+            <a:off x="2723381" y="2030660"/>
+            <a:ext cx="1517650" cy="307777"/>
+          </a:xfrm>
+          <a:prstGeom prst="rect">
+            <a:avLst/>
+          </a:prstGeom>
+          <a:noFill/>
+        </p:spPr>
+        <p:txBody>
+          <a:bodyPr wrap="square" rtlCol="0">
+            <a:spAutoFit/>
+          </a:bodyPr>
+          <a:lstStyle/>
+          <a:p>
+            <a:r>
+              <a:rPr lang="de-DE" sz="1400" b="1" dirty="0">
+                <a:latin typeface="Arial" panose="020B0604020202020204" pitchFamily="34" charset="0"/>
+                <a:cs typeface="Arial" panose="020B0604020202020204" pitchFamily="34" charset="0"/>
+              </a:rPr>
+              <a:t>Einführung</a:t>
+            </a:r>
+          </a:p>
+        </p:txBody>
+      </p:sp>
+      <p:sp>
+        <p:nvSpPr>
+          <p:cNvPr id="82" name="Textfeld 81">
+            <a:extLst>
+              <a:ext uri="{FF2B5EF4-FFF2-40B4-BE49-F238E27FC236}">
+                <a16:creationId xmlns:a16="http://schemas.microsoft.com/office/drawing/2014/main" id="{0439026B-7B1F-4E7B-8CD1-4309CCF17947}"/>
+              </a:ext>
+            </a:extLst>
+          </p:cNvPr>
+          <p:cNvSpPr txBox="1"/>
+          <p:nvPr/>
+        </p:nvSpPr>
+        <p:spPr>
+          <a:xfrm>
+            <a:off x="2099242" y="4794521"/>
+            <a:ext cx="3830239" cy="307777"/>
+          </a:xfrm>
+          <a:prstGeom prst="rect">
+            <a:avLst/>
+          </a:prstGeom>
+          <a:noFill/>
+        </p:spPr>
+        <p:txBody>
+          <a:bodyPr wrap="square" rtlCol="0">
+            <a:spAutoFit/>
+          </a:bodyPr>
+          <a:lstStyle/>
+          <a:p>
+            <a:r>
+              <a:rPr lang="de-DE" sz="1400" b="1" dirty="0">
+                <a:latin typeface="Arial" panose="020B0604020202020204" pitchFamily="34" charset="0"/>
+                <a:cs typeface="Arial" panose="020B0604020202020204" pitchFamily="34" charset="0"/>
+              </a:rPr>
+              <a:t>Eigenschaften des Flaschenzugs </a:t>
+            </a:r>
+          </a:p>
+        </p:txBody>
+      </p:sp>
+      <p:sp>
+        <p:nvSpPr>
+          <p:cNvPr id="10" name="Rechteck 9">
+            <a:extLst>
+              <a:ext uri="{FF2B5EF4-FFF2-40B4-BE49-F238E27FC236}">
+                <a16:creationId xmlns:a16="http://schemas.microsoft.com/office/drawing/2014/main" id="{5B978024-612D-4BA4-BD33-71F1DCF4E249}"/>
+              </a:ext>
+            </a:extLst>
+          </p:cNvPr>
+          <p:cNvSpPr/>
+          <p:nvPr/>
+        </p:nvSpPr>
+        <p:spPr>
+          <a:xfrm>
+            <a:off x="2399757" y="7782156"/>
+            <a:ext cx="2444580" cy="307777"/>
+          </a:xfrm>
+          <a:prstGeom prst="rect">
+            <a:avLst/>
+          </a:prstGeom>
+        </p:spPr>
+        <p:txBody>
+          <a:bodyPr wrap="none">
+            <a:spAutoFit/>
+          </a:bodyPr>
+          <a:lstStyle/>
+          <a:p>
+            <a:r>
+              <a:rPr lang="de-DE" altLang="zh-CN" sz="1400" b="1" spc="90" dirty="0">
+                <a:solidFill>
+                  <a:srgbClr val="0E0D0B"/>
+                </a:solidFill>
+                <a:latin typeface="Arial" panose="020B0604020202020204" pitchFamily="34" charset="0"/>
+                <a:ea typeface="Times New Roman"/>
+                <a:cs typeface="Arial" panose="020B0604020202020204" pitchFamily="34" charset="0"/>
+              </a:rPr>
+              <a:t>Sim</a:t>
+            </a:r>
+            <a:r>
+              <a:rPr lang="de-DE" altLang="zh-CN" sz="1400" b="1" spc="85" dirty="0">
+                <a:solidFill>
+                  <a:srgbClr val="0E0D0B"/>
+                </a:solidFill>
+                <a:latin typeface="Arial" panose="020B0604020202020204" pitchFamily="34" charset="0"/>
+                <a:ea typeface="Times New Roman"/>
+                <a:cs typeface="Arial" panose="020B0604020202020204" pitchFamily="34" charset="0"/>
+              </a:rPr>
+              <a:t>ulationsergebnisse:</a:t>
+            </a:r>
+          </a:p>
+        </p:txBody>
+      </p:sp>
+      <p:sp>
+        <p:nvSpPr>
+          <p:cNvPr id="83" name="Textfeld 82">
+            <a:extLst>
+              <a:ext uri="{FF2B5EF4-FFF2-40B4-BE49-F238E27FC236}">
+                <a16:creationId xmlns:a16="http://schemas.microsoft.com/office/drawing/2014/main" id="{A6883013-3168-434F-897F-6EB002FC3DFA}"/>
+              </a:ext>
+            </a:extLst>
+          </p:cNvPr>
+          <p:cNvSpPr txBox="1"/>
+          <p:nvPr/>
+        </p:nvSpPr>
+        <p:spPr>
+          <a:xfrm>
+            <a:off x="1675424" y="8213362"/>
+            <a:ext cx="1531589" cy="877163"/>
+          </a:xfrm>
+          <a:prstGeom prst="rect">
+            <a:avLst/>
+          </a:prstGeom>
+          <a:noFill/>
+        </p:spPr>
+        <p:txBody>
+          <a:bodyPr wrap="square" rtlCol="0">
+            <a:spAutoFit/>
+          </a:bodyPr>
+          <a:lstStyle/>
+          <a:p>
+            <a:r>
+              <a:rPr lang="de-DE" altLang="zh-CN" sz="850" b="1" spc="85" dirty="0">
+                <a:solidFill>
+                  <a:srgbClr val="0E0D0B"/>
+                </a:solidFill>
+                <a:latin typeface="Arial" panose="020B0604020202020204" pitchFamily="34" charset="0"/>
+                <a:ea typeface="Times New Roman"/>
+                <a:cs typeface="Arial" panose="020B0604020202020204" pitchFamily="34" charset="0"/>
+              </a:rPr>
+              <a:t>Versuch 2</a:t>
+            </a:r>
+          </a:p>
+          <a:p>
+            <a:pPr marL="171450" indent="-171450">
+              <a:buFont typeface="Arial" panose="020B0604020202020204" pitchFamily="34" charset="0"/>
+              <a:buChar char="•"/>
+            </a:pPr>
+            <a:r>
+              <a:rPr lang="de-DE" altLang="zh-CN" sz="850" spc="50" dirty="0">
+                <a:solidFill>
+                  <a:srgbClr val="0E0D0B"/>
+                </a:solidFill>
+                <a:latin typeface="Arial" panose="020B0604020202020204" pitchFamily="34" charset="0"/>
+                <a:cs typeface="Arial" panose="020B0604020202020204" pitchFamily="34" charset="0"/>
+              </a:rPr>
+              <a:t>Kraft</a:t>
+            </a:r>
+            <a:r>
+              <a:rPr lang="de-DE" altLang="zh-CN" sz="850" spc="50" dirty="0">
+                <a:solidFill>
+                  <a:srgbClr val="0E0D0B"/>
+                </a:solidFill>
+                <a:latin typeface="Arial" panose="020B0604020202020204" pitchFamily="34" charset="0"/>
+                <a:ea typeface="Times New Roman"/>
+                <a:cs typeface="Arial" panose="020B0604020202020204" pitchFamily="34" charset="0"/>
+              </a:rPr>
+              <a:t>-Weg-Diagramm</a:t>
+            </a:r>
+            <a:r>
+              <a:rPr lang="de-DE" altLang="zh-CN" sz="850" spc="30" dirty="0">
+                <a:solidFill>
+                  <a:srgbClr val="0E0D0B"/>
+                </a:solidFill>
+                <a:latin typeface="Arial" panose="020B0604020202020204" pitchFamily="34" charset="0"/>
+                <a:cs typeface="Arial" panose="020B0604020202020204" pitchFamily="34" charset="0"/>
+              </a:rPr>
+              <a:t> </a:t>
+            </a:r>
+            <a:r>
+              <a:rPr lang="de-DE" altLang="zh-CN" sz="850" spc="60" dirty="0">
+                <a:solidFill>
+                  <a:srgbClr val="0E0D0B"/>
+                </a:solidFill>
+                <a:latin typeface="Arial" panose="020B0604020202020204" pitchFamily="34" charset="0"/>
+                <a:ea typeface="Times New Roman"/>
+                <a:cs typeface="Arial" panose="020B0604020202020204" pitchFamily="34" charset="0"/>
+              </a:rPr>
+              <a:t>der </a:t>
+            </a:r>
+            <a:r>
+              <a:rPr lang="de-DE" altLang="zh-CN" sz="850" spc="55" dirty="0">
+                <a:solidFill>
+                  <a:srgbClr val="0E0D0B"/>
+                </a:solidFill>
+                <a:latin typeface="Arial" panose="020B0604020202020204" pitchFamily="34" charset="0"/>
+                <a:ea typeface="Times New Roman"/>
+                <a:cs typeface="Arial" panose="020B0604020202020204" pitchFamily="34" charset="0"/>
+              </a:rPr>
+              <a:t>Masse (m=5kg) bei (n+1)-Rollen</a:t>
+            </a:r>
+          </a:p>
+          <a:p>
+            <a:pPr marL="171450" indent="-171450">
+              <a:buFont typeface="Arial" panose="020B0604020202020204" pitchFamily="34" charset="0"/>
+              <a:buChar char="•"/>
+            </a:pPr>
+            <a:r>
+              <a:rPr lang="de-DE" altLang="zh-CN" sz="850" spc="25" dirty="0">
+                <a:solidFill>
+                  <a:srgbClr val="0E0D0B"/>
+                </a:solidFill>
+                <a:latin typeface="Arial" panose="020B0604020202020204" pitchFamily="34" charset="0"/>
+                <a:ea typeface="Times New Roman"/>
+                <a:cs typeface="Arial" panose="020B0604020202020204" pitchFamily="34" charset="0"/>
+              </a:rPr>
+              <a:t>Kraft-Weg-Diagramm an Seilwinde</a:t>
+            </a:r>
+          </a:p>
+        </p:txBody>
+      </p:sp>
+      <p:sp>
+        <p:nvSpPr>
+          <p:cNvPr id="69" name="Textfeld 68">
+            <a:extLst>
+              <a:ext uri="{FF2B5EF4-FFF2-40B4-BE49-F238E27FC236}">
+                <a16:creationId xmlns:a16="http://schemas.microsoft.com/office/drawing/2014/main" id="{2CF18587-3D28-42A9-95C1-3D4D3668D8DE}"/>
+              </a:ext>
+            </a:extLst>
+          </p:cNvPr>
+          <p:cNvSpPr txBox="1"/>
+          <p:nvPr/>
+        </p:nvSpPr>
+        <p:spPr>
+          <a:xfrm>
+            <a:off x="262272" y="9087850"/>
+            <a:ext cx="2804778" cy="353943"/>
+          </a:xfrm>
+          <a:prstGeom prst="rect">
+            <a:avLst/>
+          </a:prstGeom>
+          <a:noFill/>
+        </p:spPr>
+        <p:txBody>
+          <a:bodyPr wrap="square" rtlCol="0">
+            <a:spAutoFit/>
+          </a:bodyPr>
+          <a:lstStyle/>
+          <a:p>
+            <a:r>
+              <a:rPr lang="de-DE" altLang="zh-CN" sz="850" b="1" spc="85" dirty="0">
+                <a:solidFill>
+                  <a:srgbClr val="0E0D0B"/>
+                </a:solidFill>
+                <a:latin typeface="Arial" panose="020B0604020202020204" pitchFamily="34" charset="0"/>
+                <a:ea typeface="Times New Roman"/>
+                <a:cs typeface="Arial" panose="020B0604020202020204" pitchFamily="34" charset="0"/>
+              </a:rPr>
+              <a:t>Ausblick</a:t>
+            </a:r>
+          </a:p>
+          <a:p>
+            <a:pPr marL="171450" indent="-171450">
+              <a:buFont typeface="Arial" panose="020B0604020202020204" pitchFamily="34" charset="0"/>
+              <a:buChar char="•"/>
+            </a:pPr>
+            <a:r>
+              <a:rPr lang="de-DE" altLang="zh-CN" sz="850" spc="85" dirty="0">
+                <a:solidFill>
+                  <a:srgbClr val="FF0000"/>
+                </a:solidFill>
+                <a:latin typeface="Arial" panose="020B0604020202020204" pitchFamily="34" charset="0"/>
+                <a:ea typeface="Times New Roman"/>
+                <a:cs typeface="Arial" panose="020B0604020202020204" pitchFamily="34" charset="0"/>
+              </a:rPr>
+              <a:t>Aufzählen von Verbesserungspotentialen</a:t>
+            </a:r>
+          </a:p>
+        </p:txBody>
+      </p:sp>
+      <p:sp>
+        <p:nvSpPr>
+          <p:cNvPr id="73" name="Textfeld 72">
+            <a:extLst>
+              <a:ext uri="{FF2B5EF4-FFF2-40B4-BE49-F238E27FC236}">
+                <a16:creationId xmlns:a16="http://schemas.microsoft.com/office/drawing/2014/main" id="{F01CF538-1FD2-4921-98FE-A585F8D33AE2}"/>
+              </a:ext>
+            </a:extLst>
+          </p:cNvPr>
+          <p:cNvSpPr txBox="1"/>
+          <p:nvPr/>
+        </p:nvSpPr>
+        <p:spPr>
+          <a:xfrm>
+            <a:off x="3432682" y="3822999"/>
+            <a:ext cx="2714118" cy="353943"/>
+          </a:xfrm>
+          <a:prstGeom prst="rect">
+            <a:avLst/>
+          </a:prstGeom>
+          <a:noFill/>
+        </p:spPr>
+        <p:txBody>
+          <a:bodyPr wrap="square" rtlCol="0">
+            <a:spAutoFit/>
+          </a:bodyPr>
+          <a:lstStyle/>
+          <a:p>
+            <a:r>
+              <a:rPr lang="de-DE" altLang="zh-CN" sz="850" b="1" spc="30" dirty="0">
+                <a:solidFill>
+                  <a:srgbClr val="0E0D0B"/>
+                </a:solidFill>
+                <a:latin typeface="Arial" panose="020B0604020202020204" pitchFamily="34" charset="0"/>
+                <a:ea typeface="Times New Roman"/>
+                <a:cs typeface="Arial" panose="020B0604020202020204" pitchFamily="34" charset="0"/>
+              </a:rPr>
+              <a:t>Problemlösungsansatz</a:t>
+            </a:r>
+          </a:p>
+          <a:p>
+            <a:pPr marL="171450" indent="-171450">
+              <a:buFont typeface="Arial" panose="020B0604020202020204" pitchFamily="34" charset="0"/>
+              <a:buChar char="•"/>
+            </a:pPr>
+            <a:r>
+              <a:rPr lang="de-DE" altLang="zh-CN" sz="850" spc="30" dirty="0">
+                <a:solidFill>
+                  <a:srgbClr val="FF0000"/>
+                </a:solidFill>
+                <a:latin typeface="Arial" panose="020B0604020202020204" pitchFamily="34" charset="0"/>
+                <a:ea typeface="Times New Roman"/>
+                <a:cs typeface="Arial" panose="020B0604020202020204" pitchFamily="34" charset="0"/>
+              </a:rPr>
+              <a:t>Vorgehensweise beschreiben</a:t>
+            </a:r>
+          </a:p>
+        </p:txBody>
+      </p:sp>
+      <p:sp>
+        <p:nvSpPr>
+          <p:cNvPr id="80" name="Textfeld 79">
+            <a:extLst>
+              <a:ext uri="{FF2B5EF4-FFF2-40B4-BE49-F238E27FC236}">
+                <a16:creationId xmlns:a16="http://schemas.microsoft.com/office/drawing/2014/main" id="{E10CB1DA-35FA-4D57-B353-10FA3850A226}"/>
+              </a:ext>
+            </a:extLst>
+          </p:cNvPr>
+          <p:cNvSpPr txBox="1"/>
+          <p:nvPr/>
+        </p:nvSpPr>
+        <p:spPr>
+          <a:xfrm>
+            <a:off x="4625105" y="8743909"/>
+            <a:ext cx="2162947" cy="223138"/>
+          </a:xfrm>
+          <a:prstGeom prst="rect">
+            <a:avLst/>
+          </a:prstGeom>
+          <a:noFill/>
+          <a:ln>
+            <a:solidFill>
+              <a:schemeClr val="tx1"/>
+            </a:solidFill>
+            <a:prstDash val="sysDot"/>
+          </a:ln>
+        </p:spPr>
+        <p:txBody>
+          <a:bodyPr wrap="square" rtlCol="0">
+            <a:spAutoFit/>
+          </a:bodyPr>
+          <a:lstStyle/>
+          <a:p>
+            <a:r>
+              <a:rPr lang="de-DE" altLang="zh-CN" sz="850" spc="85" dirty="0">
+                <a:solidFill>
+                  <a:srgbClr val="FF0000"/>
+                </a:solidFill>
+                <a:latin typeface="Arial" panose="020B0604020202020204" pitchFamily="34" charset="0"/>
+                <a:ea typeface="Times New Roman"/>
+                <a:cs typeface="Arial" panose="020B0604020202020204" pitchFamily="34" charset="0"/>
+              </a:rPr>
+              <a:t>Simulationsergebnisse einfügen</a:t>
+            </a:r>
+          </a:p>
+        </p:txBody>
+      </p:sp>
+      <p:sp>
+        <p:nvSpPr>
+          <p:cNvPr id="84" name="Textfeld 83">
+            <a:extLst>
+              <a:ext uri="{FF2B5EF4-FFF2-40B4-BE49-F238E27FC236}">
+                <a16:creationId xmlns:a16="http://schemas.microsoft.com/office/drawing/2014/main" id="{33B95770-9BF9-4293-94A1-BCFC8DB7FC70}"/>
+              </a:ext>
+            </a:extLst>
+          </p:cNvPr>
+          <p:cNvSpPr txBox="1"/>
+          <p:nvPr/>
+        </p:nvSpPr>
+        <p:spPr>
+          <a:xfrm>
+            <a:off x="11048" y="10222674"/>
+            <a:ext cx="3056001" cy="368884"/>
+          </a:xfrm>
+          <a:prstGeom prst="rect">
+            <a:avLst/>
+          </a:prstGeom>
+          <a:noFill/>
+        </p:spPr>
+        <p:txBody>
+          <a:bodyPr wrap="square" rtlCol="0">
+            <a:spAutoFit/>
+          </a:bodyPr>
+          <a:lstStyle/>
+          <a:p>
+            <a:pPr hangingPunct="0">
+              <a:lnSpc>
+                <a:spcPct val="102083"/>
+              </a:lnSpc>
+            </a:pPr>
+            <a:r>
+              <a:rPr lang="de-DE" altLang="zh-CN" sz="600" b="1" spc="25" dirty="0">
+                <a:solidFill>
+                  <a:srgbClr val="1E1919"/>
+                </a:solidFill>
+                <a:latin typeface="Arial" panose="020B0604020202020204" pitchFamily="34" charset="0"/>
+                <a:ea typeface="Times New Roman"/>
+                <a:cs typeface="Arial" panose="020B0604020202020204" pitchFamily="34" charset="0"/>
+              </a:rPr>
+              <a:t>Quellen:</a:t>
+            </a:r>
+          </a:p>
+          <a:p>
+            <a:pPr hangingPunct="0">
+              <a:lnSpc>
+                <a:spcPct val="102083"/>
+              </a:lnSpc>
+            </a:pPr>
+            <a:r>
+              <a:rPr lang="de-DE" altLang="zh-CN" sz="600" spc="25" dirty="0">
+                <a:solidFill>
+                  <a:srgbClr val="1E1919"/>
+                </a:solidFill>
+                <a:latin typeface="Arial" panose="020B0604020202020204" pitchFamily="34" charset="0"/>
+                <a:ea typeface="Times New Roman"/>
+                <a:cs typeface="Arial" panose="020B0604020202020204" pitchFamily="34" charset="0"/>
+              </a:rPr>
+              <a:t>[1] Barth, Mike - Modelica-Seminar Projekt WS 19/20</a:t>
+            </a:r>
+          </a:p>
+          <a:p>
+            <a:pPr hangingPunct="0">
+              <a:lnSpc>
+                <a:spcPct val="102083"/>
+              </a:lnSpc>
+            </a:pPr>
+            <a:r>
+              <a:rPr lang="de-DE" altLang="zh-CN" sz="600" spc="25" dirty="0">
+                <a:solidFill>
+                  <a:srgbClr val="1E1919"/>
+                </a:solidFill>
+                <a:latin typeface="Arial" panose="020B0604020202020204" pitchFamily="34" charset="0"/>
+                <a:ea typeface="Times New Roman"/>
+                <a:cs typeface="Arial" panose="020B0604020202020204" pitchFamily="34" charset="0"/>
+              </a:rPr>
+              <a:t>[2] Barth, Mike - Modelica-Seminar Einführung in Modelica / OME WS19/20</a:t>
+            </a:r>
+            <a:endParaRPr lang="en-US" altLang="zh-CN" sz="600" b="1" spc="40" dirty="0">
+              <a:solidFill>
+                <a:srgbClr val="1E1919"/>
+              </a:solidFill>
+              <a:latin typeface="Arial" panose="020B0604020202020204" pitchFamily="34" charset="0"/>
+              <a:ea typeface="Times New Roman"/>
+              <a:cs typeface="Arial" panose="020B0604020202020204" pitchFamily="34" charset="0"/>
+            </a:endParaRPr>
           </a:p>
         </p:txBody>
       </p:sp>
@@ -6825,62 +7141,12 @@
           <a:chExt cx="0" cy="0"/>
         </a:xfrm>
       </p:grpSpPr>
-      <p:sp>
-        <p:nvSpPr>
-          <p:cNvPr id="2" name="Titel 1">
+      <p:pic>
+        <p:nvPicPr>
+          <p:cNvPr id="6" name="Grafik 5">
             <a:extLst>
               <a:ext uri="{FF2B5EF4-FFF2-40B4-BE49-F238E27FC236}">
-                <a16:creationId xmlns:a16="http://schemas.microsoft.com/office/drawing/2014/main" id="{A2C04205-6341-4333-BB5E-8BDAEA19E3EF}"/>
-              </a:ext>
-            </a:extLst>
-          </p:cNvPr>
-          <p:cNvSpPr>
-            <a:spLocks noGrp="1"/>
-          </p:cNvSpPr>
-          <p:nvPr>
-            <p:ph type="title"/>
-          </p:nvPr>
-        </p:nvSpPr>
-        <p:spPr/>
-        <p:txBody>
-          <a:bodyPr/>
-          <a:lstStyle/>
-          <a:p>
-            <a:endParaRPr lang="de-DE"/>
-          </a:p>
-        </p:txBody>
-      </p:sp>
-      <p:sp>
-        <p:nvSpPr>
-          <p:cNvPr id="3" name="Inhaltsplatzhalter 2">
-            <a:extLst>
-              <a:ext uri="{FF2B5EF4-FFF2-40B4-BE49-F238E27FC236}">
-                <a16:creationId xmlns:a16="http://schemas.microsoft.com/office/drawing/2014/main" id="{6289863E-DFD4-463C-A16F-55A8F63AECCF}"/>
-              </a:ext>
-            </a:extLst>
-          </p:cNvPr>
-          <p:cNvSpPr>
-            <a:spLocks noGrp="1"/>
-          </p:cNvSpPr>
-          <p:nvPr>
-            <p:ph idx="1"/>
-          </p:nvPr>
-        </p:nvSpPr>
-        <p:spPr/>
-        <p:txBody>
-          <a:bodyPr/>
-          <a:lstStyle/>
-          <a:p>
-            <a:endParaRPr lang="de-DE"/>
-          </a:p>
-        </p:txBody>
-      </p:sp>
-      <p:pic>
-        <p:nvPicPr>
-          <p:cNvPr id="4" name="Picture 13">
-            <a:extLst>
-              <a:ext uri="{FF2B5EF4-FFF2-40B4-BE49-F238E27FC236}">
-                <a16:creationId xmlns:a16="http://schemas.microsoft.com/office/drawing/2014/main" id="{AF83A705-4DD2-4361-B755-43374EBD6461}"/>
+                <a16:creationId xmlns:a16="http://schemas.microsoft.com/office/drawing/2014/main" id="{C6387760-6FAD-4D46-8E24-8F8292549260}"/>
               </a:ext>
             </a:extLst>
           </p:cNvPr>
@@ -6897,14 +7163,168 @@
         </p:blipFill>
         <p:spPr>
           <a:xfrm>
-            <a:off x="-693796" y="4932529"/>
-            <a:ext cx="7566659" cy="5852160"/>
+            <a:off x="749676" y="1186384"/>
+            <a:ext cx="1851819" cy="2025922"/>
           </a:xfrm>
           <a:prstGeom prst="rect">
             <a:avLst/>
           </a:prstGeom>
         </p:spPr>
       </p:pic>
+      <p:pic>
+        <p:nvPicPr>
+          <p:cNvPr id="7" name="Grafik 6">
+            <a:extLst>
+              <a:ext uri="{FF2B5EF4-FFF2-40B4-BE49-F238E27FC236}">
+                <a16:creationId xmlns:a16="http://schemas.microsoft.com/office/drawing/2014/main" id="{A17DE4BE-AD5B-4CA7-A8BB-E1C831D7D61C}"/>
+              </a:ext>
+            </a:extLst>
+          </p:cNvPr>
+          <p:cNvPicPr>
+            <a:picLocks noChangeAspect="1"/>
+          </p:cNvPicPr>
+          <p:nvPr/>
+        </p:nvPicPr>
+        <p:blipFill rotWithShape="1">
+          <a:blip r:embed="rId3"/>
+          <a:srcRect l="2227" t="3679" r="-1"/>
+          <a:stretch/>
+        </p:blipFill>
+        <p:spPr>
+          <a:xfrm>
+            <a:off x="2970611" y="1186384"/>
+            <a:ext cx="1197206" cy="982848"/>
+          </a:xfrm>
+          <a:prstGeom prst="rect">
+            <a:avLst/>
+          </a:prstGeom>
+        </p:spPr>
+      </p:pic>
+      <p:pic>
+        <p:nvPicPr>
+          <p:cNvPr id="11" name="Grafik 10">
+            <a:extLst>
+              <a:ext uri="{FF2B5EF4-FFF2-40B4-BE49-F238E27FC236}">
+                <a16:creationId xmlns:a16="http://schemas.microsoft.com/office/drawing/2014/main" id="{4BA1FA44-6559-4915-AB77-6A180B1840CB}"/>
+              </a:ext>
+            </a:extLst>
+          </p:cNvPr>
+          <p:cNvPicPr>
+            <a:picLocks noChangeAspect="1"/>
+          </p:cNvPicPr>
+          <p:nvPr/>
+        </p:nvPicPr>
+        <p:blipFill rotWithShape="1">
+          <a:blip r:embed="rId4"/>
+          <a:srcRect l="1377" t="5466" r="5270" b="5207"/>
+          <a:stretch/>
+        </p:blipFill>
+        <p:spPr>
+          <a:xfrm>
+            <a:off x="4590738" y="2629579"/>
+            <a:ext cx="1680833" cy="1425738"/>
+          </a:xfrm>
+          <a:prstGeom prst="rect">
+            <a:avLst/>
+          </a:prstGeom>
+        </p:spPr>
+      </p:pic>
+      <p:pic>
+        <p:nvPicPr>
+          <p:cNvPr id="12" name="Grafik 11">
+            <a:extLst>
+              <a:ext uri="{FF2B5EF4-FFF2-40B4-BE49-F238E27FC236}">
+                <a16:creationId xmlns:a16="http://schemas.microsoft.com/office/drawing/2014/main" id="{C68862FF-3E23-4479-8A18-14B4DA8F5F7F}"/>
+              </a:ext>
+            </a:extLst>
+          </p:cNvPr>
+          <p:cNvPicPr>
+            <a:picLocks noChangeAspect="1"/>
+          </p:cNvPicPr>
+          <p:nvPr/>
+        </p:nvPicPr>
+        <p:blipFill rotWithShape="1">
+          <a:blip r:embed="rId5"/>
+          <a:srcRect l="5508" t="1862" r="6253" b="2288"/>
+          <a:stretch/>
+        </p:blipFill>
+        <p:spPr>
+          <a:xfrm>
+            <a:off x="4804410" y="1186384"/>
+            <a:ext cx="1253490" cy="1173413"/>
+          </a:xfrm>
+          <a:prstGeom prst="rect">
+            <a:avLst/>
+          </a:prstGeom>
+        </p:spPr>
+      </p:pic>
+      <p:pic>
+        <p:nvPicPr>
+          <p:cNvPr id="14" name="Grafik 13">
+            <a:extLst>
+              <a:ext uri="{FF2B5EF4-FFF2-40B4-BE49-F238E27FC236}">
+                <a16:creationId xmlns:a16="http://schemas.microsoft.com/office/drawing/2014/main" id="{1B357875-E5DE-420A-8252-7CCC18554A44}"/>
+              </a:ext>
+            </a:extLst>
+          </p:cNvPr>
+          <p:cNvPicPr>
+            <a:picLocks noChangeAspect="1"/>
+          </p:cNvPicPr>
+          <p:nvPr/>
+        </p:nvPicPr>
+        <p:blipFill rotWithShape="1">
+          <a:blip r:embed="rId6"/>
+          <a:srcRect t="4433" r="11155" b="3916"/>
+          <a:stretch/>
+        </p:blipFill>
+        <p:spPr>
+          <a:xfrm>
+            <a:off x="2765309" y="2730543"/>
+            <a:ext cx="1360275" cy="1223809"/>
+          </a:xfrm>
+          <a:prstGeom prst="rect">
+            <a:avLst/>
+          </a:prstGeom>
+        </p:spPr>
+      </p:pic>
+      <p:sp>
+        <p:nvSpPr>
+          <p:cNvPr id="15" name="Textfeld 14">
+            <a:extLst>
+              <a:ext uri="{FF2B5EF4-FFF2-40B4-BE49-F238E27FC236}">
+                <a16:creationId xmlns:a16="http://schemas.microsoft.com/office/drawing/2014/main" id="{A4E5A053-96E3-40EB-A20A-642D127D8F35}"/>
+              </a:ext>
+            </a:extLst>
+          </p:cNvPr>
+          <p:cNvSpPr txBox="1"/>
+          <p:nvPr/>
+        </p:nvSpPr>
+        <p:spPr>
+          <a:xfrm>
+            <a:off x="3475973" y="381000"/>
+            <a:ext cx="818075" cy="646331"/>
+          </a:xfrm>
+          <a:prstGeom prst="rect">
+            <a:avLst/>
+          </a:prstGeom>
+          <a:noFill/>
+        </p:spPr>
+        <p:txBody>
+          <a:bodyPr wrap="square" rtlCol="0">
+            <a:spAutoFit/>
+          </a:bodyPr>
+          <a:lstStyle/>
+          <a:p>
+            <a:r>
+              <a:rPr lang="de-DE" b="1" dirty="0">
+                <a:latin typeface="Arial" panose="020B0604020202020204" pitchFamily="34" charset="0"/>
+                <a:cs typeface="Arial" panose="020B0604020202020204" pitchFamily="34" charset="0"/>
+              </a:rPr>
+              <a:t>Bilder</a:t>
+            </a:r>
+          </a:p>
+        </p:txBody>
+      </p:sp>
     </p:spTree>
     <p:extLst>
       <p:ext uri="{BB962C8B-B14F-4D97-AF65-F5344CB8AC3E}">

--- a/Flaschenzug_Poster.pptx
+++ b/Flaschenzug_Poster.pptx
@@ -303,7 +303,7 @@
           <a:p>
             <a:fld id="{7A56DD26-32A4-2A43-990A-6F7E5E73786E}" type="datetimeFigureOut">
               <a:rPr lang="en-US" smtClean="0"/>
-              <a:t>12/10/2019</a:t>
+              <a:t>12/11/2019</a:t>
             </a:fld>
             <a:endParaRPr lang="en-US"/>
           </a:p>
@@ -466,7 +466,7 @@
           <a:p>
             <a:fld id="{7A56DD26-32A4-2A43-990A-6F7E5E73786E}" type="datetimeFigureOut">
               <a:rPr lang="en-US" smtClean="0"/>
-              <a:t>12/10/2019</a:t>
+              <a:t>12/11/2019</a:t>
             </a:fld>
             <a:endParaRPr lang="en-US"/>
           </a:p>
@@ -639,7 +639,7 @@
           <a:p>
             <a:fld id="{7A56DD26-32A4-2A43-990A-6F7E5E73786E}" type="datetimeFigureOut">
               <a:rPr lang="en-US" smtClean="0"/>
-              <a:t>12/10/2019</a:t>
+              <a:t>12/11/2019</a:t>
             </a:fld>
             <a:endParaRPr lang="en-US"/>
           </a:p>
@@ -802,7 +802,7 @@
           <a:p>
             <a:fld id="{7A56DD26-32A4-2A43-990A-6F7E5E73786E}" type="datetimeFigureOut">
               <a:rPr lang="en-US" smtClean="0"/>
-              <a:t>12/10/2019</a:t>
+              <a:t>12/11/2019</a:t>
             </a:fld>
             <a:endParaRPr lang="en-US"/>
           </a:p>
@@ -1042,7 +1042,7 @@
           <a:p>
             <a:fld id="{7A56DD26-32A4-2A43-990A-6F7E5E73786E}" type="datetimeFigureOut">
               <a:rPr lang="en-US" smtClean="0"/>
-              <a:t>12/10/2019</a:t>
+              <a:t>12/11/2019</a:t>
             </a:fld>
             <a:endParaRPr lang="en-US"/>
           </a:p>
@@ -1322,7 +1322,7 @@
           <a:p>
             <a:fld id="{7A56DD26-32A4-2A43-990A-6F7E5E73786E}" type="datetimeFigureOut">
               <a:rPr lang="en-US" smtClean="0"/>
-              <a:t>12/10/2019</a:t>
+              <a:t>12/11/2019</a:t>
             </a:fld>
             <a:endParaRPr lang="en-US"/>
           </a:p>
@@ -1736,7 +1736,7 @@
           <a:p>
             <a:fld id="{7A56DD26-32A4-2A43-990A-6F7E5E73786E}" type="datetimeFigureOut">
               <a:rPr lang="en-US" smtClean="0"/>
-              <a:t>12/10/2019</a:t>
+              <a:t>12/11/2019</a:t>
             </a:fld>
             <a:endParaRPr lang="en-US"/>
           </a:p>
@@ -1848,7 +1848,7 @@
           <a:p>
             <a:fld id="{7A56DD26-32A4-2A43-990A-6F7E5E73786E}" type="datetimeFigureOut">
               <a:rPr lang="en-US" smtClean="0"/>
-              <a:t>12/10/2019</a:t>
+              <a:t>12/11/2019</a:t>
             </a:fld>
             <a:endParaRPr lang="en-US"/>
           </a:p>
@@ -1938,7 +1938,7 @@
           <a:p>
             <a:fld id="{7A56DD26-32A4-2A43-990A-6F7E5E73786E}" type="datetimeFigureOut">
               <a:rPr lang="en-US" smtClean="0"/>
-              <a:t>12/10/2019</a:t>
+              <a:t>12/11/2019</a:t>
             </a:fld>
             <a:endParaRPr lang="en-US"/>
           </a:p>
@@ -2208,7 +2208,7 @@
           <a:p>
             <a:fld id="{7A56DD26-32A4-2A43-990A-6F7E5E73786E}" type="datetimeFigureOut">
               <a:rPr lang="en-US" smtClean="0"/>
-              <a:t>12/10/2019</a:t>
+              <a:t>12/11/2019</a:t>
             </a:fld>
             <a:endParaRPr lang="en-US"/>
           </a:p>
@@ -2455,7 +2455,7 @@
           <a:p>
             <a:fld id="{7A56DD26-32A4-2A43-990A-6F7E5E73786E}" type="datetimeFigureOut">
               <a:rPr lang="en-US" smtClean="0"/>
-              <a:t>12/10/2019</a:t>
+              <a:t>12/11/2019</a:t>
             </a:fld>
             <a:endParaRPr lang="en-US"/>
           </a:p>
@@ -2663,7 +2663,7 @@
           <a:p>
             <a:fld id="{7A56DD26-32A4-2A43-990A-6F7E5E73786E}" type="datetimeFigureOut">
               <a:rPr lang="en-US" smtClean="0"/>
-              <a:t>12/10/2019</a:t>
+              <a:t>12/11/2019</a:t>
             </a:fld>
             <a:endParaRPr lang="en-US"/>
           </a:p>
@@ -3033,6 +3033,129 @@
           <a:chExt cx="0" cy="0"/>
         </a:xfrm>
       </p:grpSpPr>
+      <p:cxnSp>
+        <p:nvCxnSpPr>
+          <p:cNvPr id="88" name="Gerader Verbinder 87">
+            <a:extLst>
+              <a:ext uri="{FF2B5EF4-FFF2-40B4-BE49-F238E27FC236}">
+                <a16:creationId xmlns:a16="http://schemas.microsoft.com/office/drawing/2014/main" id="{9D0D5525-12AB-42D0-B2C4-320821ED71D2}"/>
+              </a:ext>
+            </a:extLst>
+          </p:cNvPr>
+          <p:cNvCxnSpPr/>
+          <p:nvPr/>
+        </p:nvCxnSpPr>
+        <p:spPr>
+          <a:xfrm flipV="1">
+            <a:off x="-8222" y="2044899"/>
+            <a:ext cx="7561263" cy="45009"/>
+          </a:xfrm>
+          <a:prstGeom prst="line">
+            <a:avLst/>
+          </a:prstGeom>
+          <a:ln w="19050">
+            <a:solidFill>
+              <a:schemeClr val="tx1"/>
+            </a:solidFill>
+          </a:ln>
+        </p:spPr>
+        <p:style>
+          <a:lnRef idx="1">
+            <a:schemeClr val="dk1"/>
+          </a:lnRef>
+          <a:fillRef idx="0">
+            <a:schemeClr val="dk1"/>
+          </a:fillRef>
+          <a:effectRef idx="0">
+            <a:schemeClr val="dk1"/>
+          </a:effectRef>
+          <a:fontRef idx="minor">
+            <a:schemeClr val="tx1"/>
+          </a:fontRef>
+        </p:style>
+      </p:cxnSp>
+      <p:cxnSp>
+        <p:nvCxnSpPr>
+          <p:cNvPr id="89" name="Gerader Verbinder 88">
+            <a:extLst>
+              <a:ext uri="{FF2B5EF4-FFF2-40B4-BE49-F238E27FC236}">
+                <a16:creationId xmlns:a16="http://schemas.microsoft.com/office/drawing/2014/main" id="{EF4A0FEC-1AEE-48C2-B7B8-F01CE886D6FD}"/>
+              </a:ext>
+            </a:extLst>
+          </p:cNvPr>
+          <p:cNvCxnSpPr/>
+          <p:nvPr/>
+        </p:nvCxnSpPr>
+        <p:spPr>
+          <a:xfrm flipV="1">
+            <a:off x="-9243" y="1754040"/>
+            <a:ext cx="7561263" cy="45009"/>
+          </a:xfrm>
+          <a:prstGeom prst="line">
+            <a:avLst/>
+          </a:prstGeom>
+          <a:ln w="19050">
+            <a:solidFill>
+              <a:schemeClr val="tx1"/>
+            </a:solidFill>
+          </a:ln>
+        </p:spPr>
+        <p:style>
+          <a:lnRef idx="1">
+            <a:schemeClr val="dk1"/>
+          </a:lnRef>
+          <a:fillRef idx="0">
+            <a:schemeClr val="dk1"/>
+          </a:fillRef>
+          <a:effectRef idx="0">
+            <a:schemeClr val="dk1"/>
+          </a:effectRef>
+          <a:fontRef idx="minor">
+            <a:schemeClr val="tx1"/>
+          </a:fontRef>
+        </p:style>
+      </p:cxnSp>
+      <p:cxnSp>
+        <p:nvCxnSpPr>
+          <p:cNvPr id="86" name="Gerader Verbinder 85">
+            <a:extLst>
+              <a:ext uri="{FF2B5EF4-FFF2-40B4-BE49-F238E27FC236}">
+                <a16:creationId xmlns:a16="http://schemas.microsoft.com/office/drawing/2014/main" id="{1794645B-1EF8-4098-987E-835B4405D553}"/>
+              </a:ext>
+            </a:extLst>
+          </p:cNvPr>
+          <p:cNvCxnSpPr/>
+          <p:nvPr/>
+        </p:nvCxnSpPr>
+        <p:spPr>
+          <a:xfrm flipV="1">
+            <a:off x="11048" y="8096329"/>
+            <a:ext cx="7561263" cy="45009"/>
+          </a:xfrm>
+          <a:prstGeom prst="line">
+            <a:avLst/>
+          </a:prstGeom>
+          <a:ln w="19050">
+            <a:solidFill>
+              <a:schemeClr val="tx1"/>
+            </a:solidFill>
+          </a:ln>
+        </p:spPr>
+        <p:style>
+          <a:lnRef idx="1">
+            <a:schemeClr val="dk1"/>
+          </a:lnRef>
+          <a:fillRef idx="0">
+            <a:schemeClr val="dk1"/>
+          </a:fillRef>
+          <a:effectRef idx="0">
+            <a:schemeClr val="dk1"/>
+          </a:effectRef>
+          <a:fontRef idx="minor">
+            <a:schemeClr val="tx1"/>
+          </a:fontRef>
+        </p:style>
+      </p:cxnSp>
       <p:sp>
         <p:nvSpPr>
           <p:cNvPr id="14" name="Freeform 3"/>
@@ -3042,7 +3165,7 @@
         <p:spPr>
           <a:xfrm>
             <a:off x="57150" y="442727"/>
-            <a:ext cx="7435850" cy="1758950"/>
+            <a:ext cx="7435850" cy="1271869"/>
           </a:xfrm>
           <a:custGeom>
             <a:avLst/>
@@ -3181,8 +3304,8 @@
         </p:nvSpPr>
         <p:spPr>
           <a:xfrm>
-            <a:off x="117347" y="7921450"/>
-            <a:ext cx="3508272" cy="2034621"/>
+            <a:off x="118376" y="8163326"/>
+            <a:ext cx="3508272" cy="1868137"/>
           </a:xfrm>
           <a:custGeom>
             <a:avLst/>
@@ -3313,8 +3436,8 @@
         </p:nvSpPr>
         <p:spPr>
           <a:xfrm>
-            <a:off x="68595" y="1821157"/>
-            <a:ext cx="7184192" cy="2973363"/>
+            <a:off x="68595" y="2101460"/>
+            <a:ext cx="7184192" cy="2593949"/>
           </a:xfrm>
           <a:custGeom>
             <a:avLst/>
@@ -3453,7 +3576,7 @@
         </p:blipFill>
         <p:spPr>
           <a:xfrm>
-            <a:off x="6088380" y="200660"/>
+            <a:off x="6088379" y="103685"/>
             <a:ext cx="1066800" cy="708660"/>
           </a:xfrm>
           <a:prstGeom prst="rect">
@@ -3477,7 +3600,7 @@
         </p:blipFill>
         <p:spPr>
           <a:xfrm>
-            <a:off x="4937760" y="200660"/>
+            <a:off x="4937760" y="103685"/>
             <a:ext cx="922019" cy="289560"/>
           </a:xfrm>
           <a:prstGeom prst="rect">
@@ -3637,7 +3760,7 @@
         </p:nvSpPr>
         <p:spPr>
           <a:xfrm>
-            <a:off x="409976" y="968323"/>
+            <a:off x="371934" y="739551"/>
             <a:ext cx="5622524" cy="707758"/>
           </a:xfrm>
           <a:prstGeom prst="rect">
@@ -3818,7 +3941,7 @@
         </p:nvSpPr>
         <p:spPr>
           <a:xfrm>
-            <a:off x="185595" y="8213362"/>
+            <a:off x="185595" y="8402977"/>
             <a:ext cx="1531589" cy="877163"/>
           </a:xfrm>
           <a:prstGeom prst="rect">
@@ -3936,7 +4059,7 @@
         </p:nvSpPr>
         <p:spPr>
           <a:xfrm>
-            <a:off x="2435087" y="6515383"/>
+            <a:off x="2435087" y="6484840"/>
             <a:ext cx="1496218" cy="615553"/>
           </a:xfrm>
           <a:prstGeom prst="rect">
@@ -4425,7 +4548,7 @@
         </p:nvSpPr>
         <p:spPr>
           <a:xfrm>
-            <a:off x="5528728" y="6519451"/>
+            <a:off x="5528728" y="6474895"/>
             <a:ext cx="1868316" cy="1331134"/>
           </a:xfrm>
           <a:prstGeom prst="rect">
@@ -4558,7 +4681,7 @@
         </p:nvSpPr>
         <p:spPr>
           <a:xfrm>
-            <a:off x="195611" y="2311041"/>
+            <a:off x="185595" y="2463419"/>
             <a:ext cx="2925954" cy="1269578"/>
           </a:xfrm>
           <a:prstGeom prst="rect">
@@ -4595,29 +4718,7 @@
                 <a:ea typeface="Times New Roman"/>
                 <a:cs typeface="Arial" panose="020B0604020202020204" pitchFamily="34" charset="0"/>
               </a:rPr>
-              <a:t>Im Rahmen des Modelica-Seminars soll ein simulationsfähiges Flaschenzugsystem in </a:t>
-            </a:r>
-            <a:r>
-              <a:rPr lang="de-DE" altLang="zh-CN" sz="850" spc="30" dirty="0" err="1">
-                <a:solidFill>
-                  <a:srgbClr val="0E0D0B"/>
-                </a:solidFill>
-                <a:latin typeface="Arial" panose="020B0604020202020204" pitchFamily="34" charset="0"/>
-                <a:ea typeface="Times New Roman"/>
-                <a:cs typeface="Arial" panose="020B0604020202020204" pitchFamily="34" charset="0"/>
-              </a:rPr>
-              <a:t>OpenModelica</a:t>
-            </a:r>
-            <a:r>
-              <a:rPr lang="de-DE" altLang="zh-CN" sz="850" spc="30" dirty="0">
-                <a:solidFill>
-                  <a:srgbClr val="0E0D0B"/>
-                </a:solidFill>
-                <a:latin typeface="Arial" panose="020B0604020202020204" pitchFamily="34" charset="0"/>
-                <a:ea typeface="Times New Roman"/>
-                <a:cs typeface="Arial" panose="020B0604020202020204" pitchFamily="34" charset="0"/>
-              </a:rPr>
-              <a:t> entwickelt werden. Dazu werden die wichtigsten physikalischen und elektromechanischen Komponenten sowie die Wechselwirkungen innerhalb des Systems in einer Modelica-Bibliothek abgebildet. Das Modell muss folgende Anforderungen erfüllen:</a:t>
+              <a:t>Im Rahmen des Modelica-Seminars soll ein simulationsfähiges Flaschenzugsystem in OpenModelica entwickelt werden. Dazu werden die wichtigsten physikalischen und elektromechanischen Komponenten sowie die Wechselwirkungen innerhalb des Systems in einer Modelica-Bibliothek abgebildet. Das Modell muss folgende Anforderungen erfüllen:</a:t>
             </a:r>
           </a:p>
         </p:txBody>
@@ -4636,8 +4737,8 @@
         </p:nvSpPr>
         <p:spPr>
           <a:xfrm>
-            <a:off x="3432682" y="2311552"/>
-            <a:ext cx="3672968" cy="1531188"/>
+            <a:off x="3408176" y="2489123"/>
+            <a:ext cx="3672968" cy="1269578"/>
           </a:xfrm>
           <a:prstGeom prst="rect">
             <a:avLst/>
@@ -4681,7 +4782,7 @@
                 <a:ea typeface="Times New Roman"/>
                 <a:cs typeface="Arial" panose="020B0604020202020204" pitchFamily="34" charset="0"/>
               </a:rPr>
-              <a:t>Modelica ist eine C-ähnliche, akausale Modellierungssprache, die physikalische Gesetzmäßigkeiten durch Zustands- und Erhaltungsgleichungen beschreibt. Connectoren stellen Verbindungselemente sog. Schnittstellen zwischen einzelnen Komponente eines Systems dar. Da Ein- und Ausgangsgrößen und deren Verbindungsrichtung nicht explizit definiert sind, wirken Potentialvariablen auf die Schnittstellen des Systems, wodurch eine bidirektionale Weitergabe der Flussvariablen stattfindet. Um eine Simulation starten zu können, muss die Variablenanzahl der Gleichungsanzahl entsprechen.</a:t>
+              <a:t>Modelica ist eine C-ähnliche, akausale Modellierungssprache, die physikalische Gesetzmäßigkeiten durch Zustands- und Erhaltungsgleichungen beschreibt. Connectoren stellen Verbindungselemente sog. Schnittstellen zwischen einzelnen Komponente eines Systems dar. Da Ein- und Ausgangsgrößen und deren Verbindungsrichtung nicht explizit definiert sind, wirken Potentialvariablen auf die Schnittstellen des Systems, wodurch eine bidirektionale Weitergabe der Flussvariablen stattfindet.</a:t>
             </a:r>
           </a:p>
         </p:txBody>
@@ -4701,28 +4802,28 @@
           <p:nvPr>
             <p:extLst>
               <p:ext uri="{D42A27DB-BD31-4B8C-83A1-F6EECF244321}">
-                <p14:modId xmlns:p14="http://schemas.microsoft.com/office/powerpoint/2010/main" val="1353714392"/>
+                <p14:modId xmlns:p14="http://schemas.microsoft.com/office/powerpoint/2010/main" val="3844875461"/>
               </p:ext>
             </p:extLst>
           </p:nvPr>
         </p:nvGraphicFramePr>
         <p:xfrm>
-          <a:off x="262272" y="3536405"/>
-          <a:ext cx="2519680" cy="1038673"/>
+          <a:off x="268010" y="3707615"/>
+          <a:ext cx="2303128" cy="797075"/>
         </p:xfrm>
         <a:graphic>
           <a:graphicData uri="http://schemas.openxmlformats.org/drawingml/2006/table">
             <a:tbl>
               <a:tblPr/>
               <a:tblGrid>
-                <a:gridCol w="1294115">
+                <a:gridCol w="1182893">
                   <a:extLst>
                     <a:ext uri="{9D8B030D-6E8A-4147-A177-3AD203B41FA5}">
                       <a16:colId xmlns:a16="http://schemas.microsoft.com/office/drawing/2014/main" val="3270020738"/>
                     </a:ext>
                   </a:extLst>
                 </a:gridCol>
-                <a:gridCol w="1225565">
+                <a:gridCol w="1120235">
                   <a:extLst>
                     <a:ext uri="{9D8B030D-6E8A-4147-A177-3AD203B41FA5}">
                       <a16:colId xmlns:a16="http://schemas.microsoft.com/office/drawing/2014/main" val="2192697697"/>
@@ -4730,7 +4831,7 @@
                   </a:extLst>
                 </a:gridCol>
               </a:tblGrid>
-              <a:tr h="209260">
+              <a:tr h="137945">
                 <a:tc>
                   <a:txBody>
                     <a:bodyPr/>
@@ -4857,7 +4958,7 @@
                   </a:ext>
                 </a:extLst>
               </a:tr>
-              <a:tr h="264850">
+              <a:tr h="205399">
                 <a:tc>
                   <a:txBody>
                     <a:bodyPr/>
@@ -4978,7 +5079,7 @@
                   </a:ext>
                 </a:extLst>
               </a:tr>
-              <a:tr h="284190">
+              <a:tr h="208515">
                 <a:tc>
                   <a:txBody>
                     <a:bodyPr/>
@@ -5099,7 +5200,7 @@
                   </a:ext>
                 </a:extLst>
               </a:tr>
-              <a:tr h="280373">
+              <a:tr h="205714">
                 <a:tc>
                   <a:txBody>
                     <a:bodyPr/>
@@ -6133,7 +6234,7 @@
         </p:nvSpPr>
         <p:spPr>
           <a:xfrm>
-            <a:off x="3757173" y="6522727"/>
+            <a:off x="3757173" y="6486068"/>
             <a:ext cx="1868316" cy="1007968"/>
           </a:xfrm>
           <a:prstGeom prst="rect">
@@ -6627,7 +6728,7 @@
         </p:nvSpPr>
         <p:spPr>
           <a:xfrm>
-            <a:off x="2723381" y="2030660"/>
+            <a:off x="2721269" y="1764078"/>
             <a:ext cx="1517650" cy="307777"/>
           </a:xfrm>
           <a:prstGeom prst="rect">
@@ -6665,7 +6766,7 @@
         </p:nvSpPr>
         <p:spPr>
           <a:xfrm>
-            <a:off x="2099242" y="4794521"/>
+            <a:off x="2066072" y="4777441"/>
             <a:ext cx="3830239" cy="307777"/>
           </a:xfrm>
           <a:prstGeom prst="rect">
@@ -6703,7 +6804,7 @@
         </p:nvSpPr>
         <p:spPr>
           <a:xfrm>
-            <a:off x="2399757" y="7782156"/>
+            <a:off x="2403329" y="7830789"/>
             <a:ext cx="2444580" cy="307777"/>
           </a:xfrm>
           <a:prstGeom prst="rect">
@@ -6755,7 +6856,7 @@
         </p:nvSpPr>
         <p:spPr>
           <a:xfrm>
-            <a:off x="1675424" y="8213362"/>
+            <a:off x="1702496" y="8380404"/>
             <a:ext cx="1531589" cy="877163"/>
           </a:xfrm>
           <a:prstGeom prst="rect">
@@ -6873,7 +6974,7 @@
         </p:nvSpPr>
         <p:spPr>
           <a:xfrm>
-            <a:off x="262272" y="9087850"/>
+            <a:off x="256199" y="9252508"/>
             <a:ext cx="2804778" cy="353943"/>
           </a:xfrm>
           <a:prstGeom prst="rect">
@@ -6932,7 +7033,7 @@
         </p:nvSpPr>
         <p:spPr>
           <a:xfrm>
-            <a:off x="3432682" y="3822999"/>
+            <a:off x="3438464" y="3779102"/>
             <a:ext cx="2714118" cy="353943"/>
           </a:xfrm>
           <a:prstGeom prst="rect">
@@ -7116,6 +7217,129 @@
           </a:p>
         </p:txBody>
       </p:sp>
+      <p:cxnSp>
+        <p:nvCxnSpPr>
+          <p:cNvPr id="8" name="Gerader Verbinder 7">
+            <a:extLst>
+              <a:ext uri="{FF2B5EF4-FFF2-40B4-BE49-F238E27FC236}">
+                <a16:creationId xmlns:a16="http://schemas.microsoft.com/office/drawing/2014/main" id="{18DCBF10-03AF-411F-8CE2-4C92A653F2A0}"/>
+              </a:ext>
+            </a:extLst>
+          </p:cNvPr>
+          <p:cNvCxnSpPr/>
+          <p:nvPr/>
+        </p:nvCxnSpPr>
+        <p:spPr>
+          <a:xfrm flipV="1">
+            <a:off x="-5558" y="4768330"/>
+            <a:ext cx="7561263" cy="45009"/>
+          </a:xfrm>
+          <a:prstGeom prst="line">
+            <a:avLst/>
+          </a:prstGeom>
+          <a:ln w="19050">
+            <a:solidFill>
+              <a:schemeClr val="tx1"/>
+            </a:solidFill>
+          </a:ln>
+        </p:spPr>
+        <p:style>
+          <a:lnRef idx="1">
+            <a:schemeClr val="dk1"/>
+          </a:lnRef>
+          <a:fillRef idx="0">
+            <a:schemeClr val="dk1"/>
+          </a:fillRef>
+          <a:effectRef idx="0">
+            <a:schemeClr val="dk1"/>
+          </a:effectRef>
+          <a:fontRef idx="minor">
+            <a:schemeClr val="tx1"/>
+          </a:fontRef>
+        </p:style>
+      </p:cxnSp>
+      <p:cxnSp>
+        <p:nvCxnSpPr>
+          <p:cNvPr id="85" name="Gerader Verbinder 84">
+            <a:extLst>
+              <a:ext uri="{FF2B5EF4-FFF2-40B4-BE49-F238E27FC236}">
+                <a16:creationId xmlns:a16="http://schemas.microsoft.com/office/drawing/2014/main" id="{BA21FF74-3B95-456D-84E5-F03B04EFAA6B}"/>
+              </a:ext>
+            </a:extLst>
+          </p:cNvPr>
+          <p:cNvCxnSpPr/>
+          <p:nvPr/>
+        </p:nvCxnSpPr>
+        <p:spPr>
+          <a:xfrm flipV="1">
+            <a:off x="-5648" y="5047635"/>
+            <a:ext cx="7561263" cy="45009"/>
+          </a:xfrm>
+          <a:prstGeom prst="line">
+            <a:avLst/>
+          </a:prstGeom>
+          <a:ln w="19050">
+            <a:solidFill>
+              <a:schemeClr val="tx1"/>
+            </a:solidFill>
+          </a:ln>
+        </p:spPr>
+        <p:style>
+          <a:lnRef idx="1">
+            <a:schemeClr val="dk1"/>
+          </a:lnRef>
+          <a:fillRef idx="0">
+            <a:schemeClr val="dk1"/>
+          </a:fillRef>
+          <a:effectRef idx="0">
+            <a:schemeClr val="dk1"/>
+          </a:effectRef>
+          <a:fontRef idx="minor">
+            <a:schemeClr val="tx1"/>
+          </a:fontRef>
+        </p:style>
+      </p:cxnSp>
+      <p:cxnSp>
+        <p:nvCxnSpPr>
+          <p:cNvPr id="87" name="Gerader Verbinder 86">
+            <a:extLst>
+              <a:ext uri="{FF2B5EF4-FFF2-40B4-BE49-F238E27FC236}">
+                <a16:creationId xmlns:a16="http://schemas.microsoft.com/office/drawing/2014/main" id="{553011BE-542B-468C-BCCA-8F0452C6F58E}"/>
+              </a:ext>
+            </a:extLst>
+          </p:cNvPr>
+          <p:cNvCxnSpPr/>
+          <p:nvPr/>
+        </p:nvCxnSpPr>
+        <p:spPr>
+          <a:xfrm flipV="1">
+            <a:off x="-3342" y="7830789"/>
+            <a:ext cx="7561263" cy="45009"/>
+          </a:xfrm>
+          <a:prstGeom prst="line">
+            <a:avLst/>
+          </a:prstGeom>
+          <a:ln w="19050">
+            <a:solidFill>
+              <a:schemeClr val="tx1"/>
+            </a:solidFill>
+          </a:ln>
+        </p:spPr>
+        <p:style>
+          <a:lnRef idx="1">
+            <a:schemeClr val="dk1"/>
+          </a:lnRef>
+          <a:fillRef idx="0">
+            <a:schemeClr val="dk1"/>
+          </a:fillRef>
+          <a:effectRef idx="0">
+            <a:schemeClr val="dk1"/>
+          </a:effectRef>
+          <a:fontRef idx="minor">
+            <a:schemeClr val="tx1"/>
+          </a:fontRef>
+        </p:style>
+      </p:cxnSp>
     </p:spTree>
   </p:cSld>
   <p:clrMapOvr>
